--- a/eCommerce/Lectures/2nd Week Lecture.pptx
+++ b/eCommerce/Lectures/2nd Week Lecture.pptx
@@ -12,22 +12,15 @@
     <p:sldId id="263" r:id="rId6"/>
     <p:sldId id="257" r:id="rId7"/>
     <p:sldId id="265" r:id="rId8"/>
-    <p:sldId id="266" r:id="rId9"/>
-    <p:sldId id="267" r:id="rId10"/>
-    <p:sldId id="258" r:id="rId11"/>
-    <p:sldId id="268" r:id="rId12"/>
-    <p:sldId id="269" r:id="rId13"/>
-    <p:sldId id="274" r:id="rId14"/>
-    <p:sldId id="273" r:id="rId15"/>
-    <p:sldId id="259" r:id="rId16"/>
-    <p:sldId id="270" r:id="rId17"/>
-    <p:sldId id="275" r:id="rId18"/>
-    <p:sldId id="271" r:id="rId19"/>
-    <p:sldId id="260" r:id="rId20"/>
-    <p:sldId id="272" r:id="rId21"/>
-    <p:sldId id="276" r:id="rId22"/>
-    <p:sldId id="277" r:id="rId23"/>
-    <p:sldId id="278" r:id="rId24"/>
+    <p:sldId id="279" r:id="rId9"/>
+    <p:sldId id="258" r:id="rId10"/>
+    <p:sldId id="266" r:id="rId11"/>
+    <p:sldId id="259" r:id="rId12"/>
+    <p:sldId id="270" r:id="rId13"/>
+    <p:sldId id="275" r:id="rId14"/>
+    <p:sldId id="260" r:id="rId15"/>
+    <p:sldId id="272" r:id="rId16"/>
+    <p:sldId id="276" r:id="rId17"/>
   </p:sldIdLst>
   <p:sldSz cx="12192000" cy="6858000"/>
   <p:notesSz cx="6858000" cy="9144000"/>
@@ -856,7 +849,7 @@
           <a:p>
             <a:fld id="{F92B177F-34A6-4B22-B4DE-0B5E1D1AE6C4}" type="datetimeFigureOut">
               <a:rPr lang="en-US" smtClean="0"/>
-              <a:t>2/21/2024</a:t>
+              <a:t>3/5/2024</a:t>
             </a:fld>
             <a:endParaRPr lang="en-US"/>
           </a:p>
@@ -1107,7 +1100,7 @@
           <a:p>
             <a:fld id="{F92B177F-34A6-4B22-B4DE-0B5E1D1AE6C4}" type="datetimeFigureOut">
               <a:rPr lang="en-US" smtClean="0"/>
-              <a:t>2/21/2024</a:t>
+              <a:t>3/5/2024</a:t>
             </a:fld>
             <a:endParaRPr lang="en-US"/>
           </a:p>
@@ -1421,7 +1414,7 @@
           <a:p>
             <a:fld id="{F92B177F-34A6-4B22-B4DE-0B5E1D1AE6C4}" type="datetimeFigureOut">
               <a:rPr lang="en-US" smtClean="0"/>
-              <a:t>2/21/2024</a:t>
+              <a:t>3/5/2024</a:t>
             </a:fld>
             <a:endParaRPr lang="en-US"/>
           </a:p>
@@ -1762,7 +1755,7 @@
           <a:p>
             <a:fld id="{F92B177F-34A6-4B22-B4DE-0B5E1D1AE6C4}" type="datetimeFigureOut">
               <a:rPr lang="en-US" smtClean="0"/>
-              <a:t>2/21/2024</a:t>
+              <a:t>3/5/2024</a:t>
             </a:fld>
             <a:endParaRPr lang="en-US"/>
           </a:p>
@@ -2076,7 +2069,7 @@
           <a:p>
             <a:fld id="{F92B177F-34A6-4B22-B4DE-0B5E1D1AE6C4}" type="datetimeFigureOut">
               <a:rPr lang="en-US" smtClean="0"/>
-              <a:t>2/21/2024</a:t>
+              <a:t>3/5/2024</a:t>
             </a:fld>
             <a:endParaRPr lang="en-US"/>
           </a:p>
@@ -2469,7 +2462,7 @@
           <a:p>
             <a:fld id="{F92B177F-34A6-4B22-B4DE-0B5E1D1AE6C4}" type="datetimeFigureOut">
               <a:rPr lang="en-US" smtClean="0"/>
-              <a:t>2/21/2024</a:t>
+              <a:t>3/5/2024</a:t>
             </a:fld>
             <a:endParaRPr lang="en-US"/>
           </a:p>
@@ -2639,7 +2632,7 @@
           <a:p>
             <a:fld id="{F92B177F-34A6-4B22-B4DE-0B5E1D1AE6C4}" type="datetimeFigureOut">
               <a:rPr lang="en-US" smtClean="0"/>
-              <a:t>2/21/2024</a:t>
+              <a:t>3/5/2024</a:t>
             </a:fld>
             <a:endParaRPr lang="en-US"/>
           </a:p>
@@ -2819,7 +2812,7 @@
           <a:p>
             <a:fld id="{F92B177F-34A6-4B22-B4DE-0B5E1D1AE6C4}" type="datetimeFigureOut">
               <a:rPr lang="en-US" smtClean="0"/>
-              <a:t>2/21/2024</a:t>
+              <a:t>3/5/2024</a:t>
             </a:fld>
             <a:endParaRPr lang="en-US"/>
           </a:p>
@@ -2995,7 +2988,7 @@
           <a:p>
             <a:fld id="{F92B177F-34A6-4B22-B4DE-0B5E1D1AE6C4}" type="datetimeFigureOut">
               <a:rPr lang="en-US" smtClean="0"/>
-              <a:t>2/21/2024</a:t>
+              <a:t>3/5/2024</a:t>
             </a:fld>
             <a:endParaRPr lang="en-US"/>
           </a:p>
@@ -3242,7 +3235,7 @@
           <a:p>
             <a:fld id="{F92B177F-34A6-4B22-B4DE-0B5E1D1AE6C4}" type="datetimeFigureOut">
               <a:rPr lang="en-US" smtClean="0"/>
-              <a:t>2/21/2024</a:t>
+              <a:t>3/5/2024</a:t>
             </a:fld>
             <a:endParaRPr lang="en-US"/>
           </a:p>
@@ -3474,7 +3467,7 @@
           <a:p>
             <a:fld id="{F92B177F-34A6-4B22-B4DE-0B5E1D1AE6C4}" type="datetimeFigureOut">
               <a:rPr lang="en-US" smtClean="0"/>
-              <a:t>2/21/2024</a:t>
+              <a:t>3/5/2024</a:t>
             </a:fld>
             <a:endParaRPr lang="en-US"/>
           </a:p>
@@ -3848,7 +3841,7 @@
           <a:p>
             <a:fld id="{F92B177F-34A6-4B22-B4DE-0B5E1D1AE6C4}" type="datetimeFigureOut">
               <a:rPr lang="en-US" smtClean="0"/>
-              <a:t>2/21/2024</a:t>
+              <a:t>3/5/2024</a:t>
             </a:fld>
             <a:endParaRPr lang="en-US"/>
           </a:p>
@@ -3971,7 +3964,7 @@
           <a:p>
             <a:fld id="{F92B177F-34A6-4B22-B4DE-0B5E1D1AE6C4}" type="datetimeFigureOut">
               <a:rPr lang="en-US" smtClean="0"/>
-              <a:t>2/21/2024</a:t>
+              <a:t>3/5/2024</a:t>
             </a:fld>
             <a:endParaRPr lang="en-US"/>
           </a:p>
@@ -4066,7 +4059,7 @@
           <a:p>
             <a:fld id="{F92B177F-34A6-4B22-B4DE-0B5E1D1AE6C4}" type="datetimeFigureOut">
               <a:rPr lang="en-US" smtClean="0"/>
-              <a:t>2/21/2024</a:t>
+              <a:t>3/5/2024</a:t>
             </a:fld>
             <a:endParaRPr lang="en-US"/>
           </a:p>
@@ -4321,7 +4314,7 @@
           <a:p>
             <a:fld id="{F92B177F-34A6-4B22-B4DE-0B5E1D1AE6C4}" type="datetimeFigureOut">
               <a:rPr lang="en-US" smtClean="0"/>
-              <a:t>2/21/2024</a:t>
+              <a:t>3/5/2024</a:t>
             </a:fld>
             <a:endParaRPr lang="en-US"/>
           </a:p>
@@ -4584,7 +4577,7 @@
           <a:p>
             <a:fld id="{F92B177F-34A6-4B22-B4DE-0B5E1D1AE6C4}" type="datetimeFigureOut">
               <a:rPr lang="en-US" smtClean="0"/>
-              <a:t>2/21/2024</a:t>
+              <a:t>3/5/2024</a:t>
             </a:fld>
             <a:endParaRPr lang="en-US"/>
           </a:p>
@@ -5327,7 +5320,7 @@
           <a:p>
             <a:fld id="{F92B177F-34A6-4B22-B4DE-0B5E1D1AE6C4}" type="datetimeFigureOut">
               <a:rPr lang="en-US" smtClean="0"/>
-              <a:t>2/21/2024</a:t>
+              <a:t>3/5/2024</a:t>
             </a:fld>
             <a:endParaRPr lang="en-US"/>
           </a:p>
@@ -6200,7 +6193,7 @@
         <p:cNvPr id="1" name="">
           <a:extLst>
             <a:ext uri="{FF2B5EF4-FFF2-40B4-BE49-F238E27FC236}">
-              <a16:creationId xmlns:a16="http://schemas.microsoft.com/office/drawing/2014/main" id="{E96DD933-9E93-4321-D965-B067EFA10BC9}"/>
+              <a16:creationId xmlns:a16="http://schemas.microsoft.com/office/drawing/2014/main" id="{29C63344-A5D1-638C-C36D-121671A5F527}"/>
             </a:ext>
           </a:extLst>
         </p:cNvPr>
@@ -6220,7 +6213,7 @@
           <p:cNvPr id="7" name="Picture 6">
             <a:extLst>
               <a:ext uri="{FF2B5EF4-FFF2-40B4-BE49-F238E27FC236}">
-                <a16:creationId xmlns:a16="http://schemas.microsoft.com/office/drawing/2014/main" id="{5D1560CB-C582-AE30-F6AC-CF203C0E7524}"/>
+                <a16:creationId xmlns:a16="http://schemas.microsoft.com/office/drawing/2014/main" id="{C9C35E55-CD83-5DD0-497A-B68B0B87AFED}"/>
               </a:ext>
             </a:extLst>
           </p:cNvPr>
@@ -6256,7 +6249,7 @@
           <p:cNvPr id="8" name="TextBox 7">
             <a:extLst>
               <a:ext uri="{FF2B5EF4-FFF2-40B4-BE49-F238E27FC236}">
-                <a16:creationId xmlns:a16="http://schemas.microsoft.com/office/drawing/2014/main" id="{964F5ED1-B8CB-71D5-AC0F-9CD3D1699950}"/>
+                <a16:creationId xmlns:a16="http://schemas.microsoft.com/office/drawing/2014/main" id="{2E70EA5B-394B-5A9C-1962-EF80ABEFA742}"/>
               </a:ext>
             </a:extLst>
           </p:cNvPr>
@@ -6312,7 +6305,7 @@
           <p:cNvPr id="13" name="Scroll: Vertical 12">
             <a:extLst>
               <a:ext uri="{FF2B5EF4-FFF2-40B4-BE49-F238E27FC236}">
-                <a16:creationId xmlns:a16="http://schemas.microsoft.com/office/drawing/2014/main" id="{5038EA8D-7864-BE3E-498E-8AA5EA2BB75A}"/>
+                <a16:creationId xmlns:a16="http://schemas.microsoft.com/office/drawing/2014/main" id="{F43F7E9A-9023-5A80-E0BD-AF08F5ED787E}"/>
               </a:ext>
             </a:extLst>
           </p:cNvPr>
@@ -6365,10 +6358,10 @@
       </p:sp>
       <p:sp>
         <p:nvSpPr>
-          <p:cNvPr id="2" name="TextBox 1">
+          <p:cNvPr id="4" name="TextBox 3">
             <a:extLst>
               <a:ext uri="{FF2B5EF4-FFF2-40B4-BE49-F238E27FC236}">
-                <a16:creationId xmlns:a16="http://schemas.microsoft.com/office/drawing/2014/main" id="{D3811D06-FB79-4E52-FB31-001BB1645109}"/>
+                <a16:creationId xmlns:a16="http://schemas.microsoft.com/office/drawing/2014/main" id="{9C22047B-6E1D-9AED-49C8-35DAEB105F00}"/>
               </a:ext>
             </a:extLst>
           </p:cNvPr>
@@ -6377,8 +6370,8 @@
         </p:nvSpPr>
         <p:spPr>
           <a:xfrm>
-            <a:off x="1915234" y="1255590"/>
-            <a:ext cx="7215117" cy="4077526"/>
+            <a:off x="1109533" y="259307"/>
+            <a:ext cx="2559868" cy="707886"/>
           </a:xfrm>
           <a:prstGeom prst="rect">
             <a:avLst/>
@@ -6386,131 +6379,6 @@
           <a:noFill/>
         </p:spPr>
         <p:txBody>
-          <a:bodyPr wrap="square" rtlCol="0">
-            <a:spAutoFit/>
-          </a:bodyPr>
-          <a:lstStyle/>
-          <a:p>
-            <a:pPr marL="285750" indent="-285750">
-              <a:lnSpc>
-                <a:spcPct val="150000"/>
-              </a:lnSpc>
-              <a:buFont typeface="Wingdings" panose="05000000000000000000" pitchFamily="2" charset="2"/>
-              <a:buChar char="Ø"/>
-            </a:pPr>
-            <a:r>
-              <a:rPr lang="en-US" sz="3600" b="1" dirty="0">
-                <a:latin typeface="Times New Roman" panose="02020603050405020304" pitchFamily="18" charset="0"/>
-                <a:cs typeface="Times New Roman" panose="02020603050405020304" pitchFamily="18" charset="0"/>
-              </a:rPr>
-              <a:t>Day 3: </a:t>
-            </a:r>
-          </a:p>
-          <a:p>
-            <a:pPr marL="1485900" lvl="2" indent="-571500">
-              <a:lnSpc>
-                <a:spcPct val="150000"/>
-              </a:lnSpc>
-              <a:buFont typeface="+mj-lt"/>
-              <a:buAutoNum type="romanUcPeriod"/>
-            </a:pPr>
-            <a:r>
-              <a:rPr lang="en-US" sz="2800" dirty="0">
-                <a:latin typeface="Times New Roman" panose="02020603050405020304" pitchFamily="18" charset="0"/>
-                <a:cs typeface="Times New Roman" panose="02020603050405020304" pitchFamily="18" charset="0"/>
-              </a:rPr>
-              <a:t>Product listing guidelines</a:t>
-            </a:r>
-          </a:p>
-          <a:p>
-            <a:pPr marL="1485900" lvl="2" indent="-571500">
-              <a:lnSpc>
-                <a:spcPct val="150000"/>
-              </a:lnSpc>
-              <a:buFont typeface="+mj-lt"/>
-              <a:buAutoNum type="romanUcPeriod"/>
-            </a:pPr>
-            <a:r>
-              <a:rPr lang="en-US" sz="2800" dirty="0">
-                <a:latin typeface="Times New Roman" panose="02020603050405020304" pitchFamily="18" charset="0"/>
-                <a:cs typeface="Times New Roman" panose="02020603050405020304" pitchFamily="18" charset="0"/>
-              </a:rPr>
-              <a:t>Listing requires</a:t>
-            </a:r>
-          </a:p>
-          <a:p>
-            <a:pPr marL="1943100" lvl="3" indent="-571500">
-              <a:lnSpc>
-                <a:spcPct val="150000"/>
-              </a:lnSpc>
-              <a:buFont typeface="Arial" panose="020B0604020202020204" pitchFamily="34" charset="0"/>
-              <a:buChar char="•"/>
-            </a:pPr>
-            <a:r>
-              <a:rPr lang="en-US" sz="2800" dirty="0">
-                <a:latin typeface="Times New Roman" panose="02020603050405020304" pitchFamily="18" charset="0"/>
-                <a:cs typeface="Times New Roman" panose="02020603050405020304" pitchFamily="18" charset="0"/>
-              </a:rPr>
-              <a:t>Title, Description, Images</a:t>
-            </a:r>
-          </a:p>
-          <a:p>
-            <a:pPr marL="1485900" lvl="2" indent="-571500">
-              <a:lnSpc>
-                <a:spcPct val="150000"/>
-              </a:lnSpc>
-              <a:buFont typeface="+mj-lt"/>
-              <a:buAutoNum type="romanUcPeriod"/>
-            </a:pPr>
-            <a:r>
-              <a:rPr lang="en-US" sz="2800" dirty="0">
-                <a:latin typeface="Times New Roman" panose="02020603050405020304" pitchFamily="18" charset="0"/>
-                <a:cs typeface="Times New Roman" panose="02020603050405020304" pitchFamily="18" charset="0"/>
-              </a:rPr>
-              <a:t>Creating Sample Product</a:t>
-            </a:r>
-          </a:p>
-          <a:p>
-            <a:pPr marL="1485900" lvl="2" indent="-571500">
-              <a:lnSpc>
-                <a:spcPct val="150000"/>
-              </a:lnSpc>
-              <a:buFont typeface="+mj-lt"/>
-              <a:buAutoNum type="romanUcPeriod"/>
-            </a:pPr>
-            <a:r>
-              <a:rPr lang="en-US" sz="2800" dirty="0">
-                <a:latin typeface="Times New Roman" panose="02020603050405020304" pitchFamily="18" charset="0"/>
-                <a:cs typeface="Times New Roman" panose="02020603050405020304" pitchFamily="18" charset="0"/>
-              </a:rPr>
-              <a:t>Review and Feedback on listing</a:t>
-            </a:r>
-          </a:p>
-        </p:txBody>
-      </p:sp>
-      <p:sp>
-        <p:nvSpPr>
-          <p:cNvPr id="3" name="TextBox 2">
-            <a:extLst>
-              <a:ext uri="{FF2B5EF4-FFF2-40B4-BE49-F238E27FC236}">
-                <a16:creationId xmlns:a16="http://schemas.microsoft.com/office/drawing/2014/main" id="{5CDE55E0-C350-BA4F-4A33-CDF5780CF05D}"/>
-              </a:ext>
-            </a:extLst>
-          </p:cNvPr>
-          <p:cNvSpPr txBox="1"/>
-          <p:nvPr/>
-        </p:nvSpPr>
-        <p:spPr>
-          <a:xfrm>
-            <a:off x="1109533" y="259307"/>
-            <a:ext cx="2559868" cy="707886"/>
-          </a:xfrm>
-          <a:prstGeom prst="rect">
-            <a:avLst/>
-          </a:prstGeom>
-          <a:noFill/>
-        </p:spPr>
-        <p:txBody>
           <a:bodyPr wrap="none" rtlCol="0">
             <a:spAutoFit/>
           </a:bodyPr>
@@ -6520,238 +6388,17 @@
               <a:rPr lang="en-US" sz="4000" b="1" dirty="0">
                 <a:latin typeface="Arial Black" panose="020B0A04020102020204" pitchFamily="34" charset="0"/>
               </a:rPr>
-              <a:t>Week #1</a:t>
-            </a:r>
-          </a:p>
-        </p:txBody>
-      </p:sp>
-    </p:spTree>
-    <p:extLst>
-      <p:ext uri="{BB962C8B-B14F-4D97-AF65-F5344CB8AC3E}">
-        <p14:creationId xmlns:p14="http://schemas.microsoft.com/office/powerpoint/2010/main" val="2003900591"/>
-      </p:ext>
-    </p:extLst>
-  </p:cSld>
-  <p:clrMapOvr>
-    <a:masterClrMapping/>
-  </p:clrMapOvr>
-</p:sld>
-</file>
-
-<file path=ppt/slides/slide11.xml><?xml version="1.0" encoding="utf-8"?>
-<p:sld xmlns:a="http://schemas.openxmlformats.org/drawingml/2006/main" xmlns:r="http://schemas.openxmlformats.org/officeDocument/2006/relationships" xmlns:p="http://schemas.openxmlformats.org/presentationml/2006/main">
-  <p:cSld>
-    <p:spTree>
-      <p:nvGrpSpPr>
-        <p:cNvPr id="1" name="">
-          <a:extLst>
-            <a:ext uri="{FF2B5EF4-FFF2-40B4-BE49-F238E27FC236}">
-              <a16:creationId xmlns:a16="http://schemas.microsoft.com/office/drawing/2014/main" id="{B108BF96-2CE7-B8FC-0032-DF2CADA21682}"/>
-            </a:ext>
-          </a:extLst>
-        </p:cNvPr>
-        <p:cNvGrpSpPr/>
-        <p:nvPr/>
-      </p:nvGrpSpPr>
-      <p:grpSpPr>
-        <a:xfrm>
-          <a:off x="0" y="0"/>
-          <a:ext cx="0" cy="0"/>
-          <a:chOff x="0" y="0"/>
-          <a:chExt cx="0" cy="0"/>
-        </a:xfrm>
-      </p:grpSpPr>
+              <a:t>Week #2</a:t>
+            </a:r>
+          </a:p>
+        </p:txBody>
+      </p:sp>
       <p:pic>
         <p:nvPicPr>
-          <p:cNvPr id="7" name="Picture 6">
+          <p:cNvPr id="5" name="Picture 2" descr="Help Center">
             <a:extLst>
               <a:ext uri="{FF2B5EF4-FFF2-40B4-BE49-F238E27FC236}">
-                <a16:creationId xmlns:a16="http://schemas.microsoft.com/office/drawing/2014/main" id="{9AF48C60-F5C8-0A78-6D00-BB10CC29BD9D}"/>
-              </a:ext>
-            </a:extLst>
-          </p:cNvPr>
-          <p:cNvPicPr>
-            <a:picLocks noChangeAspect="1"/>
-          </p:cNvPicPr>
-          <p:nvPr/>
-        </p:nvPicPr>
-        <p:blipFill>
-          <a:blip r:embed="rId2">
-            <a:extLst>
-              <a:ext uri="{28A0092B-C50C-407E-A947-70E740481C1C}">
-                <a14:useLocalDpi xmlns:a14="http://schemas.microsoft.com/office/drawing/2010/main" val="0"/>
-              </a:ext>
-            </a:extLst>
-          </a:blip>
-          <a:stretch>
-            <a:fillRect/>
-          </a:stretch>
-        </p:blipFill>
-        <p:spPr>
-          <a:xfrm>
-            <a:off x="0" y="4844958"/>
-            <a:ext cx="1915235" cy="1915235"/>
-          </a:xfrm>
-          <a:prstGeom prst="rect">
-            <a:avLst/>
-          </a:prstGeom>
-        </p:spPr>
-      </p:pic>
-      <p:sp>
-        <p:nvSpPr>
-          <p:cNvPr id="8" name="TextBox 7">
-            <a:extLst>
-              <a:ext uri="{FF2B5EF4-FFF2-40B4-BE49-F238E27FC236}">
-                <a16:creationId xmlns:a16="http://schemas.microsoft.com/office/drawing/2014/main" id="{B77D643B-D2A7-E4FD-6544-0B53626EEE80}"/>
-              </a:ext>
-            </a:extLst>
-          </p:cNvPr>
-          <p:cNvSpPr txBox="1"/>
-          <p:nvPr/>
-        </p:nvSpPr>
-        <p:spPr>
-          <a:xfrm>
-            <a:off x="9778558" y="259307"/>
-            <a:ext cx="2536272" cy="461665"/>
-          </a:xfrm>
-          <a:prstGeom prst="rect">
-            <a:avLst/>
-          </a:prstGeom>
-          <a:noFill/>
-        </p:spPr>
-        <p:txBody>
-          <a:bodyPr wrap="square" rtlCol="0">
-            <a:spAutoFit/>
-          </a:bodyPr>
-          <a:lstStyle/>
-          <a:p>
-            <a:r>
-              <a:rPr lang="en-US" sz="2400" b="1" dirty="0">
-                <a:solidFill>
-                  <a:schemeClr val="bg1"/>
-                </a:solidFill>
-                <a:latin typeface="Arial Black" panose="020B0A04020102020204" pitchFamily="34" charset="0"/>
-              </a:rPr>
-              <a:t>AI Academy</a:t>
-            </a:r>
-            <a:r>
-              <a:rPr lang="en-US" sz="2400" b="0" i="0" dirty="0">
-                <a:solidFill>
-                  <a:schemeClr val="bg1"/>
-                </a:solidFill>
-                <a:effectLst/>
-                <a:latin typeface="arial" panose="020B0604020202020204" pitchFamily="34" charset="0"/>
-              </a:rPr>
-              <a:t>®</a:t>
-            </a:r>
-            <a:endParaRPr lang="en-US" sz="2400" b="1" dirty="0">
-              <a:solidFill>
-                <a:schemeClr val="bg1"/>
-              </a:solidFill>
-              <a:latin typeface="Arial Black" panose="020B0A04020102020204" pitchFamily="34" charset="0"/>
-            </a:endParaRPr>
-          </a:p>
-        </p:txBody>
-      </p:sp>
-      <p:sp>
-        <p:nvSpPr>
-          <p:cNvPr id="13" name="Scroll: Vertical 12">
-            <a:extLst>
-              <a:ext uri="{FF2B5EF4-FFF2-40B4-BE49-F238E27FC236}">
-                <a16:creationId xmlns:a16="http://schemas.microsoft.com/office/drawing/2014/main" id="{879030EE-F621-021B-B35C-4E86F84C0C2C}"/>
-              </a:ext>
-            </a:extLst>
-          </p:cNvPr>
-          <p:cNvSpPr/>
-          <p:nvPr/>
-        </p:nvSpPr>
-        <p:spPr>
-          <a:xfrm>
-            <a:off x="10459839" y="887102"/>
-            <a:ext cx="1091821" cy="873457"/>
-          </a:xfrm>
-          <a:prstGeom prst="verticalScroll">
-            <a:avLst/>
-          </a:prstGeom>
-          <a:solidFill>
-            <a:schemeClr val="bg1"/>
-          </a:solidFill>
-        </p:spPr>
-        <p:style>
-          <a:lnRef idx="2">
-            <a:schemeClr val="accent1">
-              <a:shade val="15000"/>
-            </a:schemeClr>
-          </a:lnRef>
-          <a:fillRef idx="1">
-            <a:schemeClr val="accent1"/>
-          </a:fillRef>
-          <a:effectRef idx="0">
-            <a:schemeClr val="accent1"/>
-          </a:effectRef>
-          <a:fontRef idx="minor">
-            <a:schemeClr val="lt1"/>
-          </a:fontRef>
-        </p:style>
-        <p:txBody>
-          <a:bodyPr rtlCol="0" anchor="ctr"/>
-          <a:lstStyle/>
-          <a:p>
-            <a:pPr algn="ctr"/>
-            <a:r>
-              <a:rPr lang="en-US" sz="4400" b="1" dirty="0">
-                <a:solidFill>
-                  <a:schemeClr val="tx1"/>
-                </a:solidFill>
-              </a:rPr>
-              <a:t>11</a:t>
-            </a:r>
-          </a:p>
-        </p:txBody>
-      </p:sp>
-      <p:sp>
-        <p:nvSpPr>
-          <p:cNvPr id="3" name="TextBox 2">
-            <a:extLst>
-              <a:ext uri="{FF2B5EF4-FFF2-40B4-BE49-F238E27FC236}">
-                <a16:creationId xmlns:a16="http://schemas.microsoft.com/office/drawing/2014/main" id="{D722E053-E50D-1164-DDF7-1DF91767E35E}"/>
-              </a:ext>
-            </a:extLst>
-          </p:cNvPr>
-          <p:cNvSpPr txBox="1"/>
-          <p:nvPr/>
-        </p:nvSpPr>
-        <p:spPr>
-          <a:xfrm>
-            <a:off x="1109533" y="259307"/>
-            <a:ext cx="2559868" cy="707886"/>
-          </a:xfrm>
-          <a:prstGeom prst="rect">
-            <a:avLst/>
-          </a:prstGeom>
-          <a:noFill/>
-        </p:spPr>
-        <p:txBody>
-          <a:bodyPr wrap="none" rtlCol="0">
-            <a:spAutoFit/>
-          </a:bodyPr>
-          <a:lstStyle/>
-          <a:p>
-            <a:r>
-              <a:rPr lang="en-US" sz="4000" b="1" dirty="0">
-                <a:latin typeface="Arial Black" panose="020B0A04020102020204" pitchFamily="34" charset="0"/>
-              </a:rPr>
-              <a:t>Week #1</a:t>
-            </a:r>
-          </a:p>
-        </p:txBody>
-      </p:sp>
-      <p:pic>
-        <p:nvPicPr>
-          <p:cNvPr id="2050" name="Picture 2" descr="Ecommerce Shipping &amp; Delivery: Methods, Solutions, &amp; Costs">
-            <a:extLst>
-              <a:ext uri="{FF2B5EF4-FFF2-40B4-BE49-F238E27FC236}">
-                <a16:creationId xmlns:a16="http://schemas.microsoft.com/office/drawing/2014/main" id="{2D948930-E58A-B391-134B-D403C004E7A8}"/>
+                <a16:creationId xmlns:a16="http://schemas.microsoft.com/office/drawing/2014/main" id="{F7F1BBA1-B403-BB08-6C13-7A4BFB41CDB5}"/>
               </a:ext>
             </a:extLst>
           </p:cNvPr>
@@ -6775,8 +6422,8 @@
         </p:blipFill>
         <p:spPr bwMode="auto">
           <a:xfrm>
-            <a:off x="1005113" y="1509480"/>
-            <a:ext cx="8616042" cy="2872014"/>
+            <a:off x="1192306" y="967193"/>
+            <a:ext cx="8328086" cy="3877765"/>
           </a:xfrm>
           <a:prstGeom prst="rect">
             <a:avLst/>
@@ -6793,48 +6440,10 @@
           </a:extLst>
         </p:spPr>
       </p:pic>
-      <p:sp>
-        <p:nvSpPr>
-          <p:cNvPr id="2" name="TextBox 1">
-            <a:extLst>
-              <a:ext uri="{FF2B5EF4-FFF2-40B4-BE49-F238E27FC236}">
-                <a16:creationId xmlns:a16="http://schemas.microsoft.com/office/drawing/2014/main" id="{A68162B7-4958-2070-657D-DF47204068DC}"/>
-              </a:ext>
-            </a:extLst>
-          </p:cNvPr>
-          <p:cNvSpPr txBox="1"/>
-          <p:nvPr/>
-        </p:nvSpPr>
-        <p:spPr>
-          <a:xfrm>
-            <a:off x="1115927" y="939641"/>
-            <a:ext cx="8128000" cy="523221"/>
-          </a:xfrm>
-          <a:prstGeom prst="rect">
-            <a:avLst/>
-          </a:prstGeom>
-          <a:noFill/>
-        </p:spPr>
-        <p:txBody>
-          <a:bodyPr wrap="square" rtlCol="0">
-            <a:spAutoFit/>
-          </a:bodyPr>
-          <a:lstStyle/>
-          <a:p>
-            <a:r>
-              <a:rPr lang="en-US" sz="2800" b="1" dirty="0">
-                <a:latin typeface="Times New Roman" panose="02020603050405020304" pitchFamily="18" charset="0"/>
-                <a:cs typeface="Times New Roman" panose="02020603050405020304" pitchFamily="18" charset="0"/>
-              </a:rPr>
-              <a:t>Shipment and Courier:</a:t>
-            </a:r>
-          </a:p>
-        </p:txBody>
-      </p:sp>
     </p:spTree>
     <p:extLst>
       <p:ext uri="{BB962C8B-B14F-4D97-AF65-F5344CB8AC3E}">
-        <p14:creationId xmlns:p14="http://schemas.microsoft.com/office/powerpoint/2010/main" val="1318892738"/>
+        <p14:creationId xmlns:p14="http://schemas.microsoft.com/office/powerpoint/2010/main" val="2879467088"/>
       </p:ext>
     </p:extLst>
   </p:cSld>
@@ -6844,925 +6453,7 @@
 </p:sld>
 </file>
 
-<file path=ppt/slides/slide12.xml><?xml version="1.0" encoding="utf-8"?>
-<p:sld xmlns:a="http://schemas.openxmlformats.org/drawingml/2006/main" xmlns:r="http://schemas.openxmlformats.org/officeDocument/2006/relationships" xmlns:p="http://schemas.openxmlformats.org/presentationml/2006/main">
-  <p:cSld>
-    <p:spTree>
-      <p:nvGrpSpPr>
-        <p:cNvPr id="1" name="">
-          <a:extLst>
-            <a:ext uri="{FF2B5EF4-FFF2-40B4-BE49-F238E27FC236}">
-              <a16:creationId xmlns:a16="http://schemas.microsoft.com/office/drawing/2014/main" id="{56658A77-E420-3696-D11A-701FA3F9FFCA}"/>
-            </a:ext>
-          </a:extLst>
-        </p:cNvPr>
-        <p:cNvGrpSpPr/>
-        <p:nvPr/>
-      </p:nvGrpSpPr>
-      <p:grpSpPr>
-        <a:xfrm>
-          <a:off x="0" y="0"/>
-          <a:ext cx="0" cy="0"/>
-          <a:chOff x="0" y="0"/>
-          <a:chExt cx="0" cy="0"/>
-        </a:xfrm>
-      </p:grpSpPr>
-      <p:pic>
-        <p:nvPicPr>
-          <p:cNvPr id="7" name="Picture 6">
-            <a:extLst>
-              <a:ext uri="{FF2B5EF4-FFF2-40B4-BE49-F238E27FC236}">
-                <a16:creationId xmlns:a16="http://schemas.microsoft.com/office/drawing/2014/main" id="{870943D1-6A51-75DA-D09C-3BE2A900DE80}"/>
-              </a:ext>
-            </a:extLst>
-          </p:cNvPr>
-          <p:cNvPicPr>
-            <a:picLocks noChangeAspect="1"/>
-          </p:cNvPicPr>
-          <p:nvPr/>
-        </p:nvPicPr>
-        <p:blipFill>
-          <a:blip r:embed="rId2">
-            <a:extLst>
-              <a:ext uri="{28A0092B-C50C-407E-A947-70E740481C1C}">
-                <a14:useLocalDpi xmlns:a14="http://schemas.microsoft.com/office/drawing/2010/main" val="0"/>
-              </a:ext>
-            </a:extLst>
-          </a:blip>
-          <a:stretch>
-            <a:fillRect/>
-          </a:stretch>
-        </p:blipFill>
-        <p:spPr>
-          <a:xfrm>
-            <a:off x="0" y="4844958"/>
-            <a:ext cx="1915235" cy="1915235"/>
-          </a:xfrm>
-          <a:prstGeom prst="rect">
-            <a:avLst/>
-          </a:prstGeom>
-        </p:spPr>
-      </p:pic>
-      <p:sp>
-        <p:nvSpPr>
-          <p:cNvPr id="8" name="TextBox 7">
-            <a:extLst>
-              <a:ext uri="{FF2B5EF4-FFF2-40B4-BE49-F238E27FC236}">
-                <a16:creationId xmlns:a16="http://schemas.microsoft.com/office/drawing/2014/main" id="{CFACCD1D-4D00-6E29-92AB-E6C875151B48}"/>
-              </a:ext>
-            </a:extLst>
-          </p:cNvPr>
-          <p:cNvSpPr txBox="1"/>
-          <p:nvPr/>
-        </p:nvSpPr>
-        <p:spPr>
-          <a:xfrm>
-            <a:off x="9778558" y="259307"/>
-            <a:ext cx="2536272" cy="461665"/>
-          </a:xfrm>
-          <a:prstGeom prst="rect">
-            <a:avLst/>
-          </a:prstGeom>
-          <a:noFill/>
-        </p:spPr>
-        <p:txBody>
-          <a:bodyPr wrap="square" rtlCol="0">
-            <a:spAutoFit/>
-          </a:bodyPr>
-          <a:lstStyle/>
-          <a:p>
-            <a:r>
-              <a:rPr lang="en-US" sz="2400" b="1" dirty="0">
-                <a:solidFill>
-                  <a:schemeClr val="bg1"/>
-                </a:solidFill>
-                <a:latin typeface="Arial Black" panose="020B0A04020102020204" pitchFamily="34" charset="0"/>
-              </a:rPr>
-              <a:t>AI Academy</a:t>
-            </a:r>
-            <a:r>
-              <a:rPr lang="en-US" sz="2400" b="0" i="0" dirty="0">
-                <a:solidFill>
-                  <a:schemeClr val="bg1"/>
-                </a:solidFill>
-                <a:effectLst/>
-                <a:latin typeface="arial" panose="020B0604020202020204" pitchFamily="34" charset="0"/>
-              </a:rPr>
-              <a:t>®</a:t>
-            </a:r>
-            <a:endParaRPr lang="en-US" sz="2400" b="1" dirty="0">
-              <a:solidFill>
-                <a:schemeClr val="bg1"/>
-              </a:solidFill>
-              <a:latin typeface="Arial Black" panose="020B0A04020102020204" pitchFamily="34" charset="0"/>
-            </a:endParaRPr>
-          </a:p>
-        </p:txBody>
-      </p:sp>
-      <p:sp>
-        <p:nvSpPr>
-          <p:cNvPr id="13" name="Scroll: Vertical 12">
-            <a:extLst>
-              <a:ext uri="{FF2B5EF4-FFF2-40B4-BE49-F238E27FC236}">
-                <a16:creationId xmlns:a16="http://schemas.microsoft.com/office/drawing/2014/main" id="{CF2CFB75-7C4E-986C-EA5A-45A13D64BF3A}"/>
-              </a:ext>
-            </a:extLst>
-          </p:cNvPr>
-          <p:cNvSpPr/>
-          <p:nvPr/>
-        </p:nvSpPr>
-        <p:spPr>
-          <a:xfrm>
-            <a:off x="10459839" y="887102"/>
-            <a:ext cx="1091821" cy="873457"/>
-          </a:xfrm>
-          <a:prstGeom prst="verticalScroll">
-            <a:avLst/>
-          </a:prstGeom>
-          <a:solidFill>
-            <a:schemeClr val="bg1"/>
-          </a:solidFill>
-        </p:spPr>
-        <p:style>
-          <a:lnRef idx="2">
-            <a:schemeClr val="accent1">
-              <a:shade val="15000"/>
-            </a:schemeClr>
-          </a:lnRef>
-          <a:fillRef idx="1">
-            <a:schemeClr val="accent1"/>
-          </a:fillRef>
-          <a:effectRef idx="0">
-            <a:schemeClr val="accent1"/>
-          </a:effectRef>
-          <a:fontRef idx="minor">
-            <a:schemeClr val="lt1"/>
-          </a:fontRef>
-        </p:style>
-        <p:txBody>
-          <a:bodyPr rtlCol="0" anchor="ctr"/>
-          <a:lstStyle/>
-          <a:p>
-            <a:pPr algn="ctr"/>
-            <a:r>
-              <a:rPr lang="en-US" sz="4400" b="1" dirty="0">
-                <a:solidFill>
-                  <a:schemeClr val="tx1"/>
-                </a:solidFill>
-              </a:rPr>
-              <a:t>12</a:t>
-            </a:r>
-          </a:p>
-        </p:txBody>
-      </p:sp>
-      <p:sp>
-        <p:nvSpPr>
-          <p:cNvPr id="3" name="TextBox 2">
-            <a:extLst>
-              <a:ext uri="{FF2B5EF4-FFF2-40B4-BE49-F238E27FC236}">
-                <a16:creationId xmlns:a16="http://schemas.microsoft.com/office/drawing/2014/main" id="{084A7C64-7DA4-AED0-B847-85EAB52D74DD}"/>
-              </a:ext>
-            </a:extLst>
-          </p:cNvPr>
-          <p:cNvSpPr txBox="1"/>
-          <p:nvPr/>
-        </p:nvSpPr>
-        <p:spPr>
-          <a:xfrm>
-            <a:off x="1109533" y="259307"/>
-            <a:ext cx="2559868" cy="707886"/>
-          </a:xfrm>
-          <a:prstGeom prst="rect">
-            <a:avLst/>
-          </a:prstGeom>
-          <a:noFill/>
-        </p:spPr>
-        <p:txBody>
-          <a:bodyPr wrap="none" rtlCol="0">
-            <a:spAutoFit/>
-          </a:bodyPr>
-          <a:lstStyle/>
-          <a:p>
-            <a:r>
-              <a:rPr lang="en-US" sz="4000" b="1" dirty="0">
-                <a:latin typeface="Arial Black" panose="020B0A04020102020204" pitchFamily="34" charset="0"/>
-              </a:rPr>
-              <a:t>Week #1</a:t>
-            </a:r>
-          </a:p>
-        </p:txBody>
-      </p:sp>
-      <p:pic>
-        <p:nvPicPr>
-          <p:cNvPr id="3074" name="Picture 2" descr="E-commerce Inventory Management | Goods Order Inventory">
-            <a:extLst>
-              <a:ext uri="{FF2B5EF4-FFF2-40B4-BE49-F238E27FC236}">
-                <a16:creationId xmlns:a16="http://schemas.microsoft.com/office/drawing/2014/main" id="{05F5CFBC-AB92-A12C-A01F-A1F41E68D02C}"/>
-              </a:ext>
-            </a:extLst>
-          </p:cNvPr>
-          <p:cNvPicPr>
-            <a:picLocks noChangeAspect="1" noChangeArrowheads="1"/>
-          </p:cNvPicPr>
-          <p:nvPr/>
-        </p:nvPicPr>
-        <p:blipFill>
-          <a:blip r:embed="rId3">
-            <a:extLst>
-              <a:ext uri="{28A0092B-C50C-407E-A947-70E740481C1C}">
-                <a14:useLocalDpi xmlns:a14="http://schemas.microsoft.com/office/drawing/2010/main" val="0"/>
-              </a:ext>
-            </a:extLst>
-          </a:blip>
-          <a:srcRect/>
-          <a:stretch>
-            <a:fillRect/>
-          </a:stretch>
-        </p:blipFill>
-        <p:spPr bwMode="auto">
-          <a:xfrm>
-            <a:off x="1697521" y="1664700"/>
-            <a:ext cx="7559721" cy="3222399"/>
-          </a:xfrm>
-          <a:prstGeom prst="rect">
-            <a:avLst/>
-          </a:prstGeom>
-          <a:noFill/>
-          <a:extLst>
-            <a:ext uri="{909E8E84-426E-40DD-AFC4-6F175D3DCCD1}">
-              <a14:hiddenFill xmlns:a14="http://schemas.microsoft.com/office/drawing/2010/main">
-                <a:solidFill>
-                  <a:srgbClr val="FFFFFF"/>
-                </a:solidFill>
-              </a14:hiddenFill>
-            </a:ext>
-          </a:extLst>
-        </p:spPr>
-      </p:pic>
-      <p:sp>
-        <p:nvSpPr>
-          <p:cNvPr id="2" name="TextBox 1">
-            <a:extLst>
-              <a:ext uri="{FF2B5EF4-FFF2-40B4-BE49-F238E27FC236}">
-                <a16:creationId xmlns:a16="http://schemas.microsoft.com/office/drawing/2014/main" id="{0808C08C-A932-124C-C16D-50741070E806}"/>
-              </a:ext>
-            </a:extLst>
-          </p:cNvPr>
-          <p:cNvSpPr txBox="1"/>
-          <p:nvPr/>
-        </p:nvSpPr>
-        <p:spPr>
-          <a:xfrm>
-            <a:off x="1123181" y="859806"/>
-            <a:ext cx="8128000" cy="523221"/>
-          </a:xfrm>
-          <a:prstGeom prst="rect">
-            <a:avLst/>
-          </a:prstGeom>
-          <a:noFill/>
-        </p:spPr>
-        <p:txBody>
-          <a:bodyPr wrap="square" rtlCol="0">
-            <a:spAutoFit/>
-          </a:bodyPr>
-          <a:lstStyle/>
-          <a:p>
-            <a:r>
-              <a:rPr lang="en-US" sz="2800" b="1" dirty="0">
-                <a:latin typeface="Times New Roman" panose="02020603050405020304" pitchFamily="18" charset="0"/>
-                <a:cs typeface="Times New Roman" panose="02020603050405020304" pitchFamily="18" charset="0"/>
-              </a:rPr>
-              <a:t>eCommerce Inventory:</a:t>
-            </a:r>
-          </a:p>
-        </p:txBody>
-      </p:sp>
-    </p:spTree>
-    <p:extLst>
-      <p:ext uri="{BB962C8B-B14F-4D97-AF65-F5344CB8AC3E}">
-        <p14:creationId xmlns:p14="http://schemas.microsoft.com/office/powerpoint/2010/main" val="2792314954"/>
-      </p:ext>
-    </p:extLst>
-  </p:cSld>
-  <p:clrMapOvr>
-    <a:masterClrMapping/>
-  </p:clrMapOvr>
-</p:sld>
-</file>
-
-<file path=ppt/slides/slide13.xml><?xml version="1.0" encoding="utf-8"?>
-<p:sld xmlns:a="http://schemas.openxmlformats.org/drawingml/2006/main" xmlns:r="http://schemas.openxmlformats.org/officeDocument/2006/relationships" xmlns:p="http://schemas.openxmlformats.org/presentationml/2006/main">
-  <p:cSld>
-    <p:spTree>
-      <p:nvGrpSpPr>
-        <p:cNvPr id="1" name="">
-          <a:extLst>
-            <a:ext uri="{FF2B5EF4-FFF2-40B4-BE49-F238E27FC236}">
-              <a16:creationId xmlns:a16="http://schemas.microsoft.com/office/drawing/2014/main" id="{52150E9B-F18A-5879-6329-E07FA8B88264}"/>
-            </a:ext>
-          </a:extLst>
-        </p:cNvPr>
-        <p:cNvGrpSpPr/>
-        <p:nvPr/>
-      </p:nvGrpSpPr>
-      <p:grpSpPr>
-        <a:xfrm>
-          <a:off x="0" y="0"/>
-          <a:ext cx="0" cy="0"/>
-          <a:chOff x="0" y="0"/>
-          <a:chExt cx="0" cy="0"/>
-        </a:xfrm>
-      </p:grpSpPr>
-      <p:pic>
-        <p:nvPicPr>
-          <p:cNvPr id="7" name="Picture 6">
-            <a:extLst>
-              <a:ext uri="{FF2B5EF4-FFF2-40B4-BE49-F238E27FC236}">
-                <a16:creationId xmlns:a16="http://schemas.microsoft.com/office/drawing/2014/main" id="{BDB8F9B0-E112-783E-C380-F9B206D0AD95}"/>
-              </a:ext>
-            </a:extLst>
-          </p:cNvPr>
-          <p:cNvPicPr>
-            <a:picLocks noChangeAspect="1"/>
-          </p:cNvPicPr>
-          <p:nvPr/>
-        </p:nvPicPr>
-        <p:blipFill>
-          <a:blip r:embed="rId2">
-            <a:extLst>
-              <a:ext uri="{28A0092B-C50C-407E-A947-70E740481C1C}">
-                <a14:useLocalDpi xmlns:a14="http://schemas.microsoft.com/office/drawing/2010/main" val="0"/>
-              </a:ext>
-            </a:extLst>
-          </a:blip>
-          <a:stretch>
-            <a:fillRect/>
-          </a:stretch>
-        </p:blipFill>
-        <p:spPr>
-          <a:xfrm>
-            <a:off x="0" y="4844958"/>
-            <a:ext cx="1915235" cy="1915235"/>
-          </a:xfrm>
-          <a:prstGeom prst="rect">
-            <a:avLst/>
-          </a:prstGeom>
-        </p:spPr>
-      </p:pic>
-      <p:sp>
-        <p:nvSpPr>
-          <p:cNvPr id="8" name="TextBox 7">
-            <a:extLst>
-              <a:ext uri="{FF2B5EF4-FFF2-40B4-BE49-F238E27FC236}">
-                <a16:creationId xmlns:a16="http://schemas.microsoft.com/office/drawing/2014/main" id="{38C473B0-00A8-F128-D9F7-D58075D5A5B8}"/>
-              </a:ext>
-            </a:extLst>
-          </p:cNvPr>
-          <p:cNvSpPr txBox="1"/>
-          <p:nvPr/>
-        </p:nvSpPr>
-        <p:spPr>
-          <a:xfrm>
-            <a:off x="9778558" y="259307"/>
-            <a:ext cx="2536272" cy="461665"/>
-          </a:xfrm>
-          <a:prstGeom prst="rect">
-            <a:avLst/>
-          </a:prstGeom>
-          <a:noFill/>
-        </p:spPr>
-        <p:txBody>
-          <a:bodyPr wrap="square" rtlCol="0">
-            <a:spAutoFit/>
-          </a:bodyPr>
-          <a:lstStyle/>
-          <a:p>
-            <a:r>
-              <a:rPr lang="en-US" sz="2400" b="1" dirty="0">
-                <a:solidFill>
-                  <a:schemeClr val="bg1"/>
-                </a:solidFill>
-                <a:latin typeface="Arial Black" panose="020B0A04020102020204" pitchFamily="34" charset="0"/>
-              </a:rPr>
-              <a:t>AI Academy</a:t>
-            </a:r>
-            <a:r>
-              <a:rPr lang="en-US" sz="2400" b="0" i="0" dirty="0">
-                <a:solidFill>
-                  <a:schemeClr val="bg1"/>
-                </a:solidFill>
-                <a:effectLst/>
-                <a:latin typeface="arial" panose="020B0604020202020204" pitchFamily="34" charset="0"/>
-              </a:rPr>
-              <a:t>®</a:t>
-            </a:r>
-            <a:endParaRPr lang="en-US" sz="2400" b="1" dirty="0">
-              <a:solidFill>
-                <a:schemeClr val="bg1"/>
-              </a:solidFill>
-              <a:latin typeface="Arial Black" panose="020B0A04020102020204" pitchFamily="34" charset="0"/>
-            </a:endParaRPr>
-          </a:p>
-        </p:txBody>
-      </p:sp>
-      <p:sp>
-        <p:nvSpPr>
-          <p:cNvPr id="13" name="Scroll: Vertical 12">
-            <a:extLst>
-              <a:ext uri="{FF2B5EF4-FFF2-40B4-BE49-F238E27FC236}">
-                <a16:creationId xmlns:a16="http://schemas.microsoft.com/office/drawing/2014/main" id="{955FB785-9E9C-0586-3D95-64744096CBB5}"/>
-              </a:ext>
-            </a:extLst>
-          </p:cNvPr>
-          <p:cNvSpPr/>
-          <p:nvPr/>
-        </p:nvSpPr>
-        <p:spPr>
-          <a:xfrm>
-            <a:off x="10459839" y="887102"/>
-            <a:ext cx="1091821" cy="873457"/>
-          </a:xfrm>
-          <a:prstGeom prst="verticalScroll">
-            <a:avLst/>
-          </a:prstGeom>
-          <a:solidFill>
-            <a:schemeClr val="bg1"/>
-          </a:solidFill>
-        </p:spPr>
-        <p:style>
-          <a:lnRef idx="2">
-            <a:schemeClr val="accent1">
-              <a:shade val="15000"/>
-            </a:schemeClr>
-          </a:lnRef>
-          <a:fillRef idx="1">
-            <a:schemeClr val="accent1"/>
-          </a:fillRef>
-          <a:effectRef idx="0">
-            <a:schemeClr val="accent1"/>
-          </a:effectRef>
-          <a:fontRef idx="minor">
-            <a:schemeClr val="lt1"/>
-          </a:fontRef>
-        </p:style>
-        <p:txBody>
-          <a:bodyPr rtlCol="0" anchor="ctr"/>
-          <a:lstStyle/>
-          <a:p>
-            <a:pPr algn="ctr"/>
-            <a:r>
-              <a:rPr lang="en-US" sz="4400" b="1" dirty="0">
-                <a:solidFill>
-                  <a:schemeClr val="tx1"/>
-                </a:solidFill>
-              </a:rPr>
-              <a:t>13</a:t>
-            </a:r>
-          </a:p>
-        </p:txBody>
-      </p:sp>
-      <p:sp>
-        <p:nvSpPr>
-          <p:cNvPr id="3" name="TextBox 2">
-            <a:extLst>
-              <a:ext uri="{FF2B5EF4-FFF2-40B4-BE49-F238E27FC236}">
-                <a16:creationId xmlns:a16="http://schemas.microsoft.com/office/drawing/2014/main" id="{5BDF6587-D637-FB61-60A3-470260965031}"/>
-              </a:ext>
-            </a:extLst>
-          </p:cNvPr>
-          <p:cNvSpPr txBox="1"/>
-          <p:nvPr/>
-        </p:nvSpPr>
-        <p:spPr>
-          <a:xfrm>
-            <a:off x="1109533" y="259307"/>
-            <a:ext cx="2559868" cy="707886"/>
-          </a:xfrm>
-          <a:prstGeom prst="rect">
-            <a:avLst/>
-          </a:prstGeom>
-          <a:noFill/>
-        </p:spPr>
-        <p:txBody>
-          <a:bodyPr wrap="none" rtlCol="0">
-            <a:spAutoFit/>
-          </a:bodyPr>
-          <a:lstStyle/>
-          <a:p>
-            <a:r>
-              <a:rPr lang="en-US" sz="4000" b="1" dirty="0">
-                <a:latin typeface="Arial Black" panose="020B0A04020102020204" pitchFamily="34" charset="0"/>
-              </a:rPr>
-              <a:t>Week #1</a:t>
-            </a:r>
-          </a:p>
-        </p:txBody>
-      </p:sp>
-      <p:sp>
-        <p:nvSpPr>
-          <p:cNvPr id="2" name="TextBox 1">
-            <a:extLst>
-              <a:ext uri="{FF2B5EF4-FFF2-40B4-BE49-F238E27FC236}">
-                <a16:creationId xmlns:a16="http://schemas.microsoft.com/office/drawing/2014/main" id="{93450428-EBBA-76DA-ABB4-F7A21E5DBB4D}"/>
-              </a:ext>
-            </a:extLst>
-          </p:cNvPr>
-          <p:cNvSpPr txBox="1"/>
-          <p:nvPr/>
-        </p:nvSpPr>
-        <p:spPr>
-          <a:xfrm>
-            <a:off x="1123181" y="859806"/>
-            <a:ext cx="8128000" cy="523221"/>
-          </a:xfrm>
-          <a:prstGeom prst="rect">
-            <a:avLst/>
-          </a:prstGeom>
-          <a:noFill/>
-        </p:spPr>
-        <p:txBody>
-          <a:bodyPr wrap="square" rtlCol="0">
-            <a:spAutoFit/>
-          </a:bodyPr>
-          <a:lstStyle/>
-          <a:p>
-            <a:r>
-              <a:rPr lang="en-US" sz="2800" b="1" dirty="0">
-                <a:latin typeface="Times New Roman" panose="02020603050405020304" pitchFamily="18" charset="0"/>
-                <a:cs typeface="Times New Roman" panose="02020603050405020304" pitchFamily="18" charset="0"/>
-              </a:rPr>
-              <a:t>eCommerce Pricing:</a:t>
-            </a:r>
-          </a:p>
-        </p:txBody>
-      </p:sp>
-      <p:pic>
-        <p:nvPicPr>
-          <p:cNvPr id="4098" name="Picture 2" descr="eCommerce Pricing Strategies: The Ultimate List – Price2Spy® Blog">
-            <a:extLst>
-              <a:ext uri="{FF2B5EF4-FFF2-40B4-BE49-F238E27FC236}">
-                <a16:creationId xmlns:a16="http://schemas.microsoft.com/office/drawing/2014/main" id="{FC02FB83-D2C9-8FF5-3841-AA47FA1C6AC2}"/>
-              </a:ext>
-            </a:extLst>
-          </p:cNvPr>
-          <p:cNvPicPr>
-            <a:picLocks noChangeAspect="1" noChangeArrowheads="1"/>
-          </p:cNvPicPr>
-          <p:nvPr/>
-        </p:nvPicPr>
-        <p:blipFill>
-          <a:blip r:embed="rId3">
-            <a:extLst>
-              <a:ext uri="{28A0092B-C50C-407E-A947-70E740481C1C}">
-                <a14:useLocalDpi xmlns:a14="http://schemas.microsoft.com/office/drawing/2010/main" val="0"/>
-              </a:ext>
-            </a:extLst>
-          </a:blip>
-          <a:srcRect/>
-          <a:stretch>
-            <a:fillRect/>
-          </a:stretch>
-        </p:blipFill>
-        <p:spPr bwMode="auto">
-          <a:xfrm>
-            <a:off x="1741067" y="1386307"/>
-            <a:ext cx="7473694" cy="4185268"/>
-          </a:xfrm>
-          <a:prstGeom prst="rect">
-            <a:avLst/>
-          </a:prstGeom>
-          <a:noFill/>
-          <a:extLst>
-            <a:ext uri="{909E8E84-426E-40DD-AFC4-6F175D3DCCD1}">
-              <a14:hiddenFill xmlns:a14="http://schemas.microsoft.com/office/drawing/2010/main">
-                <a:solidFill>
-                  <a:srgbClr val="FFFFFF"/>
-                </a:solidFill>
-              </a14:hiddenFill>
-            </a:ext>
-          </a:extLst>
-        </p:spPr>
-      </p:pic>
-    </p:spTree>
-    <p:extLst>
-      <p:ext uri="{BB962C8B-B14F-4D97-AF65-F5344CB8AC3E}">
-        <p14:creationId xmlns:p14="http://schemas.microsoft.com/office/powerpoint/2010/main" val="3482238628"/>
-      </p:ext>
-    </p:extLst>
-  </p:cSld>
-  <p:clrMapOvr>
-    <a:masterClrMapping/>
-  </p:clrMapOvr>
-</p:sld>
-</file>
-
-<file path=ppt/slides/slide14.xml><?xml version="1.0" encoding="utf-8"?>
-<p:sld xmlns:a="http://schemas.openxmlformats.org/drawingml/2006/main" xmlns:r="http://schemas.openxmlformats.org/officeDocument/2006/relationships" xmlns:p="http://schemas.openxmlformats.org/presentationml/2006/main">
-  <p:cSld>
-    <p:spTree>
-      <p:nvGrpSpPr>
-        <p:cNvPr id="1" name="">
-          <a:extLst>
-            <a:ext uri="{FF2B5EF4-FFF2-40B4-BE49-F238E27FC236}">
-              <a16:creationId xmlns:a16="http://schemas.microsoft.com/office/drawing/2014/main" id="{FA414946-9549-9B83-619F-7922DC7EAF93}"/>
-            </a:ext>
-          </a:extLst>
-        </p:cNvPr>
-        <p:cNvGrpSpPr/>
-        <p:nvPr/>
-      </p:nvGrpSpPr>
-      <p:grpSpPr>
-        <a:xfrm>
-          <a:off x="0" y="0"/>
-          <a:ext cx="0" cy="0"/>
-          <a:chOff x="0" y="0"/>
-          <a:chExt cx="0" cy="0"/>
-        </a:xfrm>
-      </p:grpSpPr>
-      <p:pic>
-        <p:nvPicPr>
-          <p:cNvPr id="7" name="Picture 6">
-            <a:extLst>
-              <a:ext uri="{FF2B5EF4-FFF2-40B4-BE49-F238E27FC236}">
-                <a16:creationId xmlns:a16="http://schemas.microsoft.com/office/drawing/2014/main" id="{27A451C8-9835-593E-265A-44A847708F67}"/>
-              </a:ext>
-            </a:extLst>
-          </p:cNvPr>
-          <p:cNvPicPr>
-            <a:picLocks noChangeAspect="1"/>
-          </p:cNvPicPr>
-          <p:nvPr/>
-        </p:nvPicPr>
-        <p:blipFill>
-          <a:blip r:embed="rId2">
-            <a:extLst>
-              <a:ext uri="{28A0092B-C50C-407E-A947-70E740481C1C}">
-                <a14:useLocalDpi xmlns:a14="http://schemas.microsoft.com/office/drawing/2010/main" val="0"/>
-              </a:ext>
-            </a:extLst>
-          </a:blip>
-          <a:stretch>
-            <a:fillRect/>
-          </a:stretch>
-        </p:blipFill>
-        <p:spPr>
-          <a:xfrm>
-            <a:off x="0" y="4844958"/>
-            <a:ext cx="1915235" cy="1915235"/>
-          </a:xfrm>
-          <a:prstGeom prst="rect">
-            <a:avLst/>
-          </a:prstGeom>
-        </p:spPr>
-      </p:pic>
-      <p:sp>
-        <p:nvSpPr>
-          <p:cNvPr id="8" name="TextBox 7">
-            <a:extLst>
-              <a:ext uri="{FF2B5EF4-FFF2-40B4-BE49-F238E27FC236}">
-                <a16:creationId xmlns:a16="http://schemas.microsoft.com/office/drawing/2014/main" id="{3830D482-B290-C944-40FB-2C0D068CBF17}"/>
-              </a:ext>
-            </a:extLst>
-          </p:cNvPr>
-          <p:cNvSpPr txBox="1"/>
-          <p:nvPr/>
-        </p:nvSpPr>
-        <p:spPr>
-          <a:xfrm>
-            <a:off x="9778558" y="259307"/>
-            <a:ext cx="2536272" cy="461665"/>
-          </a:xfrm>
-          <a:prstGeom prst="rect">
-            <a:avLst/>
-          </a:prstGeom>
-          <a:noFill/>
-        </p:spPr>
-        <p:txBody>
-          <a:bodyPr wrap="square" rtlCol="0">
-            <a:spAutoFit/>
-          </a:bodyPr>
-          <a:lstStyle/>
-          <a:p>
-            <a:r>
-              <a:rPr lang="en-US" sz="2400" b="1" dirty="0">
-                <a:solidFill>
-                  <a:schemeClr val="bg1"/>
-                </a:solidFill>
-                <a:latin typeface="Arial Black" panose="020B0A04020102020204" pitchFamily="34" charset="0"/>
-              </a:rPr>
-              <a:t>AI Academy</a:t>
-            </a:r>
-            <a:r>
-              <a:rPr lang="en-US" sz="2400" b="0" i="0" dirty="0">
-                <a:solidFill>
-                  <a:schemeClr val="bg1"/>
-                </a:solidFill>
-                <a:effectLst/>
-                <a:latin typeface="arial" panose="020B0604020202020204" pitchFamily="34" charset="0"/>
-              </a:rPr>
-              <a:t>®</a:t>
-            </a:r>
-            <a:endParaRPr lang="en-US" sz="2400" b="1" dirty="0">
-              <a:solidFill>
-                <a:schemeClr val="bg1"/>
-              </a:solidFill>
-              <a:latin typeface="Arial Black" panose="020B0A04020102020204" pitchFamily="34" charset="0"/>
-            </a:endParaRPr>
-          </a:p>
-        </p:txBody>
-      </p:sp>
-      <p:sp>
-        <p:nvSpPr>
-          <p:cNvPr id="13" name="Scroll: Vertical 12">
-            <a:extLst>
-              <a:ext uri="{FF2B5EF4-FFF2-40B4-BE49-F238E27FC236}">
-                <a16:creationId xmlns:a16="http://schemas.microsoft.com/office/drawing/2014/main" id="{B2F5BCEB-596D-DF3B-F861-24B790778441}"/>
-              </a:ext>
-            </a:extLst>
-          </p:cNvPr>
-          <p:cNvSpPr/>
-          <p:nvPr/>
-        </p:nvSpPr>
-        <p:spPr>
-          <a:xfrm>
-            <a:off x="10459839" y="887102"/>
-            <a:ext cx="1091821" cy="873457"/>
-          </a:xfrm>
-          <a:prstGeom prst="verticalScroll">
-            <a:avLst/>
-          </a:prstGeom>
-          <a:solidFill>
-            <a:schemeClr val="bg1"/>
-          </a:solidFill>
-        </p:spPr>
-        <p:style>
-          <a:lnRef idx="2">
-            <a:schemeClr val="accent1">
-              <a:shade val="15000"/>
-            </a:schemeClr>
-          </a:lnRef>
-          <a:fillRef idx="1">
-            <a:schemeClr val="accent1"/>
-          </a:fillRef>
-          <a:effectRef idx="0">
-            <a:schemeClr val="accent1"/>
-          </a:effectRef>
-          <a:fontRef idx="minor">
-            <a:schemeClr val="lt1"/>
-          </a:fontRef>
-        </p:style>
-        <p:txBody>
-          <a:bodyPr rtlCol="0" anchor="ctr"/>
-          <a:lstStyle/>
-          <a:p>
-            <a:pPr algn="ctr"/>
-            <a:r>
-              <a:rPr lang="en-US" sz="4400" b="1" dirty="0">
-                <a:solidFill>
-                  <a:schemeClr val="tx1"/>
-                </a:solidFill>
-              </a:rPr>
-              <a:t>14</a:t>
-            </a:r>
-          </a:p>
-        </p:txBody>
-      </p:sp>
-      <p:sp>
-        <p:nvSpPr>
-          <p:cNvPr id="3" name="TextBox 2">
-            <a:extLst>
-              <a:ext uri="{FF2B5EF4-FFF2-40B4-BE49-F238E27FC236}">
-                <a16:creationId xmlns:a16="http://schemas.microsoft.com/office/drawing/2014/main" id="{894989D6-FCDD-EDE5-3710-53B8C9EA97F2}"/>
-              </a:ext>
-            </a:extLst>
-          </p:cNvPr>
-          <p:cNvSpPr txBox="1"/>
-          <p:nvPr/>
-        </p:nvSpPr>
-        <p:spPr>
-          <a:xfrm>
-            <a:off x="1109533" y="259307"/>
-            <a:ext cx="2559868" cy="707886"/>
-          </a:xfrm>
-          <a:prstGeom prst="rect">
-            <a:avLst/>
-          </a:prstGeom>
-          <a:noFill/>
-        </p:spPr>
-        <p:txBody>
-          <a:bodyPr wrap="none" rtlCol="0">
-            <a:spAutoFit/>
-          </a:bodyPr>
-          <a:lstStyle/>
-          <a:p>
-            <a:r>
-              <a:rPr lang="en-US" sz="4000" b="1" dirty="0">
-                <a:latin typeface="Arial Black" panose="020B0A04020102020204" pitchFamily="34" charset="0"/>
-              </a:rPr>
-              <a:t>Week #1</a:t>
-            </a:r>
-          </a:p>
-        </p:txBody>
-      </p:sp>
-      <p:sp>
-        <p:nvSpPr>
-          <p:cNvPr id="2" name="TextBox 1">
-            <a:extLst>
-              <a:ext uri="{FF2B5EF4-FFF2-40B4-BE49-F238E27FC236}">
-                <a16:creationId xmlns:a16="http://schemas.microsoft.com/office/drawing/2014/main" id="{2D9D02D5-7C1F-BC0C-BC3A-F9C23B590E6A}"/>
-              </a:ext>
-            </a:extLst>
-          </p:cNvPr>
-          <p:cNvSpPr txBox="1"/>
-          <p:nvPr/>
-        </p:nvSpPr>
-        <p:spPr>
-          <a:xfrm>
-            <a:off x="1123181" y="859806"/>
-            <a:ext cx="8128000" cy="523221"/>
-          </a:xfrm>
-          <a:prstGeom prst="rect">
-            <a:avLst/>
-          </a:prstGeom>
-          <a:noFill/>
-        </p:spPr>
-        <p:txBody>
-          <a:bodyPr wrap="square" rtlCol="0">
-            <a:spAutoFit/>
-          </a:bodyPr>
-          <a:lstStyle/>
-          <a:p>
-            <a:r>
-              <a:rPr lang="en-US" sz="2800" b="1" dirty="0">
-                <a:latin typeface="Times New Roman" panose="02020603050405020304" pitchFamily="18" charset="0"/>
-                <a:cs typeface="Times New Roman" panose="02020603050405020304" pitchFamily="18" charset="0"/>
-              </a:rPr>
-              <a:t>eCommerce Tax management:</a:t>
-            </a:r>
-          </a:p>
-        </p:txBody>
-      </p:sp>
-      <p:pic>
-        <p:nvPicPr>
-          <p:cNvPr id="4100" name="Picture 4" descr="How Does Taxation Affect a Business?- My Business Blog">
-            <a:extLst>
-              <a:ext uri="{FF2B5EF4-FFF2-40B4-BE49-F238E27FC236}">
-                <a16:creationId xmlns:a16="http://schemas.microsoft.com/office/drawing/2014/main" id="{725126BF-E6EB-0A15-AB53-2035EC11639D}"/>
-              </a:ext>
-            </a:extLst>
-          </p:cNvPr>
-          <p:cNvPicPr>
-            <a:picLocks noChangeAspect="1" noChangeArrowheads="1"/>
-          </p:cNvPicPr>
-          <p:nvPr/>
-        </p:nvPicPr>
-        <p:blipFill>
-          <a:blip r:embed="rId3">
-            <a:extLst>
-              <a:ext uri="{28A0092B-C50C-407E-A947-70E740481C1C}">
-                <a14:useLocalDpi xmlns:a14="http://schemas.microsoft.com/office/drawing/2010/main" val="0"/>
-              </a:ext>
-            </a:extLst>
-          </a:blip>
-          <a:srcRect/>
-          <a:stretch>
-            <a:fillRect/>
-          </a:stretch>
-        </p:blipFill>
-        <p:spPr bwMode="auto">
-          <a:xfrm>
-            <a:off x="1915235" y="1567692"/>
-            <a:ext cx="7097486" cy="4047785"/>
-          </a:xfrm>
-          <a:prstGeom prst="rect">
-            <a:avLst/>
-          </a:prstGeom>
-          <a:noFill/>
-          <a:extLst>
-            <a:ext uri="{909E8E84-426E-40DD-AFC4-6F175D3DCCD1}">
-              <a14:hiddenFill xmlns:a14="http://schemas.microsoft.com/office/drawing/2010/main">
-                <a:solidFill>
-                  <a:srgbClr val="FFFFFF"/>
-                </a:solidFill>
-              </a14:hiddenFill>
-            </a:ext>
-          </a:extLst>
-        </p:spPr>
-      </p:pic>
-    </p:spTree>
-    <p:extLst>
-      <p:ext uri="{BB962C8B-B14F-4D97-AF65-F5344CB8AC3E}">
-        <p14:creationId xmlns:p14="http://schemas.microsoft.com/office/powerpoint/2010/main" val="2423972683"/>
-      </p:ext>
-    </p:extLst>
-  </p:cSld>
-  <p:clrMapOvr>
-    <a:masterClrMapping/>
-  </p:clrMapOvr>
-</p:sld>
-</file>
-
-<file path=ppt/slides/slide15.xml><?xml version="1.0" encoding="utf-8"?>
+<file path=ppt/slides/slide11.xml><?xml version="1.0" encoding="utf-8"?>
 <p:sld xmlns:a="http://schemas.openxmlformats.org/drawingml/2006/main" xmlns:r="http://schemas.openxmlformats.org/officeDocument/2006/relationships" xmlns:p="http://schemas.openxmlformats.org/presentationml/2006/main">
   <p:cSld>
     <p:spTree>
@@ -7928,7 +6619,7 @@
                   <a:schemeClr val="tx1"/>
                 </a:solidFill>
               </a:rPr>
-              <a:t>15</a:t>
+              <a:t>11</a:t>
             </a:r>
           </a:p>
         </p:txBody>
@@ -8103,7 +6794,7 @@
 </p:sld>
 </file>
 
-<file path=ppt/slides/slide16.xml><?xml version="1.0" encoding="utf-8"?>
+<file path=ppt/slides/slide12.xml><?xml version="1.0" encoding="utf-8"?>
 <p:sld xmlns:a="http://schemas.openxmlformats.org/drawingml/2006/main" xmlns:r="http://schemas.openxmlformats.org/officeDocument/2006/relationships" xmlns:p="http://schemas.openxmlformats.org/presentationml/2006/main">
   <p:cSld>
     <p:spTree>
@@ -8269,7 +6960,7 @@
                   <a:schemeClr val="tx1"/>
                 </a:solidFill>
               </a:rPr>
-              <a:t>16</a:t>
+              <a:t>12</a:t>
             </a:r>
           </a:p>
         </p:txBody>
@@ -8358,10 +7049,10 @@
       </p:sp>
       <p:pic>
         <p:nvPicPr>
-          <p:cNvPr id="12" name="Picture 11">
+          <p:cNvPr id="4" name="Picture 3">
             <a:extLst>
               <a:ext uri="{FF2B5EF4-FFF2-40B4-BE49-F238E27FC236}">
-                <a16:creationId xmlns:a16="http://schemas.microsoft.com/office/drawing/2014/main" id="{5127BDB2-997A-6C5B-AE62-85ECF182149E}"/>
+                <a16:creationId xmlns:a16="http://schemas.microsoft.com/office/drawing/2014/main" id="{49D7D7C3-6B8D-F62D-AC37-2B6BE7E710E3}"/>
               </a:ext>
             </a:extLst>
           </p:cNvPr>
@@ -8371,65 +7062,21 @@
           <p:nvPr/>
         </p:nvPicPr>
         <p:blipFill>
-          <a:blip r:embed="rId3">
-            <a:extLst>
-              <a:ext uri="{28A0092B-C50C-407E-A947-70E740481C1C}">
-                <a14:useLocalDpi xmlns:a14="http://schemas.microsoft.com/office/drawing/2010/main" val="0"/>
-              </a:ext>
-            </a:extLst>
-          </a:blip>
+          <a:blip r:embed="rId3"/>
           <a:stretch>
             <a:fillRect/>
           </a:stretch>
         </p:blipFill>
         <p:spPr>
           <a:xfrm>
-            <a:off x="1719295" y="1522418"/>
-            <a:ext cx="7802113" cy="3905926"/>
+            <a:off x="957617" y="887102"/>
+            <a:ext cx="8488217" cy="4009541"/>
           </a:xfrm>
           <a:prstGeom prst="rect">
             <a:avLst/>
           </a:prstGeom>
         </p:spPr>
       </p:pic>
-      <p:sp>
-        <p:nvSpPr>
-          <p:cNvPr id="14" name="TextBox 13">
-            <a:extLst>
-              <a:ext uri="{FF2B5EF4-FFF2-40B4-BE49-F238E27FC236}">
-                <a16:creationId xmlns:a16="http://schemas.microsoft.com/office/drawing/2014/main" id="{B977BB0B-E9C2-806B-D90D-69A197476DDF}"/>
-              </a:ext>
-            </a:extLst>
-          </p:cNvPr>
-          <p:cNvSpPr txBox="1"/>
-          <p:nvPr/>
-        </p:nvSpPr>
-        <p:spPr>
-          <a:xfrm>
-            <a:off x="1123181" y="859806"/>
-            <a:ext cx="8128000" cy="523221"/>
-          </a:xfrm>
-          <a:prstGeom prst="rect">
-            <a:avLst/>
-          </a:prstGeom>
-          <a:noFill/>
-        </p:spPr>
-        <p:txBody>
-          <a:bodyPr wrap="square" rtlCol="0">
-            <a:spAutoFit/>
-          </a:bodyPr>
-          <a:lstStyle/>
-          <a:p>
-            <a:r>
-              <a:rPr lang="en-US" sz="2800" b="1" dirty="0">
-                <a:latin typeface="Times New Roman" panose="02020603050405020304" pitchFamily="18" charset="0"/>
-                <a:cs typeface="Times New Roman" panose="02020603050405020304" pitchFamily="18" charset="0"/>
-              </a:rPr>
-              <a:t>eCommerce 4P’s:</a:t>
-            </a:r>
-          </a:p>
-        </p:txBody>
-      </p:sp>
     </p:spTree>
     <p:extLst>
       <p:ext uri="{BB962C8B-B14F-4D97-AF65-F5344CB8AC3E}">
@@ -8443,7 +7090,7 @@
 </p:sld>
 </file>
 
-<file path=ppt/slides/slide17.xml><?xml version="1.0" encoding="utf-8"?>
+<file path=ppt/slides/slide13.xml><?xml version="1.0" encoding="utf-8"?>
 <p:sld xmlns:a="http://schemas.openxmlformats.org/drawingml/2006/main" xmlns:r="http://schemas.openxmlformats.org/officeDocument/2006/relationships" xmlns:p="http://schemas.openxmlformats.org/presentationml/2006/main">
   <p:cSld>
     <p:spTree>
@@ -8609,7 +7256,7 @@
                   <a:schemeClr val="tx1"/>
                 </a:solidFill>
               </a:rPr>
-              <a:t>17</a:t>
+              <a:t>13</a:t>
             </a:r>
           </a:p>
         </p:txBody>
@@ -8696,50 +7343,12 @@
           </a:p>
         </p:txBody>
       </p:sp>
-      <p:sp>
-        <p:nvSpPr>
-          <p:cNvPr id="14" name="TextBox 13">
+      <p:pic>
+        <p:nvPicPr>
+          <p:cNvPr id="6" name="Picture 5">
             <a:extLst>
               <a:ext uri="{FF2B5EF4-FFF2-40B4-BE49-F238E27FC236}">
-                <a16:creationId xmlns:a16="http://schemas.microsoft.com/office/drawing/2014/main" id="{8262BB32-1A7E-9281-00A7-BB71CBF89C0C}"/>
-              </a:ext>
-            </a:extLst>
-          </p:cNvPr>
-          <p:cNvSpPr txBox="1"/>
-          <p:nvPr/>
-        </p:nvSpPr>
-        <p:spPr>
-          <a:xfrm>
-            <a:off x="1123181" y="859806"/>
-            <a:ext cx="8128000" cy="523221"/>
-          </a:xfrm>
-          <a:prstGeom prst="rect">
-            <a:avLst/>
-          </a:prstGeom>
-          <a:noFill/>
-        </p:spPr>
-        <p:txBody>
-          <a:bodyPr wrap="square" rtlCol="0">
-            <a:spAutoFit/>
-          </a:bodyPr>
-          <a:lstStyle/>
-          <a:p>
-            <a:r>
-              <a:rPr lang="en-US" sz="2800" b="1" dirty="0">
-                <a:latin typeface="Times New Roman" panose="02020603050405020304" pitchFamily="18" charset="0"/>
-                <a:cs typeface="Times New Roman" panose="02020603050405020304" pitchFamily="18" charset="0"/>
-              </a:rPr>
-              <a:t>eCommerce 4C’s:</a:t>
-            </a:r>
-          </a:p>
-        </p:txBody>
-      </p:sp>
-      <p:pic>
-        <p:nvPicPr>
-          <p:cNvPr id="4" name="Picture 3">
-            <a:extLst>
-              <a:ext uri="{FF2B5EF4-FFF2-40B4-BE49-F238E27FC236}">
-                <a16:creationId xmlns:a16="http://schemas.microsoft.com/office/drawing/2014/main" id="{47C0FC52-D147-BAEF-45F2-B5196D606B12}"/>
+                <a16:creationId xmlns:a16="http://schemas.microsoft.com/office/drawing/2014/main" id="{9E47C322-4AF8-65BA-D66A-940A3A21A626}"/>
               </a:ext>
             </a:extLst>
           </p:cNvPr>
@@ -8756,8 +7365,8 @@
         </p:blipFill>
         <p:spPr>
           <a:xfrm>
-            <a:off x="1785257" y="1367970"/>
-            <a:ext cx="7039429" cy="4479636"/>
+            <a:off x="1109533" y="887102"/>
+            <a:ext cx="8520962" cy="4119613"/>
           </a:xfrm>
           <a:prstGeom prst="rect">
             <a:avLst/>
@@ -8777,313 +7386,7 @@
 </p:sld>
 </file>
 
-<file path=ppt/slides/slide18.xml><?xml version="1.0" encoding="utf-8"?>
-<p:sld xmlns:a="http://schemas.openxmlformats.org/drawingml/2006/main" xmlns:r="http://schemas.openxmlformats.org/officeDocument/2006/relationships" xmlns:p="http://schemas.openxmlformats.org/presentationml/2006/main">
-  <p:cSld>
-    <p:spTree>
-      <p:nvGrpSpPr>
-        <p:cNvPr id="1" name="">
-          <a:extLst>
-            <a:ext uri="{FF2B5EF4-FFF2-40B4-BE49-F238E27FC236}">
-              <a16:creationId xmlns:a16="http://schemas.microsoft.com/office/drawing/2014/main" id="{459895D7-740E-A0C0-CC44-01256AE7F176}"/>
-            </a:ext>
-          </a:extLst>
-        </p:cNvPr>
-        <p:cNvGrpSpPr/>
-        <p:nvPr/>
-      </p:nvGrpSpPr>
-      <p:grpSpPr>
-        <a:xfrm>
-          <a:off x="0" y="0"/>
-          <a:ext cx="0" cy="0"/>
-          <a:chOff x="0" y="0"/>
-          <a:chExt cx="0" cy="0"/>
-        </a:xfrm>
-      </p:grpSpPr>
-      <p:pic>
-        <p:nvPicPr>
-          <p:cNvPr id="7" name="Picture 6">
-            <a:extLst>
-              <a:ext uri="{FF2B5EF4-FFF2-40B4-BE49-F238E27FC236}">
-                <a16:creationId xmlns:a16="http://schemas.microsoft.com/office/drawing/2014/main" id="{A813D5E1-4EA5-662A-2B39-5DB9FAECEAF5}"/>
-              </a:ext>
-            </a:extLst>
-          </p:cNvPr>
-          <p:cNvPicPr>
-            <a:picLocks noChangeAspect="1"/>
-          </p:cNvPicPr>
-          <p:nvPr/>
-        </p:nvPicPr>
-        <p:blipFill>
-          <a:blip r:embed="rId2">
-            <a:extLst>
-              <a:ext uri="{28A0092B-C50C-407E-A947-70E740481C1C}">
-                <a14:useLocalDpi xmlns:a14="http://schemas.microsoft.com/office/drawing/2010/main" val="0"/>
-              </a:ext>
-            </a:extLst>
-          </a:blip>
-          <a:stretch>
-            <a:fillRect/>
-          </a:stretch>
-        </p:blipFill>
-        <p:spPr>
-          <a:xfrm>
-            <a:off x="0" y="4844958"/>
-            <a:ext cx="1915235" cy="1915235"/>
-          </a:xfrm>
-          <a:prstGeom prst="rect">
-            <a:avLst/>
-          </a:prstGeom>
-        </p:spPr>
-      </p:pic>
-      <p:sp>
-        <p:nvSpPr>
-          <p:cNvPr id="8" name="TextBox 7">
-            <a:extLst>
-              <a:ext uri="{FF2B5EF4-FFF2-40B4-BE49-F238E27FC236}">
-                <a16:creationId xmlns:a16="http://schemas.microsoft.com/office/drawing/2014/main" id="{71CFEB10-8C33-E662-2D0E-165069A40D9C}"/>
-              </a:ext>
-            </a:extLst>
-          </p:cNvPr>
-          <p:cNvSpPr txBox="1"/>
-          <p:nvPr/>
-        </p:nvSpPr>
-        <p:spPr>
-          <a:xfrm>
-            <a:off x="9778558" y="259307"/>
-            <a:ext cx="2536272" cy="461665"/>
-          </a:xfrm>
-          <a:prstGeom prst="rect">
-            <a:avLst/>
-          </a:prstGeom>
-          <a:noFill/>
-        </p:spPr>
-        <p:txBody>
-          <a:bodyPr wrap="square" rtlCol="0">
-            <a:spAutoFit/>
-          </a:bodyPr>
-          <a:lstStyle/>
-          <a:p>
-            <a:r>
-              <a:rPr lang="en-US" sz="2400" b="1" dirty="0">
-                <a:solidFill>
-                  <a:schemeClr val="bg1"/>
-                </a:solidFill>
-                <a:latin typeface="Arial Black" panose="020B0A04020102020204" pitchFamily="34" charset="0"/>
-              </a:rPr>
-              <a:t>AI Academy</a:t>
-            </a:r>
-            <a:r>
-              <a:rPr lang="en-US" sz="2400" b="0" i="0" dirty="0">
-                <a:solidFill>
-                  <a:schemeClr val="bg1"/>
-                </a:solidFill>
-                <a:effectLst/>
-                <a:latin typeface="arial" panose="020B0604020202020204" pitchFamily="34" charset="0"/>
-              </a:rPr>
-              <a:t>®</a:t>
-            </a:r>
-            <a:endParaRPr lang="en-US" sz="2400" b="1" dirty="0">
-              <a:solidFill>
-                <a:schemeClr val="bg1"/>
-              </a:solidFill>
-              <a:latin typeface="Arial Black" panose="020B0A04020102020204" pitchFamily="34" charset="0"/>
-            </a:endParaRPr>
-          </a:p>
-        </p:txBody>
-      </p:sp>
-      <p:sp>
-        <p:nvSpPr>
-          <p:cNvPr id="13" name="Scroll: Vertical 12">
-            <a:extLst>
-              <a:ext uri="{FF2B5EF4-FFF2-40B4-BE49-F238E27FC236}">
-                <a16:creationId xmlns:a16="http://schemas.microsoft.com/office/drawing/2014/main" id="{EEB236D2-38C6-96FD-E2F9-0DB00DBCA628}"/>
-              </a:ext>
-            </a:extLst>
-          </p:cNvPr>
-          <p:cNvSpPr/>
-          <p:nvPr/>
-        </p:nvSpPr>
-        <p:spPr>
-          <a:xfrm>
-            <a:off x="10459839" y="887102"/>
-            <a:ext cx="1091821" cy="873457"/>
-          </a:xfrm>
-          <a:prstGeom prst="verticalScroll">
-            <a:avLst/>
-          </a:prstGeom>
-          <a:solidFill>
-            <a:schemeClr val="bg1"/>
-          </a:solidFill>
-        </p:spPr>
-        <p:style>
-          <a:lnRef idx="2">
-            <a:schemeClr val="accent1">
-              <a:shade val="15000"/>
-            </a:schemeClr>
-          </a:lnRef>
-          <a:fillRef idx="1">
-            <a:schemeClr val="accent1"/>
-          </a:fillRef>
-          <a:effectRef idx="0">
-            <a:schemeClr val="accent1"/>
-          </a:effectRef>
-          <a:fontRef idx="minor">
-            <a:schemeClr val="lt1"/>
-          </a:fontRef>
-        </p:style>
-        <p:txBody>
-          <a:bodyPr rtlCol="0" anchor="ctr"/>
-          <a:lstStyle/>
-          <a:p>
-            <a:pPr algn="ctr"/>
-            <a:r>
-              <a:rPr lang="en-US" sz="4400" b="1" dirty="0">
-                <a:solidFill>
-                  <a:schemeClr val="tx1"/>
-                </a:solidFill>
-              </a:rPr>
-              <a:t>18</a:t>
-            </a:r>
-          </a:p>
-        </p:txBody>
-      </p:sp>
-      <p:sp>
-        <p:nvSpPr>
-          <p:cNvPr id="3" name="TextBox 2">
-            <a:extLst>
-              <a:ext uri="{FF2B5EF4-FFF2-40B4-BE49-F238E27FC236}">
-                <a16:creationId xmlns:a16="http://schemas.microsoft.com/office/drawing/2014/main" id="{23ACE9AF-132D-A8B9-035C-3274CBF6FBA9}"/>
-              </a:ext>
-            </a:extLst>
-          </p:cNvPr>
-          <p:cNvSpPr txBox="1"/>
-          <p:nvPr/>
-        </p:nvSpPr>
-        <p:spPr>
-          <a:xfrm>
-            <a:off x="1109533" y="259307"/>
-            <a:ext cx="2559868" cy="707886"/>
-          </a:xfrm>
-          <a:prstGeom prst="rect">
-            <a:avLst/>
-          </a:prstGeom>
-          <a:noFill/>
-        </p:spPr>
-        <p:txBody>
-          <a:bodyPr wrap="none" rtlCol="0">
-            <a:spAutoFit/>
-          </a:bodyPr>
-          <a:lstStyle/>
-          <a:p>
-            <a:r>
-              <a:rPr lang="en-US" sz="4000" b="1" dirty="0">
-                <a:latin typeface="Arial Black" panose="020B0A04020102020204" pitchFamily="34" charset="0"/>
-              </a:rPr>
-              <a:t>Week #1</a:t>
-            </a:r>
-          </a:p>
-        </p:txBody>
-      </p:sp>
-      <p:pic>
-        <p:nvPicPr>
-          <p:cNvPr id="7170" name="Picture 2" descr="How to Write a SWOT Analysis for Your eCommerce Business">
-            <a:extLst>
-              <a:ext uri="{FF2B5EF4-FFF2-40B4-BE49-F238E27FC236}">
-                <a16:creationId xmlns:a16="http://schemas.microsoft.com/office/drawing/2014/main" id="{B42C82EB-9B92-73BE-0AC2-2B987564DE0B}"/>
-              </a:ext>
-            </a:extLst>
-          </p:cNvPr>
-          <p:cNvPicPr>
-            <a:picLocks noChangeAspect="1" noChangeArrowheads="1"/>
-          </p:cNvPicPr>
-          <p:nvPr/>
-        </p:nvPicPr>
-        <p:blipFill>
-          <a:blip r:embed="rId3">
-            <a:extLst>
-              <a:ext uri="{28A0092B-C50C-407E-A947-70E740481C1C}">
-                <a14:useLocalDpi xmlns:a14="http://schemas.microsoft.com/office/drawing/2010/main" val="0"/>
-              </a:ext>
-            </a:extLst>
-          </a:blip>
-          <a:srcRect/>
-          <a:stretch>
-            <a:fillRect/>
-          </a:stretch>
-        </p:blipFill>
-        <p:spPr bwMode="auto">
-          <a:xfrm>
-            <a:off x="1669145" y="1439942"/>
-            <a:ext cx="7776682" cy="3797208"/>
-          </a:xfrm>
-          <a:prstGeom prst="rect">
-            <a:avLst/>
-          </a:prstGeom>
-          <a:noFill/>
-          <a:extLst>
-            <a:ext uri="{909E8E84-426E-40DD-AFC4-6F175D3DCCD1}">
-              <a14:hiddenFill xmlns:a14="http://schemas.microsoft.com/office/drawing/2010/main">
-                <a:solidFill>
-                  <a:srgbClr val="FFFFFF"/>
-                </a:solidFill>
-              </a14:hiddenFill>
-            </a:ext>
-          </a:extLst>
-        </p:spPr>
-      </p:pic>
-      <p:sp>
-        <p:nvSpPr>
-          <p:cNvPr id="2" name="TextBox 1">
-            <a:extLst>
-              <a:ext uri="{FF2B5EF4-FFF2-40B4-BE49-F238E27FC236}">
-                <a16:creationId xmlns:a16="http://schemas.microsoft.com/office/drawing/2014/main" id="{E1877FCE-1912-43E7-6503-400C374837A8}"/>
-              </a:ext>
-            </a:extLst>
-          </p:cNvPr>
-          <p:cNvSpPr txBox="1"/>
-          <p:nvPr/>
-        </p:nvSpPr>
-        <p:spPr>
-          <a:xfrm>
-            <a:off x="1123181" y="859806"/>
-            <a:ext cx="8128000" cy="523221"/>
-          </a:xfrm>
-          <a:prstGeom prst="rect">
-            <a:avLst/>
-          </a:prstGeom>
-          <a:noFill/>
-        </p:spPr>
-        <p:txBody>
-          <a:bodyPr wrap="square" rtlCol="0">
-            <a:spAutoFit/>
-          </a:bodyPr>
-          <a:lstStyle/>
-          <a:p>
-            <a:r>
-              <a:rPr lang="en-US" sz="2800" b="1" dirty="0">
-                <a:latin typeface="Times New Roman" panose="02020603050405020304" pitchFamily="18" charset="0"/>
-                <a:cs typeface="Times New Roman" panose="02020603050405020304" pitchFamily="18" charset="0"/>
-              </a:rPr>
-              <a:t>eCommerce SWOT Analysis:</a:t>
-            </a:r>
-          </a:p>
-        </p:txBody>
-      </p:sp>
-    </p:spTree>
-    <p:extLst>
-      <p:ext uri="{BB962C8B-B14F-4D97-AF65-F5344CB8AC3E}">
-        <p14:creationId xmlns:p14="http://schemas.microsoft.com/office/powerpoint/2010/main" val="403469916"/>
-      </p:ext>
-    </p:extLst>
-  </p:cSld>
-  <p:clrMapOvr>
-    <a:masterClrMapping/>
-  </p:clrMapOvr>
-</p:sld>
-</file>
-
-<file path=ppt/slides/slide19.xml><?xml version="1.0" encoding="utf-8"?>
+<file path=ppt/slides/slide14.xml><?xml version="1.0" encoding="utf-8"?>
 <p:sld xmlns:a="http://schemas.openxmlformats.org/drawingml/2006/main" xmlns:r="http://schemas.openxmlformats.org/officeDocument/2006/relationships" xmlns:p="http://schemas.openxmlformats.org/presentationml/2006/main">
   <p:cSld>
     <p:spTree>
@@ -9249,7 +7552,7 @@
                   <a:schemeClr val="tx1"/>
                 </a:solidFill>
               </a:rPr>
-              <a:t>19</a:t>
+              <a:t>14</a:t>
             </a:r>
           </a:p>
         </p:txBody>
@@ -9431,6 +7734,542 @@
     <p:extLst>
       <p:ext uri="{BB962C8B-B14F-4D97-AF65-F5344CB8AC3E}">
         <p14:creationId xmlns:p14="http://schemas.microsoft.com/office/powerpoint/2010/main" val="4159704293"/>
+      </p:ext>
+    </p:extLst>
+  </p:cSld>
+  <p:clrMapOvr>
+    <a:masterClrMapping/>
+  </p:clrMapOvr>
+</p:sld>
+</file>
+
+<file path=ppt/slides/slide15.xml><?xml version="1.0" encoding="utf-8"?>
+<p:sld xmlns:a="http://schemas.openxmlformats.org/drawingml/2006/main" xmlns:r="http://schemas.openxmlformats.org/officeDocument/2006/relationships" xmlns:p="http://schemas.openxmlformats.org/presentationml/2006/main">
+  <p:cSld>
+    <p:spTree>
+      <p:nvGrpSpPr>
+        <p:cNvPr id="1" name="">
+          <a:extLst>
+            <a:ext uri="{FF2B5EF4-FFF2-40B4-BE49-F238E27FC236}">
+              <a16:creationId xmlns:a16="http://schemas.microsoft.com/office/drawing/2014/main" id="{1781A519-0DB4-0CC8-189C-F392A7CD1335}"/>
+            </a:ext>
+          </a:extLst>
+        </p:cNvPr>
+        <p:cNvGrpSpPr/>
+        <p:nvPr/>
+      </p:nvGrpSpPr>
+      <p:grpSpPr>
+        <a:xfrm>
+          <a:off x="0" y="0"/>
+          <a:ext cx="0" cy="0"/>
+          <a:chOff x="0" y="0"/>
+          <a:chExt cx="0" cy="0"/>
+        </a:xfrm>
+      </p:grpSpPr>
+      <p:pic>
+        <p:nvPicPr>
+          <p:cNvPr id="7" name="Picture 6">
+            <a:extLst>
+              <a:ext uri="{FF2B5EF4-FFF2-40B4-BE49-F238E27FC236}">
+                <a16:creationId xmlns:a16="http://schemas.microsoft.com/office/drawing/2014/main" id="{85AE7F0E-3B56-67C5-8DE7-ED5EBBEBDAF2}"/>
+              </a:ext>
+            </a:extLst>
+          </p:cNvPr>
+          <p:cNvPicPr>
+            <a:picLocks noChangeAspect="1"/>
+          </p:cNvPicPr>
+          <p:nvPr/>
+        </p:nvPicPr>
+        <p:blipFill>
+          <a:blip r:embed="rId2">
+            <a:extLst>
+              <a:ext uri="{28A0092B-C50C-407E-A947-70E740481C1C}">
+                <a14:useLocalDpi xmlns:a14="http://schemas.microsoft.com/office/drawing/2010/main" val="0"/>
+              </a:ext>
+            </a:extLst>
+          </a:blip>
+          <a:stretch>
+            <a:fillRect/>
+          </a:stretch>
+        </p:blipFill>
+        <p:spPr>
+          <a:xfrm>
+            <a:off x="0" y="4844958"/>
+            <a:ext cx="1915235" cy="1915235"/>
+          </a:xfrm>
+          <a:prstGeom prst="rect">
+            <a:avLst/>
+          </a:prstGeom>
+        </p:spPr>
+      </p:pic>
+      <p:sp>
+        <p:nvSpPr>
+          <p:cNvPr id="8" name="TextBox 7">
+            <a:extLst>
+              <a:ext uri="{FF2B5EF4-FFF2-40B4-BE49-F238E27FC236}">
+                <a16:creationId xmlns:a16="http://schemas.microsoft.com/office/drawing/2014/main" id="{AD0DA31E-B1CF-2EE7-AEA3-44AEFC06661A}"/>
+              </a:ext>
+            </a:extLst>
+          </p:cNvPr>
+          <p:cNvSpPr txBox="1"/>
+          <p:nvPr/>
+        </p:nvSpPr>
+        <p:spPr>
+          <a:xfrm>
+            <a:off x="9778558" y="259307"/>
+            <a:ext cx="2536272" cy="461665"/>
+          </a:xfrm>
+          <a:prstGeom prst="rect">
+            <a:avLst/>
+          </a:prstGeom>
+          <a:noFill/>
+        </p:spPr>
+        <p:txBody>
+          <a:bodyPr wrap="square" rtlCol="0">
+            <a:spAutoFit/>
+          </a:bodyPr>
+          <a:lstStyle/>
+          <a:p>
+            <a:r>
+              <a:rPr lang="en-US" sz="2400" b="1" dirty="0">
+                <a:solidFill>
+                  <a:schemeClr val="bg1"/>
+                </a:solidFill>
+                <a:latin typeface="Arial Black" panose="020B0A04020102020204" pitchFamily="34" charset="0"/>
+              </a:rPr>
+              <a:t>AI Academy</a:t>
+            </a:r>
+            <a:r>
+              <a:rPr lang="en-US" sz="2400" b="0" i="0" dirty="0">
+                <a:solidFill>
+                  <a:schemeClr val="bg1"/>
+                </a:solidFill>
+                <a:effectLst/>
+                <a:latin typeface="arial" panose="020B0604020202020204" pitchFamily="34" charset="0"/>
+              </a:rPr>
+              <a:t>®</a:t>
+            </a:r>
+            <a:endParaRPr lang="en-US" sz="2400" b="1" dirty="0">
+              <a:solidFill>
+                <a:schemeClr val="bg1"/>
+              </a:solidFill>
+              <a:latin typeface="Arial Black" panose="020B0A04020102020204" pitchFamily="34" charset="0"/>
+            </a:endParaRPr>
+          </a:p>
+        </p:txBody>
+      </p:sp>
+      <p:sp>
+        <p:nvSpPr>
+          <p:cNvPr id="13" name="Scroll: Vertical 12">
+            <a:extLst>
+              <a:ext uri="{FF2B5EF4-FFF2-40B4-BE49-F238E27FC236}">
+                <a16:creationId xmlns:a16="http://schemas.microsoft.com/office/drawing/2014/main" id="{3B2D1899-A8E4-138B-0263-E1FE03B91D81}"/>
+              </a:ext>
+            </a:extLst>
+          </p:cNvPr>
+          <p:cNvSpPr/>
+          <p:nvPr/>
+        </p:nvSpPr>
+        <p:spPr>
+          <a:xfrm>
+            <a:off x="10459839" y="887102"/>
+            <a:ext cx="1091821" cy="873457"/>
+          </a:xfrm>
+          <a:prstGeom prst="verticalScroll">
+            <a:avLst/>
+          </a:prstGeom>
+          <a:solidFill>
+            <a:schemeClr val="bg1"/>
+          </a:solidFill>
+        </p:spPr>
+        <p:style>
+          <a:lnRef idx="2">
+            <a:schemeClr val="accent1">
+              <a:shade val="15000"/>
+            </a:schemeClr>
+          </a:lnRef>
+          <a:fillRef idx="1">
+            <a:schemeClr val="accent1"/>
+          </a:fillRef>
+          <a:effectRef idx="0">
+            <a:schemeClr val="accent1"/>
+          </a:effectRef>
+          <a:fontRef idx="minor">
+            <a:schemeClr val="lt1"/>
+          </a:fontRef>
+        </p:style>
+        <p:txBody>
+          <a:bodyPr rtlCol="0" anchor="ctr"/>
+          <a:lstStyle/>
+          <a:p>
+            <a:pPr algn="ctr"/>
+            <a:r>
+              <a:rPr lang="en-US" sz="4400" b="1" dirty="0">
+                <a:solidFill>
+                  <a:schemeClr val="tx1"/>
+                </a:solidFill>
+              </a:rPr>
+              <a:t>15</a:t>
+            </a:r>
+          </a:p>
+        </p:txBody>
+      </p:sp>
+      <p:sp>
+        <p:nvSpPr>
+          <p:cNvPr id="3" name="TextBox 2">
+            <a:extLst>
+              <a:ext uri="{FF2B5EF4-FFF2-40B4-BE49-F238E27FC236}">
+                <a16:creationId xmlns:a16="http://schemas.microsoft.com/office/drawing/2014/main" id="{4EA8111E-4AD0-ED0A-177A-51E0E92078BC}"/>
+              </a:ext>
+            </a:extLst>
+          </p:cNvPr>
+          <p:cNvSpPr txBox="1"/>
+          <p:nvPr/>
+        </p:nvSpPr>
+        <p:spPr>
+          <a:xfrm>
+            <a:off x="1109533" y="259307"/>
+            <a:ext cx="2559868" cy="707886"/>
+          </a:xfrm>
+          <a:prstGeom prst="rect">
+            <a:avLst/>
+          </a:prstGeom>
+          <a:noFill/>
+        </p:spPr>
+        <p:txBody>
+          <a:bodyPr wrap="none" rtlCol="0">
+            <a:spAutoFit/>
+          </a:bodyPr>
+          <a:lstStyle/>
+          <a:p>
+            <a:r>
+              <a:rPr lang="en-US" sz="4000" b="1" dirty="0">
+                <a:latin typeface="Arial Black" panose="020B0A04020102020204" pitchFamily="34" charset="0"/>
+              </a:rPr>
+              <a:t>Week #1</a:t>
+            </a:r>
+          </a:p>
+        </p:txBody>
+      </p:sp>
+      <p:pic>
+        <p:nvPicPr>
+          <p:cNvPr id="2050" name="Picture 2" descr="Help Center">
+            <a:extLst>
+              <a:ext uri="{FF2B5EF4-FFF2-40B4-BE49-F238E27FC236}">
+                <a16:creationId xmlns:a16="http://schemas.microsoft.com/office/drawing/2014/main" id="{0AC9016D-48C9-0531-3F62-EAA7E6A479B8}"/>
+              </a:ext>
+            </a:extLst>
+          </p:cNvPr>
+          <p:cNvPicPr>
+            <a:picLocks noChangeAspect="1" noChangeArrowheads="1"/>
+          </p:cNvPicPr>
+          <p:nvPr/>
+        </p:nvPicPr>
+        <p:blipFill>
+          <a:blip r:embed="rId3">
+            <a:extLst>
+              <a:ext uri="{28A0092B-C50C-407E-A947-70E740481C1C}">
+                <a14:useLocalDpi xmlns:a14="http://schemas.microsoft.com/office/drawing/2010/main" val="0"/>
+              </a:ext>
+            </a:extLst>
+          </a:blip>
+          <a:srcRect/>
+          <a:stretch>
+            <a:fillRect/>
+          </a:stretch>
+        </p:blipFill>
+        <p:spPr bwMode="auto">
+          <a:xfrm>
+            <a:off x="1109533" y="887102"/>
+            <a:ext cx="8385249" cy="3849790"/>
+          </a:xfrm>
+          <a:prstGeom prst="rect">
+            <a:avLst/>
+          </a:prstGeom>
+          <a:noFill/>
+          <a:extLst>
+            <a:ext uri="{909E8E84-426E-40DD-AFC4-6F175D3DCCD1}">
+              <a14:hiddenFill xmlns:a14="http://schemas.microsoft.com/office/drawing/2010/main">
+                <a:solidFill>
+                  <a:srgbClr val="FFFFFF"/>
+                </a:solidFill>
+              </a14:hiddenFill>
+            </a:ext>
+          </a:extLst>
+        </p:spPr>
+      </p:pic>
+    </p:spTree>
+    <p:extLst>
+      <p:ext uri="{BB962C8B-B14F-4D97-AF65-F5344CB8AC3E}">
+        <p14:creationId xmlns:p14="http://schemas.microsoft.com/office/powerpoint/2010/main" val="3955024135"/>
+      </p:ext>
+    </p:extLst>
+  </p:cSld>
+  <p:clrMapOvr>
+    <a:masterClrMapping/>
+  </p:clrMapOvr>
+</p:sld>
+</file>
+
+<file path=ppt/slides/slide16.xml><?xml version="1.0" encoding="utf-8"?>
+<p:sld xmlns:a="http://schemas.openxmlformats.org/drawingml/2006/main" xmlns:r="http://schemas.openxmlformats.org/officeDocument/2006/relationships" xmlns:p="http://schemas.openxmlformats.org/presentationml/2006/main">
+  <p:cSld>
+    <p:spTree>
+      <p:nvGrpSpPr>
+        <p:cNvPr id="1" name="">
+          <a:extLst>
+            <a:ext uri="{FF2B5EF4-FFF2-40B4-BE49-F238E27FC236}">
+              <a16:creationId xmlns:a16="http://schemas.microsoft.com/office/drawing/2014/main" id="{E1D52FDC-340F-7A4E-FAEB-CC0D9BA9480E}"/>
+            </a:ext>
+          </a:extLst>
+        </p:cNvPr>
+        <p:cNvGrpSpPr/>
+        <p:nvPr/>
+      </p:nvGrpSpPr>
+      <p:grpSpPr>
+        <a:xfrm>
+          <a:off x="0" y="0"/>
+          <a:ext cx="0" cy="0"/>
+          <a:chOff x="0" y="0"/>
+          <a:chExt cx="0" cy="0"/>
+        </a:xfrm>
+      </p:grpSpPr>
+      <p:pic>
+        <p:nvPicPr>
+          <p:cNvPr id="7" name="Picture 6">
+            <a:extLst>
+              <a:ext uri="{FF2B5EF4-FFF2-40B4-BE49-F238E27FC236}">
+                <a16:creationId xmlns:a16="http://schemas.microsoft.com/office/drawing/2014/main" id="{1242FF8F-FBF3-0D73-F3D1-8B47212B3081}"/>
+              </a:ext>
+            </a:extLst>
+          </p:cNvPr>
+          <p:cNvPicPr>
+            <a:picLocks noChangeAspect="1"/>
+          </p:cNvPicPr>
+          <p:nvPr/>
+        </p:nvPicPr>
+        <p:blipFill>
+          <a:blip r:embed="rId2">
+            <a:extLst>
+              <a:ext uri="{28A0092B-C50C-407E-A947-70E740481C1C}">
+                <a14:useLocalDpi xmlns:a14="http://schemas.microsoft.com/office/drawing/2010/main" val="0"/>
+              </a:ext>
+            </a:extLst>
+          </a:blip>
+          <a:stretch>
+            <a:fillRect/>
+          </a:stretch>
+        </p:blipFill>
+        <p:spPr>
+          <a:xfrm>
+            <a:off x="0" y="4844958"/>
+            <a:ext cx="1915235" cy="1915235"/>
+          </a:xfrm>
+          <a:prstGeom prst="rect">
+            <a:avLst/>
+          </a:prstGeom>
+        </p:spPr>
+      </p:pic>
+      <p:sp>
+        <p:nvSpPr>
+          <p:cNvPr id="8" name="TextBox 7">
+            <a:extLst>
+              <a:ext uri="{FF2B5EF4-FFF2-40B4-BE49-F238E27FC236}">
+                <a16:creationId xmlns:a16="http://schemas.microsoft.com/office/drawing/2014/main" id="{45330DFC-5FCD-6F9D-5B93-1C7FDF6AEBBF}"/>
+              </a:ext>
+            </a:extLst>
+          </p:cNvPr>
+          <p:cNvSpPr txBox="1"/>
+          <p:nvPr/>
+        </p:nvSpPr>
+        <p:spPr>
+          <a:xfrm>
+            <a:off x="9778558" y="259307"/>
+            <a:ext cx="2536272" cy="461665"/>
+          </a:xfrm>
+          <a:prstGeom prst="rect">
+            <a:avLst/>
+          </a:prstGeom>
+          <a:noFill/>
+        </p:spPr>
+        <p:txBody>
+          <a:bodyPr wrap="square" rtlCol="0">
+            <a:spAutoFit/>
+          </a:bodyPr>
+          <a:lstStyle/>
+          <a:p>
+            <a:r>
+              <a:rPr lang="en-US" sz="2400" b="1" dirty="0">
+                <a:solidFill>
+                  <a:schemeClr val="bg1"/>
+                </a:solidFill>
+                <a:latin typeface="Arial Black" panose="020B0A04020102020204" pitchFamily="34" charset="0"/>
+              </a:rPr>
+              <a:t>AI Academy</a:t>
+            </a:r>
+            <a:r>
+              <a:rPr lang="en-US" sz="2400" b="0" i="0" dirty="0">
+                <a:solidFill>
+                  <a:schemeClr val="bg1"/>
+                </a:solidFill>
+                <a:effectLst/>
+                <a:latin typeface="arial" panose="020B0604020202020204" pitchFamily="34" charset="0"/>
+              </a:rPr>
+              <a:t>®</a:t>
+            </a:r>
+            <a:endParaRPr lang="en-US" sz="2400" b="1" dirty="0">
+              <a:solidFill>
+                <a:schemeClr val="bg1"/>
+              </a:solidFill>
+              <a:latin typeface="Arial Black" panose="020B0A04020102020204" pitchFamily="34" charset="0"/>
+            </a:endParaRPr>
+          </a:p>
+        </p:txBody>
+      </p:sp>
+      <p:sp>
+        <p:nvSpPr>
+          <p:cNvPr id="13" name="Scroll: Vertical 12">
+            <a:extLst>
+              <a:ext uri="{FF2B5EF4-FFF2-40B4-BE49-F238E27FC236}">
+                <a16:creationId xmlns:a16="http://schemas.microsoft.com/office/drawing/2014/main" id="{7E28DBFF-A31A-F8BB-E053-A06482156EEB}"/>
+              </a:ext>
+            </a:extLst>
+          </p:cNvPr>
+          <p:cNvSpPr/>
+          <p:nvPr/>
+        </p:nvSpPr>
+        <p:spPr>
+          <a:xfrm>
+            <a:off x="10459839" y="887102"/>
+            <a:ext cx="1091821" cy="873457"/>
+          </a:xfrm>
+          <a:prstGeom prst="verticalScroll">
+            <a:avLst/>
+          </a:prstGeom>
+          <a:solidFill>
+            <a:schemeClr val="bg1"/>
+          </a:solidFill>
+        </p:spPr>
+        <p:style>
+          <a:lnRef idx="2">
+            <a:schemeClr val="accent1">
+              <a:shade val="15000"/>
+            </a:schemeClr>
+          </a:lnRef>
+          <a:fillRef idx="1">
+            <a:schemeClr val="accent1"/>
+          </a:fillRef>
+          <a:effectRef idx="0">
+            <a:schemeClr val="accent1"/>
+          </a:effectRef>
+          <a:fontRef idx="minor">
+            <a:schemeClr val="lt1"/>
+          </a:fontRef>
+        </p:style>
+        <p:txBody>
+          <a:bodyPr rtlCol="0" anchor="ctr"/>
+          <a:lstStyle/>
+          <a:p>
+            <a:pPr algn="ctr"/>
+            <a:r>
+              <a:rPr lang="en-US" sz="4400" b="1" dirty="0">
+                <a:solidFill>
+                  <a:schemeClr val="tx1"/>
+                </a:solidFill>
+              </a:rPr>
+              <a:t>16</a:t>
+            </a:r>
+          </a:p>
+        </p:txBody>
+      </p:sp>
+      <p:sp>
+        <p:nvSpPr>
+          <p:cNvPr id="3" name="TextBox 2">
+            <a:extLst>
+              <a:ext uri="{FF2B5EF4-FFF2-40B4-BE49-F238E27FC236}">
+                <a16:creationId xmlns:a16="http://schemas.microsoft.com/office/drawing/2014/main" id="{996EDD48-D02F-801E-714A-587B74804874}"/>
+              </a:ext>
+            </a:extLst>
+          </p:cNvPr>
+          <p:cNvSpPr txBox="1"/>
+          <p:nvPr/>
+        </p:nvSpPr>
+        <p:spPr>
+          <a:xfrm>
+            <a:off x="1109533" y="259307"/>
+            <a:ext cx="2559868" cy="707886"/>
+          </a:xfrm>
+          <a:prstGeom prst="rect">
+            <a:avLst/>
+          </a:prstGeom>
+          <a:noFill/>
+        </p:spPr>
+        <p:txBody>
+          <a:bodyPr wrap="none" rtlCol="0">
+            <a:spAutoFit/>
+          </a:bodyPr>
+          <a:lstStyle/>
+          <a:p>
+            <a:r>
+              <a:rPr lang="en-US" sz="4000" b="1" dirty="0">
+                <a:latin typeface="Arial Black" panose="020B0A04020102020204" pitchFamily="34" charset="0"/>
+              </a:rPr>
+              <a:t>Week #1</a:t>
+            </a:r>
+          </a:p>
+        </p:txBody>
+      </p:sp>
+      <p:pic>
+        <p:nvPicPr>
+          <p:cNvPr id="4098" name="Picture 2" descr="Seller Compliance &amp; Growth Center">
+            <a:extLst>
+              <a:ext uri="{FF2B5EF4-FFF2-40B4-BE49-F238E27FC236}">
+                <a16:creationId xmlns:a16="http://schemas.microsoft.com/office/drawing/2014/main" id="{85662675-7A19-F8E0-7140-B8C45E830ECB}"/>
+              </a:ext>
+            </a:extLst>
+          </p:cNvPr>
+          <p:cNvPicPr>
+            <a:picLocks noChangeAspect="1" noChangeArrowheads="1"/>
+          </p:cNvPicPr>
+          <p:nvPr/>
+        </p:nvPicPr>
+        <p:blipFill>
+          <a:blip r:embed="rId3">
+            <a:extLst>
+              <a:ext uri="{28A0092B-C50C-407E-A947-70E740481C1C}">
+                <a14:useLocalDpi xmlns:a14="http://schemas.microsoft.com/office/drawing/2010/main" val="0"/>
+              </a:ext>
+            </a:extLst>
+          </a:blip>
+          <a:srcRect/>
+          <a:stretch>
+            <a:fillRect/>
+          </a:stretch>
+        </p:blipFill>
+        <p:spPr bwMode="auto">
+          <a:xfrm>
+            <a:off x="776158" y="1079292"/>
+            <a:ext cx="8759933" cy="3662519"/>
+          </a:xfrm>
+          <a:prstGeom prst="rect">
+            <a:avLst/>
+          </a:prstGeom>
+          <a:noFill/>
+          <a:extLst>
+            <a:ext uri="{909E8E84-426E-40DD-AFC4-6F175D3DCCD1}">
+              <a14:hiddenFill xmlns:a14="http://schemas.microsoft.com/office/drawing/2010/main">
+                <a:solidFill>
+                  <a:srgbClr val="FFFFFF"/>
+                </a:solidFill>
+              </a14:hiddenFill>
+            </a:ext>
+          </a:extLst>
+        </p:spPr>
+      </p:pic>
+    </p:spTree>
+    <p:extLst>
+      <p:ext uri="{BB962C8B-B14F-4D97-AF65-F5344CB8AC3E}">
+        <p14:creationId xmlns:p14="http://schemas.microsoft.com/office/powerpoint/2010/main" val="2820504551"/>
       </p:ext>
     </p:extLst>
   </p:cSld>
@@ -9682,1215 +8521,6 @@
     <p:extLst>
       <p:ext uri="{BB962C8B-B14F-4D97-AF65-F5344CB8AC3E}">
         <p14:creationId xmlns:p14="http://schemas.microsoft.com/office/powerpoint/2010/main" val="2181000295"/>
-      </p:ext>
-    </p:extLst>
-  </p:cSld>
-  <p:clrMapOvr>
-    <a:masterClrMapping/>
-  </p:clrMapOvr>
-</p:sld>
-</file>
-
-<file path=ppt/slides/slide20.xml><?xml version="1.0" encoding="utf-8"?>
-<p:sld xmlns:a="http://schemas.openxmlformats.org/drawingml/2006/main" xmlns:r="http://schemas.openxmlformats.org/officeDocument/2006/relationships" xmlns:p="http://schemas.openxmlformats.org/presentationml/2006/main">
-  <p:cSld>
-    <p:spTree>
-      <p:nvGrpSpPr>
-        <p:cNvPr id="1" name="">
-          <a:extLst>
-            <a:ext uri="{FF2B5EF4-FFF2-40B4-BE49-F238E27FC236}">
-              <a16:creationId xmlns:a16="http://schemas.microsoft.com/office/drawing/2014/main" id="{1781A519-0DB4-0CC8-189C-F392A7CD1335}"/>
-            </a:ext>
-          </a:extLst>
-        </p:cNvPr>
-        <p:cNvGrpSpPr/>
-        <p:nvPr/>
-      </p:nvGrpSpPr>
-      <p:grpSpPr>
-        <a:xfrm>
-          <a:off x="0" y="0"/>
-          <a:ext cx="0" cy="0"/>
-          <a:chOff x="0" y="0"/>
-          <a:chExt cx="0" cy="0"/>
-        </a:xfrm>
-      </p:grpSpPr>
-      <p:pic>
-        <p:nvPicPr>
-          <p:cNvPr id="7" name="Picture 6">
-            <a:extLst>
-              <a:ext uri="{FF2B5EF4-FFF2-40B4-BE49-F238E27FC236}">
-                <a16:creationId xmlns:a16="http://schemas.microsoft.com/office/drawing/2014/main" id="{85AE7F0E-3B56-67C5-8DE7-ED5EBBEBDAF2}"/>
-              </a:ext>
-            </a:extLst>
-          </p:cNvPr>
-          <p:cNvPicPr>
-            <a:picLocks noChangeAspect="1"/>
-          </p:cNvPicPr>
-          <p:nvPr/>
-        </p:nvPicPr>
-        <p:blipFill>
-          <a:blip r:embed="rId2">
-            <a:extLst>
-              <a:ext uri="{28A0092B-C50C-407E-A947-70E740481C1C}">
-                <a14:useLocalDpi xmlns:a14="http://schemas.microsoft.com/office/drawing/2010/main" val="0"/>
-              </a:ext>
-            </a:extLst>
-          </a:blip>
-          <a:stretch>
-            <a:fillRect/>
-          </a:stretch>
-        </p:blipFill>
-        <p:spPr>
-          <a:xfrm>
-            <a:off x="0" y="4844958"/>
-            <a:ext cx="1915235" cy="1915235"/>
-          </a:xfrm>
-          <a:prstGeom prst="rect">
-            <a:avLst/>
-          </a:prstGeom>
-        </p:spPr>
-      </p:pic>
-      <p:sp>
-        <p:nvSpPr>
-          <p:cNvPr id="8" name="TextBox 7">
-            <a:extLst>
-              <a:ext uri="{FF2B5EF4-FFF2-40B4-BE49-F238E27FC236}">
-                <a16:creationId xmlns:a16="http://schemas.microsoft.com/office/drawing/2014/main" id="{AD0DA31E-B1CF-2EE7-AEA3-44AEFC06661A}"/>
-              </a:ext>
-            </a:extLst>
-          </p:cNvPr>
-          <p:cNvSpPr txBox="1"/>
-          <p:nvPr/>
-        </p:nvSpPr>
-        <p:spPr>
-          <a:xfrm>
-            <a:off x="9778558" y="259307"/>
-            <a:ext cx="2536272" cy="461665"/>
-          </a:xfrm>
-          <a:prstGeom prst="rect">
-            <a:avLst/>
-          </a:prstGeom>
-          <a:noFill/>
-        </p:spPr>
-        <p:txBody>
-          <a:bodyPr wrap="square" rtlCol="0">
-            <a:spAutoFit/>
-          </a:bodyPr>
-          <a:lstStyle/>
-          <a:p>
-            <a:r>
-              <a:rPr lang="en-US" sz="2400" b="1" dirty="0">
-                <a:solidFill>
-                  <a:schemeClr val="bg1"/>
-                </a:solidFill>
-                <a:latin typeface="Arial Black" panose="020B0A04020102020204" pitchFamily="34" charset="0"/>
-              </a:rPr>
-              <a:t>AI Academy</a:t>
-            </a:r>
-            <a:r>
-              <a:rPr lang="en-US" sz="2400" b="0" i="0" dirty="0">
-                <a:solidFill>
-                  <a:schemeClr val="bg1"/>
-                </a:solidFill>
-                <a:effectLst/>
-                <a:latin typeface="arial" panose="020B0604020202020204" pitchFamily="34" charset="0"/>
-              </a:rPr>
-              <a:t>®</a:t>
-            </a:r>
-            <a:endParaRPr lang="en-US" sz="2400" b="1" dirty="0">
-              <a:solidFill>
-                <a:schemeClr val="bg1"/>
-              </a:solidFill>
-              <a:latin typeface="Arial Black" panose="020B0A04020102020204" pitchFamily="34" charset="0"/>
-            </a:endParaRPr>
-          </a:p>
-        </p:txBody>
-      </p:sp>
-      <p:sp>
-        <p:nvSpPr>
-          <p:cNvPr id="13" name="Scroll: Vertical 12">
-            <a:extLst>
-              <a:ext uri="{FF2B5EF4-FFF2-40B4-BE49-F238E27FC236}">
-                <a16:creationId xmlns:a16="http://schemas.microsoft.com/office/drawing/2014/main" id="{3B2D1899-A8E4-138B-0263-E1FE03B91D81}"/>
-              </a:ext>
-            </a:extLst>
-          </p:cNvPr>
-          <p:cNvSpPr/>
-          <p:nvPr/>
-        </p:nvSpPr>
-        <p:spPr>
-          <a:xfrm>
-            <a:off x="10459839" y="887102"/>
-            <a:ext cx="1091821" cy="873457"/>
-          </a:xfrm>
-          <a:prstGeom prst="verticalScroll">
-            <a:avLst/>
-          </a:prstGeom>
-          <a:solidFill>
-            <a:schemeClr val="bg1"/>
-          </a:solidFill>
-        </p:spPr>
-        <p:style>
-          <a:lnRef idx="2">
-            <a:schemeClr val="accent1">
-              <a:shade val="15000"/>
-            </a:schemeClr>
-          </a:lnRef>
-          <a:fillRef idx="1">
-            <a:schemeClr val="accent1"/>
-          </a:fillRef>
-          <a:effectRef idx="0">
-            <a:schemeClr val="accent1"/>
-          </a:effectRef>
-          <a:fontRef idx="minor">
-            <a:schemeClr val="lt1"/>
-          </a:fontRef>
-        </p:style>
-        <p:txBody>
-          <a:bodyPr rtlCol="0" anchor="ctr"/>
-          <a:lstStyle/>
-          <a:p>
-            <a:pPr algn="ctr"/>
-            <a:r>
-              <a:rPr lang="en-US" sz="4400" b="1" dirty="0">
-                <a:solidFill>
-                  <a:schemeClr val="tx1"/>
-                </a:solidFill>
-              </a:rPr>
-              <a:t>20</a:t>
-            </a:r>
-          </a:p>
-        </p:txBody>
-      </p:sp>
-      <p:sp>
-        <p:nvSpPr>
-          <p:cNvPr id="3" name="TextBox 2">
-            <a:extLst>
-              <a:ext uri="{FF2B5EF4-FFF2-40B4-BE49-F238E27FC236}">
-                <a16:creationId xmlns:a16="http://schemas.microsoft.com/office/drawing/2014/main" id="{4EA8111E-4AD0-ED0A-177A-51E0E92078BC}"/>
-              </a:ext>
-            </a:extLst>
-          </p:cNvPr>
-          <p:cNvSpPr txBox="1"/>
-          <p:nvPr/>
-        </p:nvSpPr>
-        <p:spPr>
-          <a:xfrm>
-            <a:off x="1109533" y="259307"/>
-            <a:ext cx="2559868" cy="707886"/>
-          </a:xfrm>
-          <a:prstGeom prst="rect">
-            <a:avLst/>
-          </a:prstGeom>
-          <a:noFill/>
-        </p:spPr>
-        <p:txBody>
-          <a:bodyPr wrap="none" rtlCol="0">
-            <a:spAutoFit/>
-          </a:bodyPr>
-          <a:lstStyle/>
-          <a:p>
-            <a:r>
-              <a:rPr lang="en-US" sz="4000" b="1" dirty="0">
-                <a:latin typeface="Arial Black" panose="020B0A04020102020204" pitchFamily="34" charset="0"/>
-              </a:rPr>
-              <a:t>Week #1</a:t>
-            </a:r>
-          </a:p>
-        </p:txBody>
-      </p:sp>
-      <p:pic>
-        <p:nvPicPr>
-          <p:cNvPr id="6" name="Picture 5">
-            <a:extLst>
-              <a:ext uri="{FF2B5EF4-FFF2-40B4-BE49-F238E27FC236}">
-                <a16:creationId xmlns:a16="http://schemas.microsoft.com/office/drawing/2014/main" id="{CB02ACE2-B3D8-FBEC-4AA5-38E137A14A93}"/>
-              </a:ext>
-            </a:extLst>
-          </p:cNvPr>
-          <p:cNvPicPr>
-            <a:picLocks noChangeAspect="1"/>
-          </p:cNvPicPr>
-          <p:nvPr/>
-        </p:nvPicPr>
-        <p:blipFill>
-          <a:blip r:embed="rId3"/>
-          <a:stretch>
-            <a:fillRect/>
-          </a:stretch>
-        </p:blipFill>
-        <p:spPr>
-          <a:xfrm>
-            <a:off x="1640115" y="1416281"/>
-            <a:ext cx="7982854" cy="3601502"/>
-          </a:xfrm>
-          <a:prstGeom prst="rect">
-            <a:avLst/>
-          </a:prstGeom>
-        </p:spPr>
-      </p:pic>
-      <p:sp>
-        <p:nvSpPr>
-          <p:cNvPr id="9" name="TextBox 8">
-            <a:extLst>
-              <a:ext uri="{FF2B5EF4-FFF2-40B4-BE49-F238E27FC236}">
-                <a16:creationId xmlns:a16="http://schemas.microsoft.com/office/drawing/2014/main" id="{FED12944-A643-5524-C079-AF92C4369017}"/>
-              </a:ext>
-            </a:extLst>
-          </p:cNvPr>
-          <p:cNvSpPr txBox="1"/>
-          <p:nvPr/>
-        </p:nvSpPr>
-        <p:spPr>
-          <a:xfrm>
-            <a:off x="1123181" y="859806"/>
-            <a:ext cx="8128000" cy="523221"/>
-          </a:xfrm>
-          <a:prstGeom prst="rect">
-            <a:avLst/>
-          </a:prstGeom>
-          <a:noFill/>
-        </p:spPr>
-        <p:txBody>
-          <a:bodyPr wrap="square" rtlCol="0">
-            <a:spAutoFit/>
-          </a:bodyPr>
-          <a:lstStyle/>
-          <a:p>
-            <a:r>
-              <a:rPr lang="en-US" sz="2800" b="1" dirty="0">
-                <a:latin typeface="Times New Roman" panose="02020603050405020304" pitchFamily="18" charset="0"/>
-                <a:cs typeface="Times New Roman" panose="02020603050405020304" pitchFamily="18" charset="0"/>
-              </a:rPr>
-              <a:t>eCommerce Drop-Shipping Model:</a:t>
-            </a:r>
-          </a:p>
-        </p:txBody>
-      </p:sp>
-    </p:spTree>
-    <p:extLst>
-      <p:ext uri="{BB962C8B-B14F-4D97-AF65-F5344CB8AC3E}">
-        <p14:creationId xmlns:p14="http://schemas.microsoft.com/office/powerpoint/2010/main" val="3955024135"/>
-      </p:ext>
-    </p:extLst>
-  </p:cSld>
-  <p:clrMapOvr>
-    <a:masterClrMapping/>
-  </p:clrMapOvr>
-</p:sld>
-</file>
-
-<file path=ppt/slides/slide21.xml><?xml version="1.0" encoding="utf-8"?>
-<p:sld xmlns:a="http://schemas.openxmlformats.org/drawingml/2006/main" xmlns:r="http://schemas.openxmlformats.org/officeDocument/2006/relationships" xmlns:p="http://schemas.openxmlformats.org/presentationml/2006/main">
-  <p:cSld>
-    <p:spTree>
-      <p:nvGrpSpPr>
-        <p:cNvPr id="1" name="">
-          <a:extLst>
-            <a:ext uri="{FF2B5EF4-FFF2-40B4-BE49-F238E27FC236}">
-              <a16:creationId xmlns:a16="http://schemas.microsoft.com/office/drawing/2014/main" id="{E1D52FDC-340F-7A4E-FAEB-CC0D9BA9480E}"/>
-            </a:ext>
-          </a:extLst>
-        </p:cNvPr>
-        <p:cNvGrpSpPr/>
-        <p:nvPr/>
-      </p:nvGrpSpPr>
-      <p:grpSpPr>
-        <a:xfrm>
-          <a:off x="0" y="0"/>
-          <a:ext cx="0" cy="0"/>
-          <a:chOff x="0" y="0"/>
-          <a:chExt cx="0" cy="0"/>
-        </a:xfrm>
-      </p:grpSpPr>
-      <p:pic>
-        <p:nvPicPr>
-          <p:cNvPr id="7" name="Picture 6">
-            <a:extLst>
-              <a:ext uri="{FF2B5EF4-FFF2-40B4-BE49-F238E27FC236}">
-                <a16:creationId xmlns:a16="http://schemas.microsoft.com/office/drawing/2014/main" id="{1242FF8F-FBF3-0D73-F3D1-8B47212B3081}"/>
-              </a:ext>
-            </a:extLst>
-          </p:cNvPr>
-          <p:cNvPicPr>
-            <a:picLocks noChangeAspect="1"/>
-          </p:cNvPicPr>
-          <p:nvPr/>
-        </p:nvPicPr>
-        <p:blipFill>
-          <a:blip r:embed="rId2">
-            <a:extLst>
-              <a:ext uri="{28A0092B-C50C-407E-A947-70E740481C1C}">
-                <a14:useLocalDpi xmlns:a14="http://schemas.microsoft.com/office/drawing/2010/main" val="0"/>
-              </a:ext>
-            </a:extLst>
-          </a:blip>
-          <a:stretch>
-            <a:fillRect/>
-          </a:stretch>
-        </p:blipFill>
-        <p:spPr>
-          <a:xfrm>
-            <a:off x="0" y="4844958"/>
-            <a:ext cx="1915235" cy="1915235"/>
-          </a:xfrm>
-          <a:prstGeom prst="rect">
-            <a:avLst/>
-          </a:prstGeom>
-        </p:spPr>
-      </p:pic>
-      <p:sp>
-        <p:nvSpPr>
-          <p:cNvPr id="8" name="TextBox 7">
-            <a:extLst>
-              <a:ext uri="{FF2B5EF4-FFF2-40B4-BE49-F238E27FC236}">
-                <a16:creationId xmlns:a16="http://schemas.microsoft.com/office/drawing/2014/main" id="{45330DFC-5FCD-6F9D-5B93-1C7FDF6AEBBF}"/>
-              </a:ext>
-            </a:extLst>
-          </p:cNvPr>
-          <p:cNvSpPr txBox="1"/>
-          <p:nvPr/>
-        </p:nvSpPr>
-        <p:spPr>
-          <a:xfrm>
-            <a:off x="9778558" y="259307"/>
-            <a:ext cx="2536272" cy="461665"/>
-          </a:xfrm>
-          <a:prstGeom prst="rect">
-            <a:avLst/>
-          </a:prstGeom>
-          <a:noFill/>
-        </p:spPr>
-        <p:txBody>
-          <a:bodyPr wrap="square" rtlCol="0">
-            <a:spAutoFit/>
-          </a:bodyPr>
-          <a:lstStyle/>
-          <a:p>
-            <a:r>
-              <a:rPr lang="en-US" sz="2400" b="1" dirty="0">
-                <a:solidFill>
-                  <a:schemeClr val="bg1"/>
-                </a:solidFill>
-                <a:latin typeface="Arial Black" panose="020B0A04020102020204" pitchFamily="34" charset="0"/>
-              </a:rPr>
-              <a:t>AI Academy</a:t>
-            </a:r>
-            <a:r>
-              <a:rPr lang="en-US" sz="2400" b="0" i="0" dirty="0">
-                <a:solidFill>
-                  <a:schemeClr val="bg1"/>
-                </a:solidFill>
-                <a:effectLst/>
-                <a:latin typeface="arial" panose="020B0604020202020204" pitchFamily="34" charset="0"/>
-              </a:rPr>
-              <a:t>®</a:t>
-            </a:r>
-            <a:endParaRPr lang="en-US" sz="2400" b="1" dirty="0">
-              <a:solidFill>
-                <a:schemeClr val="bg1"/>
-              </a:solidFill>
-              <a:latin typeface="Arial Black" panose="020B0A04020102020204" pitchFamily="34" charset="0"/>
-            </a:endParaRPr>
-          </a:p>
-        </p:txBody>
-      </p:sp>
-      <p:sp>
-        <p:nvSpPr>
-          <p:cNvPr id="13" name="Scroll: Vertical 12">
-            <a:extLst>
-              <a:ext uri="{FF2B5EF4-FFF2-40B4-BE49-F238E27FC236}">
-                <a16:creationId xmlns:a16="http://schemas.microsoft.com/office/drawing/2014/main" id="{7E28DBFF-A31A-F8BB-E053-A06482156EEB}"/>
-              </a:ext>
-            </a:extLst>
-          </p:cNvPr>
-          <p:cNvSpPr/>
-          <p:nvPr/>
-        </p:nvSpPr>
-        <p:spPr>
-          <a:xfrm>
-            <a:off x="10459839" y="887102"/>
-            <a:ext cx="1091821" cy="873457"/>
-          </a:xfrm>
-          <a:prstGeom prst="verticalScroll">
-            <a:avLst/>
-          </a:prstGeom>
-          <a:solidFill>
-            <a:schemeClr val="bg1"/>
-          </a:solidFill>
-        </p:spPr>
-        <p:style>
-          <a:lnRef idx="2">
-            <a:schemeClr val="accent1">
-              <a:shade val="15000"/>
-            </a:schemeClr>
-          </a:lnRef>
-          <a:fillRef idx="1">
-            <a:schemeClr val="accent1"/>
-          </a:fillRef>
-          <a:effectRef idx="0">
-            <a:schemeClr val="accent1"/>
-          </a:effectRef>
-          <a:fontRef idx="minor">
-            <a:schemeClr val="lt1"/>
-          </a:fontRef>
-        </p:style>
-        <p:txBody>
-          <a:bodyPr rtlCol="0" anchor="ctr"/>
-          <a:lstStyle/>
-          <a:p>
-            <a:pPr algn="ctr"/>
-            <a:r>
-              <a:rPr lang="en-US" sz="4400" b="1" dirty="0">
-                <a:solidFill>
-                  <a:schemeClr val="tx1"/>
-                </a:solidFill>
-              </a:rPr>
-              <a:t>21</a:t>
-            </a:r>
-          </a:p>
-        </p:txBody>
-      </p:sp>
-      <p:sp>
-        <p:nvSpPr>
-          <p:cNvPr id="3" name="TextBox 2">
-            <a:extLst>
-              <a:ext uri="{FF2B5EF4-FFF2-40B4-BE49-F238E27FC236}">
-                <a16:creationId xmlns:a16="http://schemas.microsoft.com/office/drawing/2014/main" id="{996EDD48-D02F-801E-714A-587B74804874}"/>
-              </a:ext>
-            </a:extLst>
-          </p:cNvPr>
-          <p:cNvSpPr txBox="1"/>
-          <p:nvPr/>
-        </p:nvSpPr>
-        <p:spPr>
-          <a:xfrm>
-            <a:off x="1109533" y="259307"/>
-            <a:ext cx="2559868" cy="707886"/>
-          </a:xfrm>
-          <a:prstGeom prst="rect">
-            <a:avLst/>
-          </a:prstGeom>
-          <a:noFill/>
-        </p:spPr>
-        <p:txBody>
-          <a:bodyPr wrap="none" rtlCol="0">
-            <a:spAutoFit/>
-          </a:bodyPr>
-          <a:lstStyle/>
-          <a:p>
-            <a:r>
-              <a:rPr lang="en-US" sz="4000" b="1" dirty="0">
-                <a:latin typeface="Arial Black" panose="020B0A04020102020204" pitchFamily="34" charset="0"/>
-              </a:rPr>
-              <a:t>Week #1</a:t>
-            </a:r>
-          </a:p>
-        </p:txBody>
-      </p:sp>
-      <p:sp>
-        <p:nvSpPr>
-          <p:cNvPr id="9" name="TextBox 8">
-            <a:extLst>
-              <a:ext uri="{FF2B5EF4-FFF2-40B4-BE49-F238E27FC236}">
-                <a16:creationId xmlns:a16="http://schemas.microsoft.com/office/drawing/2014/main" id="{6EB67DC4-494A-F362-AC42-64D6E53C45EF}"/>
-              </a:ext>
-            </a:extLst>
-          </p:cNvPr>
-          <p:cNvSpPr txBox="1"/>
-          <p:nvPr/>
-        </p:nvSpPr>
-        <p:spPr>
-          <a:xfrm>
-            <a:off x="1123181" y="859806"/>
-            <a:ext cx="8128000" cy="523221"/>
-          </a:xfrm>
-          <a:prstGeom prst="rect">
-            <a:avLst/>
-          </a:prstGeom>
-          <a:noFill/>
-        </p:spPr>
-        <p:txBody>
-          <a:bodyPr wrap="square" rtlCol="0">
-            <a:spAutoFit/>
-          </a:bodyPr>
-          <a:lstStyle/>
-          <a:p>
-            <a:r>
-              <a:rPr lang="en-US" sz="2800" b="1" dirty="0">
-                <a:latin typeface="Times New Roman" panose="02020603050405020304" pitchFamily="18" charset="0"/>
-                <a:cs typeface="Times New Roman" panose="02020603050405020304" pitchFamily="18" charset="0"/>
-              </a:rPr>
-              <a:t>eCommerce Affiliate Model:</a:t>
-            </a:r>
-          </a:p>
-        </p:txBody>
-      </p:sp>
-      <p:pic>
-        <p:nvPicPr>
-          <p:cNvPr id="9220" name="Picture 4" descr="What Is Affiliate Marketing? - SellerRocket">
-            <a:extLst>
-              <a:ext uri="{FF2B5EF4-FFF2-40B4-BE49-F238E27FC236}">
-                <a16:creationId xmlns:a16="http://schemas.microsoft.com/office/drawing/2014/main" id="{2E003909-62FB-96DD-983E-19818C842FA7}"/>
-              </a:ext>
-            </a:extLst>
-          </p:cNvPr>
-          <p:cNvPicPr>
-            <a:picLocks noChangeAspect="1" noChangeArrowheads="1"/>
-          </p:cNvPicPr>
-          <p:nvPr/>
-        </p:nvPicPr>
-        <p:blipFill>
-          <a:blip r:embed="rId3">
-            <a:extLst>
-              <a:ext uri="{28A0092B-C50C-407E-A947-70E740481C1C}">
-                <a14:useLocalDpi xmlns:a14="http://schemas.microsoft.com/office/drawing/2010/main" val="0"/>
-              </a:ext>
-            </a:extLst>
-          </a:blip>
-          <a:srcRect/>
-          <a:stretch>
-            <a:fillRect/>
-          </a:stretch>
-        </p:blipFill>
-        <p:spPr bwMode="auto">
-          <a:xfrm>
-            <a:off x="2289821" y="1405057"/>
-            <a:ext cx="5344658" cy="4444420"/>
-          </a:xfrm>
-          <a:prstGeom prst="rect">
-            <a:avLst/>
-          </a:prstGeom>
-          <a:noFill/>
-          <a:extLst>
-            <a:ext uri="{909E8E84-426E-40DD-AFC4-6F175D3DCCD1}">
-              <a14:hiddenFill xmlns:a14="http://schemas.microsoft.com/office/drawing/2010/main">
-                <a:solidFill>
-                  <a:srgbClr val="FFFFFF"/>
-                </a:solidFill>
-              </a14:hiddenFill>
-            </a:ext>
-          </a:extLst>
-        </p:spPr>
-      </p:pic>
-    </p:spTree>
-    <p:extLst>
-      <p:ext uri="{BB962C8B-B14F-4D97-AF65-F5344CB8AC3E}">
-        <p14:creationId xmlns:p14="http://schemas.microsoft.com/office/powerpoint/2010/main" val="2820504551"/>
-      </p:ext>
-    </p:extLst>
-  </p:cSld>
-  <p:clrMapOvr>
-    <a:masterClrMapping/>
-  </p:clrMapOvr>
-</p:sld>
-</file>
-
-<file path=ppt/slides/slide22.xml><?xml version="1.0" encoding="utf-8"?>
-<p:sld xmlns:a="http://schemas.openxmlformats.org/drawingml/2006/main" xmlns:r="http://schemas.openxmlformats.org/officeDocument/2006/relationships" xmlns:p="http://schemas.openxmlformats.org/presentationml/2006/main">
-  <p:cSld>
-    <p:spTree>
-      <p:nvGrpSpPr>
-        <p:cNvPr id="1" name="">
-          <a:extLst>
-            <a:ext uri="{FF2B5EF4-FFF2-40B4-BE49-F238E27FC236}">
-              <a16:creationId xmlns:a16="http://schemas.microsoft.com/office/drawing/2014/main" id="{C5E14A00-AFEB-B38C-42A2-9AFA7E393D8D}"/>
-            </a:ext>
-          </a:extLst>
-        </p:cNvPr>
-        <p:cNvGrpSpPr/>
-        <p:nvPr/>
-      </p:nvGrpSpPr>
-      <p:grpSpPr>
-        <a:xfrm>
-          <a:off x="0" y="0"/>
-          <a:ext cx="0" cy="0"/>
-          <a:chOff x="0" y="0"/>
-          <a:chExt cx="0" cy="0"/>
-        </a:xfrm>
-      </p:grpSpPr>
-      <p:pic>
-        <p:nvPicPr>
-          <p:cNvPr id="7" name="Picture 6">
-            <a:extLst>
-              <a:ext uri="{FF2B5EF4-FFF2-40B4-BE49-F238E27FC236}">
-                <a16:creationId xmlns:a16="http://schemas.microsoft.com/office/drawing/2014/main" id="{5453C713-0C4E-5528-0D45-193371CEBDA3}"/>
-              </a:ext>
-            </a:extLst>
-          </p:cNvPr>
-          <p:cNvPicPr>
-            <a:picLocks noChangeAspect="1"/>
-          </p:cNvPicPr>
-          <p:nvPr/>
-        </p:nvPicPr>
-        <p:blipFill>
-          <a:blip r:embed="rId2">
-            <a:extLst>
-              <a:ext uri="{28A0092B-C50C-407E-A947-70E740481C1C}">
-                <a14:useLocalDpi xmlns:a14="http://schemas.microsoft.com/office/drawing/2010/main" val="0"/>
-              </a:ext>
-            </a:extLst>
-          </a:blip>
-          <a:stretch>
-            <a:fillRect/>
-          </a:stretch>
-        </p:blipFill>
-        <p:spPr>
-          <a:xfrm>
-            <a:off x="0" y="4844958"/>
-            <a:ext cx="1915235" cy="1915235"/>
-          </a:xfrm>
-          <a:prstGeom prst="rect">
-            <a:avLst/>
-          </a:prstGeom>
-        </p:spPr>
-      </p:pic>
-      <p:sp>
-        <p:nvSpPr>
-          <p:cNvPr id="8" name="TextBox 7">
-            <a:extLst>
-              <a:ext uri="{FF2B5EF4-FFF2-40B4-BE49-F238E27FC236}">
-                <a16:creationId xmlns:a16="http://schemas.microsoft.com/office/drawing/2014/main" id="{094E50B3-1B1E-DFF5-2F19-9D461C5B82A1}"/>
-              </a:ext>
-            </a:extLst>
-          </p:cNvPr>
-          <p:cNvSpPr txBox="1"/>
-          <p:nvPr/>
-        </p:nvSpPr>
-        <p:spPr>
-          <a:xfrm>
-            <a:off x="9778558" y="259307"/>
-            <a:ext cx="2536272" cy="461665"/>
-          </a:xfrm>
-          <a:prstGeom prst="rect">
-            <a:avLst/>
-          </a:prstGeom>
-          <a:noFill/>
-        </p:spPr>
-        <p:txBody>
-          <a:bodyPr wrap="square" rtlCol="0">
-            <a:spAutoFit/>
-          </a:bodyPr>
-          <a:lstStyle/>
-          <a:p>
-            <a:r>
-              <a:rPr lang="en-US" sz="2400" b="1" dirty="0">
-                <a:solidFill>
-                  <a:schemeClr val="bg1"/>
-                </a:solidFill>
-                <a:latin typeface="Arial Black" panose="020B0A04020102020204" pitchFamily="34" charset="0"/>
-              </a:rPr>
-              <a:t>AI Academy</a:t>
-            </a:r>
-            <a:r>
-              <a:rPr lang="en-US" sz="2400" b="0" i="0" dirty="0">
-                <a:solidFill>
-                  <a:schemeClr val="bg1"/>
-                </a:solidFill>
-                <a:effectLst/>
-                <a:latin typeface="arial" panose="020B0604020202020204" pitchFamily="34" charset="0"/>
-              </a:rPr>
-              <a:t>®</a:t>
-            </a:r>
-            <a:endParaRPr lang="en-US" sz="2400" b="1" dirty="0">
-              <a:solidFill>
-                <a:schemeClr val="bg1"/>
-              </a:solidFill>
-              <a:latin typeface="Arial Black" panose="020B0A04020102020204" pitchFamily="34" charset="0"/>
-            </a:endParaRPr>
-          </a:p>
-        </p:txBody>
-      </p:sp>
-      <p:sp>
-        <p:nvSpPr>
-          <p:cNvPr id="13" name="Scroll: Vertical 12">
-            <a:extLst>
-              <a:ext uri="{FF2B5EF4-FFF2-40B4-BE49-F238E27FC236}">
-                <a16:creationId xmlns:a16="http://schemas.microsoft.com/office/drawing/2014/main" id="{309DE0DF-A71B-9DE3-9C65-409D93665F5E}"/>
-              </a:ext>
-            </a:extLst>
-          </p:cNvPr>
-          <p:cNvSpPr/>
-          <p:nvPr/>
-        </p:nvSpPr>
-        <p:spPr>
-          <a:xfrm>
-            <a:off x="10459839" y="887102"/>
-            <a:ext cx="1091821" cy="873457"/>
-          </a:xfrm>
-          <a:prstGeom prst="verticalScroll">
-            <a:avLst/>
-          </a:prstGeom>
-          <a:solidFill>
-            <a:schemeClr val="bg1"/>
-          </a:solidFill>
-        </p:spPr>
-        <p:style>
-          <a:lnRef idx="2">
-            <a:schemeClr val="accent1">
-              <a:shade val="15000"/>
-            </a:schemeClr>
-          </a:lnRef>
-          <a:fillRef idx="1">
-            <a:schemeClr val="accent1"/>
-          </a:fillRef>
-          <a:effectRef idx="0">
-            <a:schemeClr val="accent1"/>
-          </a:effectRef>
-          <a:fontRef idx="minor">
-            <a:schemeClr val="lt1"/>
-          </a:fontRef>
-        </p:style>
-        <p:txBody>
-          <a:bodyPr rtlCol="0" anchor="ctr"/>
-          <a:lstStyle/>
-          <a:p>
-            <a:pPr algn="ctr"/>
-            <a:r>
-              <a:rPr lang="en-US" sz="4400" b="1" dirty="0">
-                <a:solidFill>
-                  <a:schemeClr val="tx1"/>
-                </a:solidFill>
-              </a:rPr>
-              <a:t>22</a:t>
-            </a:r>
-          </a:p>
-        </p:txBody>
-      </p:sp>
-      <p:sp>
-        <p:nvSpPr>
-          <p:cNvPr id="3" name="TextBox 2">
-            <a:extLst>
-              <a:ext uri="{FF2B5EF4-FFF2-40B4-BE49-F238E27FC236}">
-                <a16:creationId xmlns:a16="http://schemas.microsoft.com/office/drawing/2014/main" id="{649A986A-D175-5009-BBA0-25CBA5018884}"/>
-              </a:ext>
-            </a:extLst>
-          </p:cNvPr>
-          <p:cNvSpPr txBox="1"/>
-          <p:nvPr/>
-        </p:nvSpPr>
-        <p:spPr>
-          <a:xfrm>
-            <a:off x="1109533" y="259307"/>
-            <a:ext cx="2559868" cy="707886"/>
-          </a:xfrm>
-          <a:prstGeom prst="rect">
-            <a:avLst/>
-          </a:prstGeom>
-          <a:noFill/>
-        </p:spPr>
-        <p:txBody>
-          <a:bodyPr wrap="none" rtlCol="0">
-            <a:spAutoFit/>
-          </a:bodyPr>
-          <a:lstStyle/>
-          <a:p>
-            <a:r>
-              <a:rPr lang="en-US" sz="4000" b="1" dirty="0">
-                <a:latin typeface="Arial Black" panose="020B0A04020102020204" pitchFamily="34" charset="0"/>
-              </a:rPr>
-              <a:t>Week #1</a:t>
-            </a:r>
-          </a:p>
-        </p:txBody>
-      </p:sp>
-      <p:sp>
-        <p:nvSpPr>
-          <p:cNvPr id="9" name="TextBox 8">
-            <a:extLst>
-              <a:ext uri="{FF2B5EF4-FFF2-40B4-BE49-F238E27FC236}">
-                <a16:creationId xmlns:a16="http://schemas.microsoft.com/office/drawing/2014/main" id="{08C8E8F5-655F-AEDA-A073-D300B4AB6AE2}"/>
-              </a:ext>
-            </a:extLst>
-          </p:cNvPr>
-          <p:cNvSpPr txBox="1"/>
-          <p:nvPr/>
-        </p:nvSpPr>
-        <p:spPr>
-          <a:xfrm>
-            <a:off x="1123181" y="859806"/>
-            <a:ext cx="8128000" cy="523221"/>
-          </a:xfrm>
-          <a:prstGeom prst="rect">
-            <a:avLst/>
-          </a:prstGeom>
-          <a:noFill/>
-        </p:spPr>
-        <p:txBody>
-          <a:bodyPr wrap="square" rtlCol="0">
-            <a:spAutoFit/>
-          </a:bodyPr>
-          <a:lstStyle/>
-          <a:p>
-            <a:r>
-              <a:rPr lang="en-US" sz="2800" b="1" dirty="0">
-                <a:latin typeface="Times New Roman" panose="02020603050405020304" pitchFamily="18" charset="0"/>
-                <a:cs typeface="Times New Roman" panose="02020603050405020304" pitchFamily="18" charset="0"/>
-              </a:rPr>
-              <a:t>eCommerce MLM Model:</a:t>
-            </a:r>
-          </a:p>
-        </p:txBody>
-      </p:sp>
-      <p:pic>
-        <p:nvPicPr>
-          <p:cNvPr id="4" name="Picture 3">
-            <a:extLst>
-              <a:ext uri="{FF2B5EF4-FFF2-40B4-BE49-F238E27FC236}">
-                <a16:creationId xmlns:a16="http://schemas.microsoft.com/office/drawing/2014/main" id="{340DD32D-C756-89FF-FF52-591757B2D4DB}"/>
-              </a:ext>
-            </a:extLst>
-          </p:cNvPr>
-          <p:cNvPicPr>
-            <a:picLocks noChangeAspect="1"/>
-          </p:cNvPicPr>
-          <p:nvPr/>
-        </p:nvPicPr>
-        <p:blipFill>
-          <a:blip r:embed="rId3"/>
-          <a:stretch>
-            <a:fillRect/>
-          </a:stretch>
-        </p:blipFill>
-        <p:spPr>
-          <a:xfrm>
-            <a:off x="1886858" y="1430371"/>
-            <a:ext cx="6896424" cy="3759117"/>
-          </a:xfrm>
-          <a:prstGeom prst="rect">
-            <a:avLst/>
-          </a:prstGeom>
-        </p:spPr>
-      </p:pic>
-      <p:pic>
-        <p:nvPicPr>
-          <p:cNvPr id="6" name="Picture 5">
-            <a:extLst>
-              <a:ext uri="{FF2B5EF4-FFF2-40B4-BE49-F238E27FC236}">
-                <a16:creationId xmlns:a16="http://schemas.microsoft.com/office/drawing/2014/main" id="{4560605F-A70A-9740-2E2F-A3F9C67D9F2E}"/>
-              </a:ext>
-            </a:extLst>
-          </p:cNvPr>
-          <p:cNvPicPr>
-            <a:picLocks noChangeAspect="1"/>
-          </p:cNvPicPr>
-          <p:nvPr/>
-        </p:nvPicPr>
-        <p:blipFill>
-          <a:blip r:embed="rId4"/>
-          <a:stretch>
-            <a:fillRect/>
-          </a:stretch>
-        </p:blipFill>
-        <p:spPr>
-          <a:xfrm>
-            <a:off x="3676312" y="1795234"/>
-            <a:ext cx="4839375" cy="3267531"/>
-          </a:xfrm>
-          <a:prstGeom prst="rect">
-            <a:avLst/>
-          </a:prstGeom>
-        </p:spPr>
-      </p:pic>
-    </p:spTree>
-    <p:extLst>
-      <p:ext uri="{BB962C8B-B14F-4D97-AF65-F5344CB8AC3E}">
-        <p14:creationId xmlns:p14="http://schemas.microsoft.com/office/powerpoint/2010/main" val="3410851651"/>
-      </p:ext>
-    </p:extLst>
-  </p:cSld>
-  <p:clrMapOvr>
-    <a:masterClrMapping/>
-  </p:clrMapOvr>
-</p:sld>
-</file>
-
-<file path=ppt/slides/slide23.xml><?xml version="1.0" encoding="utf-8"?>
-<p:sld xmlns:a="http://schemas.openxmlformats.org/drawingml/2006/main" xmlns:r="http://schemas.openxmlformats.org/officeDocument/2006/relationships" xmlns:p="http://schemas.openxmlformats.org/presentationml/2006/main">
-  <p:cSld>
-    <p:spTree>
-      <p:nvGrpSpPr>
-        <p:cNvPr id="1" name="">
-          <a:extLst>
-            <a:ext uri="{FF2B5EF4-FFF2-40B4-BE49-F238E27FC236}">
-              <a16:creationId xmlns:a16="http://schemas.microsoft.com/office/drawing/2014/main" id="{E23BD5B0-6060-0B7B-12D0-16C16F4B8883}"/>
-            </a:ext>
-          </a:extLst>
-        </p:cNvPr>
-        <p:cNvGrpSpPr/>
-        <p:nvPr/>
-      </p:nvGrpSpPr>
-      <p:grpSpPr>
-        <a:xfrm>
-          <a:off x="0" y="0"/>
-          <a:ext cx="0" cy="0"/>
-          <a:chOff x="0" y="0"/>
-          <a:chExt cx="0" cy="0"/>
-        </a:xfrm>
-      </p:grpSpPr>
-      <p:pic>
-        <p:nvPicPr>
-          <p:cNvPr id="7" name="Picture 6">
-            <a:extLst>
-              <a:ext uri="{FF2B5EF4-FFF2-40B4-BE49-F238E27FC236}">
-                <a16:creationId xmlns:a16="http://schemas.microsoft.com/office/drawing/2014/main" id="{A794A8DC-1CD6-D1F3-FA6D-C65DBA3CD0BA}"/>
-              </a:ext>
-            </a:extLst>
-          </p:cNvPr>
-          <p:cNvPicPr>
-            <a:picLocks noChangeAspect="1"/>
-          </p:cNvPicPr>
-          <p:nvPr/>
-        </p:nvPicPr>
-        <p:blipFill>
-          <a:blip r:embed="rId2">
-            <a:extLst>
-              <a:ext uri="{28A0092B-C50C-407E-A947-70E740481C1C}">
-                <a14:useLocalDpi xmlns:a14="http://schemas.microsoft.com/office/drawing/2010/main" val="0"/>
-              </a:ext>
-            </a:extLst>
-          </a:blip>
-          <a:stretch>
-            <a:fillRect/>
-          </a:stretch>
-        </p:blipFill>
-        <p:spPr>
-          <a:xfrm>
-            <a:off x="0" y="4844958"/>
-            <a:ext cx="1915235" cy="1915235"/>
-          </a:xfrm>
-          <a:prstGeom prst="rect">
-            <a:avLst/>
-          </a:prstGeom>
-        </p:spPr>
-      </p:pic>
-      <p:sp>
-        <p:nvSpPr>
-          <p:cNvPr id="8" name="TextBox 7">
-            <a:extLst>
-              <a:ext uri="{FF2B5EF4-FFF2-40B4-BE49-F238E27FC236}">
-                <a16:creationId xmlns:a16="http://schemas.microsoft.com/office/drawing/2014/main" id="{10893B93-0DA6-B06B-4E57-28A94C618A70}"/>
-              </a:ext>
-            </a:extLst>
-          </p:cNvPr>
-          <p:cNvSpPr txBox="1"/>
-          <p:nvPr/>
-        </p:nvSpPr>
-        <p:spPr>
-          <a:xfrm>
-            <a:off x="9778558" y="259307"/>
-            <a:ext cx="2536272" cy="461665"/>
-          </a:xfrm>
-          <a:prstGeom prst="rect">
-            <a:avLst/>
-          </a:prstGeom>
-          <a:noFill/>
-        </p:spPr>
-        <p:txBody>
-          <a:bodyPr wrap="square" rtlCol="0">
-            <a:spAutoFit/>
-          </a:bodyPr>
-          <a:lstStyle/>
-          <a:p>
-            <a:r>
-              <a:rPr lang="en-US" sz="2400" b="1" dirty="0">
-                <a:solidFill>
-                  <a:schemeClr val="bg1"/>
-                </a:solidFill>
-                <a:latin typeface="Arial Black" panose="020B0A04020102020204" pitchFamily="34" charset="0"/>
-              </a:rPr>
-              <a:t>AI Academy</a:t>
-            </a:r>
-            <a:r>
-              <a:rPr lang="en-US" sz="2400" b="0" i="0" dirty="0">
-                <a:solidFill>
-                  <a:schemeClr val="bg1"/>
-                </a:solidFill>
-                <a:effectLst/>
-                <a:latin typeface="arial" panose="020B0604020202020204" pitchFamily="34" charset="0"/>
-              </a:rPr>
-              <a:t>®</a:t>
-            </a:r>
-            <a:endParaRPr lang="en-US" sz="2400" b="1" dirty="0">
-              <a:solidFill>
-                <a:schemeClr val="bg1"/>
-              </a:solidFill>
-              <a:latin typeface="Arial Black" panose="020B0A04020102020204" pitchFamily="34" charset="0"/>
-            </a:endParaRPr>
-          </a:p>
-        </p:txBody>
-      </p:sp>
-      <p:sp>
-        <p:nvSpPr>
-          <p:cNvPr id="13" name="Scroll: Vertical 12">
-            <a:extLst>
-              <a:ext uri="{FF2B5EF4-FFF2-40B4-BE49-F238E27FC236}">
-                <a16:creationId xmlns:a16="http://schemas.microsoft.com/office/drawing/2014/main" id="{60F1C9DA-E464-0337-31C2-5B1E539648B8}"/>
-              </a:ext>
-            </a:extLst>
-          </p:cNvPr>
-          <p:cNvSpPr/>
-          <p:nvPr/>
-        </p:nvSpPr>
-        <p:spPr>
-          <a:xfrm>
-            <a:off x="10459839" y="887102"/>
-            <a:ext cx="1091821" cy="873457"/>
-          </a:xfrm>
-          <a:prstGeom prst="verticalScroll">
-            <a:avLst/>
-          </a:prstGeom>
-          <a:solidFill>
-            <a:schemeClr val="bg1"/>
-          </a:solidFill>
-        </p:spPr>
-        <p:style>
-          <a:lnRef idx="2">
-            <a:schemeClr val="accent1">
-              <a:shade val="15000"/>
-            </a:schemeClr>
-          </a:lnRef>
-          <a:fillRef idx="1">
-            <a:schemeClr val="accent1"/>
-          </a:fillRef>
-          <a:effectRef idx="0">
-            <a:schemeClr val="accent1"/>
-          </a:effectRef>
-          <a:fontRef idx="minor">
-            <a:schemeClr val="lt1"/>
-          </a:fontRef>
-        </p:style>
-        <p:txBody>
-          <a:bodyPr rtlCol="0" anchor="ctr"/>
-          <a:lstStyle/>
-          <a:p>
-            <a:pPr algn="ctr"/>
-            <a:r>
-              <a:rPr lang="en-US" sz="4400" b="1" dirty="0">
-                <a:solidFill>
-                  <a:schemeClr val="tx1"/>
-                </a:solidFill>
-              </a:rPr>
-              <a:t>23</a:t>
-            </a:r>
-          </a:p>
-        </p:txBody>
-      </p:sp>
-      <p:sp>
-        <p:nvSpPr>
-          <p:cNvPr id="3" name="TextBox 2">
-            <a:extLst>
-              <a:ext uri="{FF2B5EF4-FFF2-40B4-BE49-F238E27FC236}">
-                <a16:creationId xmlns:a16="http://schemas.microsoft.com/office/drawing/2014/main" id="{C41B05FE-6E6F-325F-B463-7F1D55EACB91}"/>
-              </a:ext>
-            </a:extLst>
-          </p:cNvPr>
-          <p:cNvSpPr txBox="1"/>
-          <p:nvPr/>
-        </p:nvSpPr>
-        <p:spPr>
-          <a:xfrm>
-            <a:off x="1109533" y="259307"/>
-            <a:ext cx="2559868" cy="707886"/>
-          </a:xfrm>
-          <a:prstGeom prst="rect">
-            <a:avLst/>
-          </a:prstGeom>
-          <a:noFill/>
-        </p:spPr>
-        <p:txBody>
-          <a:bodyPr wrap="none" rtlCol="0">
-            <a:spAutoFit/>
-          </a:bodyPr>
-          <a:lstStyle/>
-          <a:p>
-            <a:r>
-              <a:rPr lang="en-US" sz="4000" b="1" dirty="0">
-                <a:latin typeface="Arial Black" panose="020B0A04020102020204" pitchFamily="34" charset="0"/>
-              </a:rPr>
-              <a:t>Week #1</a:t>
-            </a:r>
-          </a:p>
-        </p:txBody>
-      </p:sp>
-      <p:sp>
-        <p:nvSpPr>
-          <p:cNvPr id="9" name="TextBox 8">
-            <a:extLst>
-              <a:ext uri="{FF2B5EF4-FFF2-40B4-BE49-F238E27FC236}">
-                <a16:creationId xmlns:a16="http://schemas.microsoft.com/office/drawing/2014/main" id="{FB07CFD0-C28F-52AD-75D3-1B66E87F8792}"/>
-              </a:ext>
-            </a:extLst>
-          </p:cNvPr>
-          <p:cNvSpPr txBox="1"/>
-          <p:nvPr/>
-        </p:nvSpPr>
-        <p:spPr>
-          <a:xfrm>
-            <a:off x="1123181" y="859806"/>
-            <a:ext cx="8128000" cy="523221"/>
-          </a:xfrm>
-          <a:prstGeom prst="rect">
-            <a:avLst/>
-          </a:prstGeom>
-          <a:noFill/>
-        </p:spPr>
-        <p:txBody>
-          <a:bodyPr wrap="square" rtlCol="0">
-            <a:spAutoFit/>
-          </a:bodyPr>
-          <a:lstStyle/>
-          <a:p>
-            <a:r>
-              <a:rPr lang="en-US" sz="2800" b="1" dirty="0">
-                <a:latin typeface="Times New Roman" panose="02020603050405020304" pitchFamily="18" charset="0"/>
-                <a:cs typeface="Times New Roman" panose="02020603050405020304" pitchFamily="18" charset="0"/>
-              </a:rPr>
-              <a:t>eCommerce MLM Model:</a:t>
-            </a:r>
-          </a:p>
-        </p:txBody>
-      </p:sp>
-      <p:pic>
-        <p:nvPicPr>
-          <p:cNvPr id="14" name="Picture 13">
-            <a:extLst>
-              <a:ext uri="{FF2B5EF4-FFF2-40B4-BE49-F238E27FC236}">
-                <a16:creationId xmlns:a16="http://schemas.microsoft.com/office/drawing/2014/main" id="{E9A282D9-5095-9160-0F4A-D6E7EDA773EA}"/>
-              </a:ext>
-            </a:extLst>
-          </p:cNvPr>
-          <p:cNvPicPr>
-            <a:picLocks noChangeAspect="1"/>
-          </p:cNvPicPr>
-          <p:nvPr/>
-        </p:nvPicPr>
-        <p:blipFill>
-          <a:blip r:embed="rId3">
-            <a:extLst>
-              <a:ext uri="{28A0092B-C50C-407E-A947-70E740481C1C}">
-                <a14:useLocalDpi xmlns:a14="http://schemas.microsoft.com/office/drawing/2010/main" val="0"/>
-              </a:ext>
-            </a:extLst>
-          </a:blip>
-          <a:stretch>
-            <a:fillRect/>
-          </a:stretch>
-        </p:blipFill>
-        <p:spPr>
-          <a:xfrm>
-            <a:off x="1699081" y="1409699"/>
-            <a:ext cx="6704693" cy="4834677"/>
-          </a:xfrm>
-          <a:prstGeom prst="rect">
-            <a:avLst/>
-          </a:prstGeom>
-        </p:spPr>
-      </p:pic>
-    </p:spTree>
-    <p:extLst>
-      <p:ext uri="{BB962C8B-B14F-4D97-AF65-F5344CB8AC3E}">
-        <p14:creationId xmlns:p14="http://schemas.microsoft.com/office/powerpoint/2010/main" val="1969472398"/>
       </p:ext>
     </p:extLst>
   </p:cSld>
@@ -12431,7 +10061,7 @@
         <p:cNvPr id="1" name="">
           <a:extLst>
             <a:ext uri="{FF2B5EF4-FFF2-40B4-BE49-F238E27FC236}">
-              <a16:creationId xmlns:a16="http://schemas.microsoft.com/office/drawing/2014/main" id="{29C63344-A5D1-638C-C36D-121671A5F527}"/>
+              <a16:creationId xmlns:a16="http://schemas.microsoft.com/office/drawing/2014/main" id="{0F88E52F-4E32-83B9-18C3-D62BF607E42B}"/>
             </a:ext>
           </a:extLst>
         </p:cNvPr>
@@ -12451,7 +10081,7 @@
           <p:cNvPr id="7" name="Picture 6">
             <a:extLst>
               <a:ext uri="{FF2B5EF4-FFF2-40B4-BE49-F238E27FC236}">
-                <a16:creationId xmlns:a16="http://schemas.microsoft.com/office/drawing/2014/main" id="{C9C35E55-CD83-5DD0-497A-B68B0B87AFED}"/>
+                <a16:creationId xmlns:a16="http://schemas.microsoft.com/office/drawing/2014/main" id="{8BB493C5-3B52-5C45-7D6D-6A926F2B7231}"/>
               </a:ext>
             </a:extLst>
           </p:cNvPr>
@@ -12487,7 +10117,7 @@
           <p:cNvPr id="8" name="TextBox 7">
             <a:extLst>
               <a:ext uri="{FF2B5EF4-FFF2-40B4-BE49-F238E27FC236}">
-                <a16:creationId xmlns:a16="http://schemas.microsoft.com/office/drawing/2014/main" id="{2E70EA5B-394B-5A9C-1962-EF80ABEFA742}"/>
+                <a16:creationId xmlns:a16="http://schemas.microsoft.com/office/drawing/2014/main" id="{21B4060A-0BBB-D2A5-B851-D23A11FD6B04}"/>
               </a:ext>
             </a:extLst>
           </p:cNvPr>
@@ -12543,7 +10173,7 @@
           <p:cNvPr id="13" name="Scroll: Vertical 12">
             <a:extLst>
               <a:ext uri="{FF2B5EF4-FFF2-40B4-BE49-F238E27FC236}">
-                <a16:creationId xmlns:a16="http://schemas.microsoft.com/office/drawing/2014/main" id="{F43F7E9A-9023-5A80-E0BD-AF08F5ED787E}"/>
+                <a16:creationId xmlns:a16="http://schemas.microsoft.com/office/drawing/2014/main" id="{2137C5AF-C2FE-EECE-62CD-C23B84A8ED6D}"/>
               </a:ext>
             </a:extLst>
           </p:cNvPr>
@@ -12599,7 +10229,7 @@
           <p:cNvPr id="4" name="TextBox 3">
             <a:extLst>
               <a:ext uri="{FF2B5EF4-FFF2-40B4-BE49-F238E27FC236}">
-                <a16:creationId xmlns:a16="http://schemas.microsoft.com/office/drawing/2014/main" id="{9C22047B-6E1D-9AED-49C8-35DAEB105F00}"/>
+                <a16:creationId xmlns:a16="http://schemas.microsoft.com/office/drawing/2014/main" id="{AC813843-EEE7-12FC-377B-C0D46837423C}"/>
               </a:ext>
             </a:extLst>
           </p:cNvPr>
@@ -12633,10 +10263,10 @@
       </p:sp>
       <p:pic>
         <p:nvPicPr>
-          <p:cNvPr id="1026" name="Picture 2" descr="Top 10 Payment Gateways Around The World - Devathon">
+          <p:cNvPr id="3074" name="Picture 2" descr="Help Center">
             <a:extLst>
               <a:ext uri="{FF2B5EF4-FFF2-40B4-BE49-F238E27FC236}">
-                <a16:creationId xmlns:a16="http://schemas.microsoft.com/office/drawing/2014/main" id="{D9F885B8-45D9-0CDD-6D12-D8D923DE2934}"/>
+                <a16:creationId xmlns:a16="http://schemas.microsoft.com/office/drawing/2014/main" id="{560C76F5-A135-2EB1-6564-7F3A5E5F60DC}"/>
               </a:ext>
             </a:extLst>
           </p:cNvPr>
@@ -12660,8 +10290,8 @@
         </p:blipFill>
         <p:spPr bwMode="auto">
           <a:xfrm>
-            <a:off x="2891868" y="2201894"/>
-            <a:ext cx="4532513" cy="4177672"/>
+            <a:off x="771029" y="967193"/>
+            <a:ext cx="8782701" cy="3905329"/>
           </a:xfrm>
           <a:prstGeom prst="rect">
             <a:avLst/>
@@ -12678,91 +10308,10 @@
           </a:extLst>
         </p:spPr>
       </p:pic>
-      <p:sp>
-        <p:nvSpPr>
-          <p:cNvPr id="2" name="TextBox 1">
-            <a:extLst>
-              <a:ext uri="{FF2B5EF4-FFF2-40B4-BE49-F238E27FC236}">
-                <a16:creationId xmlns:a16="http://schemas.microsoft.com/office/drawing/2014/main" id="{FFBA4B4C-0A09-1E70-3E4F-5804AF3E496B}"/>
-              </a:ext>
-            </a:extLst>
-          </p:cNvPr>
-          <p:cNvSpPr txBox="1"/>
-          <p:nvPr/>
-        </p:nvSpPr>
-        <p:spPr>
-          <a:xfrm>
-            <a:off x="1109532" y="1371933"/>
-            <a:ext cx="7761513" cy="923330"/>
-          </a:xfrm>
-          <a:prstGeom prst="rect">
-            <a:avLst/>
-          </a:prstGeom>
-          <a:noFill/>
-        </p:spPr>
-        <p:txBody>
-          <a:bodyPr wrap="square" rtlCol="0">
-            <a:spAutoFit/>
-          </a:bodyPr>
-          <a:lstStyle/>
-          <a:p>
-            <a:r>
-              <a:rPr lang="en-US" b="0" i="0" dirty="0">
-                <a:effectLst/>
-                <a:latin typeface="Arial" panose="020B0604020202020204" pitchFamily="34" charset="0"/>
-                <a:cs typeface="Arial" panose="020B0604020202020204" pitchFamily="34" charset="0"/>
-              </a:rPr>
-              <a:t>Payment gateways offer many benefits, including improved customer experience, increased operational efficiency, bolstered security measures, and even scaling and global expansion.</a:t>
-            </a:r>
-            <a:endParaRPr lang="en-US" dirty="0">
-              <a:latin typeface="Arial" panose="020B0604020202020204" pitchFamily="34" charset="0"/>
-              <a:cs typeface="Arial" panose="020B0604020202020204" pitchFamily="34" charset="0"/>
-            </a:endParaRPr>
-          </a:p>
-        </p:txBody>
-      </p:sp>
-      <p:sp>
-        <p:nvSpPr>
-          <p:cNvPr id="3" name="TextBox 2">
-            <a:extLst>
-              <a:ext uri="{FF2B5EF4-FFF2-40B4-BE49-F238E27FC236}">
-                <a16:creationId xmlns:a16="http://schemas.microsoft.com/office/drawing/2014/main" id="{88941FBD-0BA9-F3CF-C981-FE419B184570}"/>
-              </a:ext>
-            </a:extLst>
-          </p:cNvPr>
-          <p:cNvSpPr txBox="1"/>
-          <p:nvPr/>
-        </p:nvSpPr>
-        <p:spPr>
-          <a:xfrm>
-            <a:off x="1123180" y="859806"/>
-            <a:ext cx="7747865" cy="523220"/>
-          </a:xfrm>
-          <a:prstGeom prst="rect">
-            <a:avLst/>
-          </a:prstGeom>
-          <a:noFill/>
-        </p:spPr>
-        <p:txBody>
-          <a:bodyPr wrap="square" rtlCol="0">
-            <a:spAutoFit/>
-          </a:bodyPr>
-          <a:lstStyle/>
-          <a:p>
-            <a:r>
-              <a:rPr lang="en-US" sz="2800" b="1" dirty="0">
-                <a:latin typeface="Times New Roman" panose="02020603050405020304" pitchFamily="18" charset="0"/>
-                <a:cs typeface="Times New Roman" panose="02020603050405020304" pitchFamily="18" charset="0"/>
-              </a:rPr>
-              <a:t>Importance of Payment Gateway:</a:t>
-            </a:r>
-          </a:p>
-        </p:txBody>
-      </p:sp>
     </p:spTree>
     <p:extLst>
       <p:ext uri="{BB962C8B-B14F-4D97-AF65-F5344CB8AC3E}">
-        <p14:creationId xmlns:p14="http://schemas.microsoft.com/office/powerpoint/2010/main" val="2879467088"/>
+        <p14:creationId xmlns:p14="http://schemas.microsoft.com/office/powerpoint/2010/main" val="3779879983"/>
       </p:ext>
     </p:extLst>
   </p:cSld>
@@ -12780,7 +10329,7 @@
         <p:cNvPr id="1" name="">
           <a:extLst>
             <a:ext uri="{FF2B5EF4-FFF2-40B4-BE49-F238E27FC236}">
-              <a16:creationId xmlns:a16="http://schemas.microsoft.com/office/drawing/2014/main" id="{003F2891-3411-8AFB-5D67-90AD8CE33720}"/>
+              <a16:creationId xmlns:a16="http://schemas.microsoft.com/office/drawing/2014/main" id="{E96DD933-9E93-4321-D965-B067EFA10BC9}"/>
             </a:ext>
           </a:extLst>
         </p:cNvPr>
@@ -12800,7 +10349,7 @@
           <p:cNvPr id="7" name="Picture 6">
             <a:extLst>
               <a:ext uri="{FF2B5EF4-FFF2-40B4-BE49-F238E27FC236}">
-                <a16:creationId xmlns:a16="http://schemas.microsoft.com/office/drawing/2014/main" id="{4566B928-029B-F711-F9ED-6681A1101BB7}"/>
+                <a16:creationId xmlns:a16="http://schemas.microsoft.com/office/drawing/2014/main" id="{5D1560CB-C582-AE30-F6AC-CF203C0E7524}"/>
               </a:ext>
             </a:extLst>
           </p:cNvPr>
@@ -12836,7 +10385,7 @@
           <p:cNvPr id="8" name="TextBox 7">
             <a:extLst>
               <a:ext uri="{FF2B5EF4-FFF2-40B4-BE49-F238E27FC236}">
-                <a16:creationId xmlns:a16="http://schemas.microsoft.com/office/drawing/2014/main" id="{C04F82D9-2F80-0136-40A7-2E7D1E3187C1}"/>
+                <a16:creationId xmlns:a16="http://schemas.microsoft.com/office/drawing/2014/main" id="{964F5ED1-B8CB-71D5-AC0F-9CD3D1699950}"/>
               </a:ext>
             </a:extLst>
           </p:cNvPr>
@@ -12892,7 +10441,7 @@
           <p:cNvPr id="13" name="Scroll: Vertical 12">
             <a:extLst>
               <a:ext uri="{FF2B5EF4-FFF2-40B4-BE49-F238E27FC236}">
-                <a16:creationId xmlns:a16="http://schemas.microsoft.com/office/drawing/2014/main" id="{80D83EF7-B9ED-BB2C-452F-3029C342AF86}"/>
+                <a16:creationId xmlns:a16="http://schemas.microsoft.com/office/drawing/2014/main" id="{5038EA8D-7864-BE3E-498E-8AA5EA2BB75A}"/>
               </a:ext>
             </a:extLst>
           </p:cNvPr>
@@ -12945,10 +10494,10 @@
       </p:sp>
       <p:sp>
         <p:nvSpPr>
-          <p:cNvPr id="4" name="TextBox 3">
+          <p:cNvPr id="2" name="TextBox 1">
             <a:extLst>
               <a:ext uri="{FF2B5EF4-FFF2-40B4-BE49-F238E27FC236}">
-                <a16:creationId xmlns:a16="http://schemas.microsoft.com/office/drawing/2014/main" id="{68818395-D774-AE81-8D50-22EFF53F845F}"/>
+                <a16:creationId xmlns:a16="http://schemas.microsoft.com/office/drawing/2014/main" id="{D3811D06-FB79-4E52-FB31-001BB1645109}"/>
               </a:ext>
             </a:extLst>
           </p:cNvPr>
@@ -12957,8 +10506,8 @@
         </p:nvSpPr>
         <p:spPr>
           <a:xfrm>
-            <a:off x="1109533" y="259307"/>
-            <a:ext cx="2559868" cy="707886"/>
+            <a:off x="1915234" y="1255590"/>
+            <a:ext cx="7215117" cy="4077526"/>
           </a:xfrm>
           <a:prstGeom prst="rect">
             <a:avLst/>
@@ -12966,26 +10515,114 @@
           <a:noFill/>
         </p:spPr>
         <p:txBody>
-          <a:bodyPr wrap="none" rtlCol="0">
+          <a:bodyPr wrap="square" rtlCol="0">
             <a:spAutoFit/>
           </a:bodyPr>
           <a:lstStyle/>
           <a:p>
-            <a:r>
-              <a:rPr lang="en-US" sz="4000" b="1" dirty="0">
-                <a:latin typeface="Arial Black" panose="020B0A04020102020204" pitchFamily="34" charset="0"/>
+            <a:pPr marL="285750" indent="-285750">
+              <a:lnSpc>
+                <a:spcPct val="150000"/>
+              </a:lnSpc>
+              <a:buFont typeface="Wingdings" panose="05000000000000000000" pitchFamily="2" charset="2"/>
+              <a:buChar char="Ø"/>
+            </a:pPr>
+            <a:r>
+              <a:rPr lang="en-US" sz="3600" b="1" dirty="0">
+                <a:latin typeface="Times New Roman" panose="02020603050405020304" pitchFamily="18" charset="0"/>
+                <a:cs typeface="Times New Roman" panose="02020603050405020304" pitchFamily="18" charset="0"/>
               </a:rPr>
-              <a:t>Week #2</a:t>
-            </a:r>
-          </a:p>
-        </p:txBody>
-      </p:sp>
-      <p:sp>
-        <p:nvSpPr>
-          <p:cNvPr id="2" name="TextBox 1">
+              <a:t>Day 3: </a:t>
+            </a:r>
+          </a:p>
+          <a:p>
+            <a:pPr marL="1485900" lvl="2" indent="-571500">
+              <a:lnSpc>
+                <a:spcPct val="150000"/>
+              </a:lnSpc>
+              <a:buFont typeface="+mj-lt"/>
+              <a:buAutoNum type="romanUcPeriod"/>
+            </a:pPr>
+            <a:r>
+              <a:rPr lang="en-US" sz="2800" dirty="0">
+                <a:latin typeface="Times New Roman" panose="02020603050405020304" pitchFamily="18" charset="0"/>
+                <a:cs typeface="Times New Roman" panose="02020603050405020304" pitchFamily="18" charset="0"/>
+              </a:rPr>
+              <a:t>Product listing guidelines</a:t>
+            </a:r>
+          </a:p>
+          <a:p>
+            <a:pPr marL="1485900" lvl="2" indent="-571500">
+              <a:lnSpc>
+                <a:spcPct val="150000"/>
+              </a:lnSpc>
+              <a:buFont typeface="+mj-lt"/>
+              <a:buAutoNum type="romanUcPeriod"/>
+            </a:pPr>
+            <a:r>
+              <a:rPr lang="en-US" sz="2800" dirty="0">
+                <a:latin typeface="Times New Roman" panose="02020603050405020304" pitchFamily="18" charset="0"/>
+                <a:cs typeface="Times New Roman" panose="02020603050405020304" pitchFamily="18" charset="0"/>
+              </a:rPr>
+              <a:t>Listing requires</a:t>
+            </a:r>
+          </a:p>
+          <a:p>
+            <a:pPr marL="1943100" lvl="3" indent="-571500">
+              <a:lnSpc>
+                <a:spcPct val="150000"/>
+              </a:lnSpc>
+              <a:buFont typeface="Arial" panose="020B0604020202020204" pitchFamily="34" charset="0"/>
+              <a:buChar char="•"/>
+            </a:pPr>
+            <a:r>
+              <a:rPr lang="en-US" sz="2800" dirty="0">
+                <a:latin typeface="Times New Roman" panose="02020603050405020304" pitchFamily="18" charset="0"/>
+                <a:cs typeface="Times New Roman" panose="02020603050405020304" pitchFamily="18" charset="0"/>
+              </a:rPr>
+              <a:t>Title, Description, Images</a:t>
+            </a:r>
+          </a:p>
+          <a:p>
+            <a:pPr marL="1485900" lvl="2" indent="-571500">
+              <a:lnSpc>
+                <a:spcPct val="150000"/>
+              </a:lnSpc>
+              <a:buFont typeface="+mj-lt"/>
+              <a:buAutoNum type="romanUcPeriod"/>
+            </a:pPr>
+            <a:r>
+              <a:rPr lang="en-US" sz="2800" dirty="0">
+                <a:latin typeface="Times New Roman" panose="02020603050405020304" pitchFamily="18" charset="0"/>
+                <a:cs typeface="Times New Roman" panose="02020603050405020304" pitchFamily="18" charset="0"/>
+              </a:rPr>
+              <a:t>Creating Sample Product</a:t>
+            </a:r>
+          </a:p>
+          <a:p>
+            <a:pPr marL="1485900" lvl="2" indent="-571500">
+              <a:lnSpc>
+                <a:spcPct val="150000"/>
+              </a:lnSpc>
+              <a:buFont typeface="+mj-lt"/>
+              <a:buAutoNum type="romanUcPeriod"/>
+            </a:pPr>
+            <a:r>
+              <a:rPr lang="en-US" sz="2800" dirty="0">
+                <a:latin typeface="Times New Roman" panose="02020603050405020304" pitchFamily="18" charset="0"/>
+                <a:cs typeface="Times New Roman" panose="02020603050405020304" pitchFamily="18" charset="0"/>
+              </a:rPr>
+              <a:t>Review and Feedback on listing</a:t>
+            </a:r>
+          </a:p>
+        </p:txBody>
+      </p:sp>
+      <p:sp>
+        <p:nvSpPr>
+          <p:cNvPr id="3" name="TextBox 2">
             <a:extLst>
               <a:ext uri="{FF2B5EF4-FFF2-40B4-BE49-F238E27FC236}">
-                <a16:creationId xmlns:a16="http://schemas.microsoft.com/office/drawing/2014/main" id="{04A36969-EC5A-8D8C-0622-471A5612BD53}"/>
+                <a16:creationId xmlns:a16="http://schemas.microsoft.com/office/drawing/2014/main" id="{5CDE55E0-C350-BA4F-4A33-CDF5780CF05D}"/>
               </a:ext>
             </a:extLst>
           </p:cNvPr>
@@ -12994,8 +10631,8 @@
         </p:nvSpPr>
         <p:spPr>
           <a:xfrm>
-            <a:off x="1123181" y="859806"/>
-            <a:ext cx="8128000" cy="523221"/>
+            <a:off x="1109533" y="259307"/>
+            <a:ext cx="2559868" cy="707886"/>
           </a:xfrm>
           <a:prstGeom prst="rect">
             <a:avLst/>
@@ -13003,743 +10640,16 @@
           <a:noFill/>
         </p:spPr>
         <p:txBody>
-          <a:bodyPr wrap="square" rtlCol="0">
+          <a:bodyPr wrap="none" rtlCol="0">
             <a:spAutoFit/>
           </a:bodyPr>
           <a:lstStyle/>
           <a:p>
             <a:r>
-              <a:rPr lang="en-US" sz="2800" b="1" dirty="0">
-                <a:latin typeface="Times New Roman" panose="02020603050405020304" pitchFamily="18" charset="0"/>
-                <a:cs typeface="Times New Roman" panose="02020603050405020304" pitchFamily="18" charset="0"/>
+              <a:rPr lang="en-US" sz="4000" b="1" dirty="0">
+                <a:latin typeface="Arial Black" panose="020B0A04020102020204" pitchFamily="34" charset="0"/>
               </a:rPr>
-              <a:t>eCommerce Best tools:</a:t>
-            </a:r>
-          </a:p>
-        </p:txBody>
-      </p:sp>
-      <p:graphicFrame>
-        <p:nvGraphicFramePr>
-          <p:cNvPr id="3" name="Table 2">
-            <a:extLst>
-              <a:ext uri="{FF2B5EF4-FFF2-40B4-BE49-F238E27FC236}">
-                <a16:creationId xmlns:a16="http://schemas.microsoft.com/office/drawing/2014/main" id="{A7F9BD1A-718B-17CB-A9F4-F16C46A06FC0}"/>
-              </a:ext>
-            </a:extLst>
-          </p:cNvPr>
-          <p:cNvGraphicFramePr>
-            <a:graphicFrameLocks noGrp="1"/>
-          </p:cNvGraphicFramePr>
-          <p:nvPr>
-            <p:extLst>
-              <p:ext uri="{D42A27DB-BD31-4B8C-83A1-F6EECF244321}">
-                <p14:modId xmlns:p14="http://schemas.microsoft.com/office/powerpoint/2010/main" val="4084679140"/>
-              </p:ext>
-            </p:extLst>
-          </p:nvPr>
-        </p:nvGraphicFramePr>
-        <p:xfrm>
-          <a:off x="1364345" y="1387325"/>
-          <a:ext cx="8128000" cy="1854200"/>
-        </p:xfrm>
-        <a:graphic>
-          <a:graphicData uri="http://schemas.openxmlformats.org/drawingml/2006/table">
-            <a:tbl>
-              <a:tblPr firstRow="1" bandRow="1">
-                <a:tableStyleId>{5940675A-B579-460E-94D1-54222C63F5DA}</a:tableStyleId>
-              </a:tblPr>
-              <a:tblGrid>
-                <a:gridCol w="4064000">
-                  <a:extLst>
-                    <a:ext uri="{9D8B030D-6E8A-4147-A177-3AD203B41FA5}">
-                      <a16:colId xmlns:a16="http://schemas.microsoft.com/office/drawing/2014/main" val="1732600873"/>
-                    </a:ext>
-                  </a:extLst>
-                </a:gridCol>
-                <a:gridCol w="4064000">
-                  <a:extLst>
-                    <a:ext uri="{9D8B030D-6E8A-4147-A177-3AD203B41FA5}">
-                      <a16:colId xmlns:a16="http://schemas.microsoft.com/office/drawing/2014/main" val="1250379400"/>
-                    </a:ext>
-                  </a:extLst>
-                </a:gridCol>
-              </a:tblGrid>
-              <a:tr h="370840">
-                <a:tc>
-                  <a:txBody>
-                    <a:bodyPr/>
-                    <a:lstStyle/>
-                    <a:p>
-                      <a:r>
-                        <a:rPr lang="en-US" dirty="0"/>
-                        <a:t>Shopify</a:t>
-                      </a:r>
-                    </a:p>
-                  </a:txBody>
-                  <a:tcPr/>
-                </a:tc>
-                <a:tc>
-                  <a:txBody>
-                    <a:bodyPr/>
-                    <a:lstStyle/>
-                    <a:p>
-                      <a:r>
-                        <a:rPr lang="en-US" dirty="0" err="1"/>
-                        <a:t>MDCart</a:t>
-                      </a:r>
-                      <a:endParaRPr lang="en-US" dirty="0"/>
-                    </a:p>
-                  </a:txBody>
-                  <a:tcPr/>
-                </a:tc>
-                <a:extLst>
-                  <a:ext uri="{0D108BD9-81ED-4DB2-BD59-A6C34878D82A}">
-                    <a16:rowId xmlns:a16="http://schemas.microsoft.com/office/drawing/2014/main" val="3286862163"/>
-                  </a:ext>
-                </a:extLst>
-              </a:tr>
-              <a:tr h="370840">
-                <a:tc>
-                  <a:txBody>
-                    <a:bodyPr/>
-                    <a:lstStyle/>
-                    <a:p>
-                      <a:r>
-                        <a:rPr lang="en-US" dirty="0"/>
-                        <a:t>WooCommerce</a:t>
-                      </a:r>
-                    </a:p>
-                  </a:txBody>
-                  <a:tcPr/>
-                </a:tc>
-                <a:tc>
-                  <a:txBody>
-                    <a:bodyPr/>
-                    <a:lstStyle/>
-                    <a:p>
-                      <a:r>
-                        <a:rPr lang="en-US" dirty="0"/>
-                        <a:t>eBay</a:t>
-                      </a:r>
-                    </a:p>
-                  </a:txBody>
-                  <a:tcPr/>
-                </a:tc>
-                <a:extLst>
-                  <a:ext uri="{0D108BD9-81ED-4DB2-BD59-A6C34878D82A}">
-                    <a16:rowId xmlns:a16="http://schemas.microsoft.com/office/drawing/2014/main" val="3849465285"/>
-                  </a:ext>
-                </a:extLst>
-              </a:tr>
-              <a:tr h="370840">
-                <a:tc>
-                  <a:txBody>
-                    <a:bodyPr/>
-                    <a:lstStyle/>
-                    <a:p>
-                      <a:r>
-                        <a:rPr lang="en-US" dirty="0"/>
-                        <a:t>BigCommerce</a:t>
-                      </a:r>
-                    </a:p>
-                  </a:txBody>
-                  <a:tcPr/>
-                </a:tc>
-                <a:tc>
-                  <a:txBody>
-                    <a:bodyPr/>
-                    <a:lstStyle/>
-                    <a:p>
-                      <a:r>
-                        <a:rPr lang="en-US" dirty="0"/>
-                        <a:t>Amazon</a:t>
-                      </a:r>
-                    </a:p>
-                  </a:txBody>
-                  <a:tcPr/>
-                </a:tc>
-                <a:extLst>
-                  <a:ext uri="{0D108BD9-81ED-4DB2-BD59-A6C34878D82A}">
-                    <a16:rowId xmlns:a16="http://schemas.microsoft.com/office/drawing/2014/main" val="4044009842"/>
-                  </a:ext>
-                </a:extLst>
-              </a:tr>
-              <a:tr h="370840">
-                <a:tc>
-                  <a:txBody>
-                    <a:bodyPr/>
-                    <a:lstStyle/>
-                    <a:p>
-                      <a:r>
-                        <a:rPr lang="en-US" dirty="0"/>
-                        <a:t>WIX</a:t>
-                      </a:r>
-                    </a:p>
-                  </a:txBody>
-                  <a:tcPr/>
-                </a:tc>
-                <a:tc>
-                  <a:txBody>
-                    <a:bodyPr/>
-                    <a:lstStyle/>
-                    <a:p>
-                      <a:r>
-                        <a:rPr lang="en-US" dirty="0"/>
-                        <a:t>AliExpress</a:t>
-                      </a:r>
-                    </a:p>
-                  </a:txBody>
-                  <a:tcPr/>
-                </a:tc>
-                <a:extLst>
-                  <a:ext uri="{0D108BD9-81ED-4DB2-BD59-A6C34878D82A}">
-                    <a16:rowId xmlns:a16="http://schemas.microsoft.com/office/drawing/2014/main" val="2057810378"/>
-                  </a:ext>
-                </a:extLst>
-              </a:tr>
-              <a:tr h="370840">
-                <a:tc>
-                  <a:txBody>
-                    <a:bodyPr/>
-                    <a:lstStyle/>
-                    <a:p>
-                      <a:r>
-                        <a:rPr lang="en-US" dirty="0" err="1"/>
-                        <a:t>SquareSpace</a:t>
-                      </a:r>
-                      <a:endParaRPr lang="en-US" dirty="0"/>
-                    </a:p>
-                  </a:txBody>
-                  <a:tcPr/>
-                </a:tc>
-                <a:tc>
-                  <a:txBody>
-                    <a:bodyPr/>
-                    <a:lstStyle/>
-                    <a:p>
-                      <a:r>
-                        <a:rPr lang="en-US" dirty="0" err="1"/>
-                        <a:t>Daraz</a:t>
-                      </a:r>
-                      <a:endParaRPr lang="en-US" dirty="0"/>
-                    </a:p>
-                  </a:txBody>
-                  <a:tcPr/>
-                </a:tc>
-                <a:extLst>
-                  <a:ext uri="{0D108BD9-81ED-4DB2-BD59-A6C34878D82A}">
-                    <a16:rowId xmlns:a16="http://schemas.microsoft.com/office/drawing/2014/main" val="1839777252"/>
-                  </a:ext>
-                </a:extLst>
-              </a:tr>
-            </a:tbl>
-          </a:graphicData>
-        </a:graphic>
-      </p:graphicFrame>
-      <p:pic>
-        <p:nvPicPr>
-          <p:cNvPr id="1026" name="Picture 2" descr="Shopify logo - Social media &amp; Logos Icons">
-            <a:extLst>
-              <a:ext uri="{FF2B5EF4-FFF2-40B4-BE49-F238E27FC236}">
-                <a16:creationId xmlns:a16="http://schemas.microsoft.com/office/drawing/2014/main" id="{14B8459C-8152-92DA-E111-A071D38CCB60}"/>
-              </a:ext>
-            </a:extLst>
-          </p:cNvPr>
-          <p:cNvPicPr>
-            <a:picLocks noChangeAspect="1" noChangeArrowheads="1"/>
-          </p:cNvPicPr>
-          <p:nvPr/>
-        </p:nvPicPr>
-        <p:blipFill>
-          <a:blip r:embed="rId3">
-            <a:extLst>
-              <a:ext uri="{28A0092B-C50C-407E-A947-70E740481C1C}">
-                <a14:useLocalDpi xmlns:a14="http://schemas.microsoft.com/office/drawing/2010/main" val="0"/>
-              </a:ext>
-            </a:extLst>
-          </a:blip>
-          <a:srcRect/>
-          <a:stretch>
-            <a:fillRect/>
-          </a:stretch>
-        </p:blipFill>
-        <p:spPr bwMode="auto">
-          <a:xfrm>
-            <a:off x="2147460" y="3963109"/>
-            <a:ext cx="1095361" cy="1095361"/>
-          </a:xfrm>
-          <a:prstGeom prst="rect">
-            <a:avLst/>
-          </a:prstGeom>
-          <a:noFill/>
-          <a:extLst>
-            <a:ext uri="{909E8E84-426E-40DD-AFC4-6F175D3DCCD1}">
-              <a14:hiddenFill xmlns:a14="http://schemas.microsoft.com/office/drawing/2010/main">
-                <a:solidFill>
-                  <a:srgbClr val="FFFFFF"/>
-                </a:solidFill>
-              </a14:hiddenFill>
-            </a:ext>
-          </a:extLst>
-        </p:spPr>
-      </p:pic>
-      <p:pic>
-        <p:nvPicPr>
-          <p:cNvPr id="1028" name="Picture 4" descr="Product: WooCommerce | CMS Critic">
-            <a:extLst>
-              <a:ext uri="{FF2B5EF4-FFF2-40B4-BE49-F238E27FC236}">
-                <a16:creationId xmlns:a16="http://schemas.microsoft.com/office/drawing/2014/main" id="{E3D05A1E-6829-4813-3ECA-F24A65E9EFA1}"/>
-              </a:ext>
-            </a:extLst>
-          </p:cNvPr>
-          <p:cNvPicPr>
-            <a:picLocks noChangeAspect="1" noChangeArrowheads="1"/>
-          </p:cNvPicPr>
-          <p:nvPr/>
-        </p:nvPicPr>
-        <p:blipFill>
-          <a:blip r:embed="rId4">
-            <a:extLst>
-              <a:ext uri="{28A0092B-C50C-407E-A947-70E740481C1C}">
-                <a14:useLocalDpi xmlns:a14="http://schemas.microsoft.com/office/drawing/2010/main" val="0"/>
-              </a:ext>
-            </a:extLst>
-          </a:blip>
-          <a:srcRect/>
-          <a:stretch>
-            <a:fillRect/>
-          </a:stretch>
-        </p:blipFill>
-        <p:spPr bwMode="auto">
-          <a:xfrm>
-            <a:off x="3352796" y="4135286"/>
-            <a:ext cx="752324" cy="752324"/>
-          </a:xfrm>
-          <a:prstGeom prst="rect">
-            <a:avLst/>
-          </a:prstGeom>
-          <a:noFill/>
-          <a:extLst>
-            <a:ext uri="{909E8E84-426E-40DD-AFC4-6F175D3DCCD1}">
-              <a14:hiddenFill xmlns:a14="http://schemas.microsoft.com/office/drawing/2010/main">
-                <a:solidFill>
-                  <a:srgbClr val="FFFFFF"/>
-                </a:solidFill>
-              </a14:hiddenFill>
-            </a:ext>
-          </a:extLst>
-        </p:spPr>
-      </p:pic>
-      <p:pic>
-        <p:nvPicPr>
-          <p:cNvPr id="1030" name="Picture 6" descr="Wix - Free logo icons">
-            <a:extLst>
-              <a:ext uri="{FF2B5EF4-FFF2-40B4-BE49-F238E27FC236}">
-                <a16:creationId xmlns:a16="http://schemas.microsoft.com/office/drawing/2014/main" id="{6E9BB77F-A195-4764-C880-91649A6F38F9}"/>
-              </a:ext>
-            </a:extLst>
-          </p:cNvPr>
-          <p:cNvPicPr>
-            <a:picLocks noChangeAspect="1" noChangeArrowheads="1"/>
-          </p:cNvPicPr>
-          <p:nvPr/>
-        </p:nvPicPr>
-        <p:blipFill>
-          <a:blip r:embed="rId5">
-            <a:extLst>
-              <a:ext uri="{28A0092B-C50C-407E-A947-70E740481C1C}">
-                <a14:useLocalDpi xmlns:a14="http://schemas.microsoft.com/office/drawing/2010/main" val="0"/>
-              </a:ext>
-            </a:extLst>
-          </a:blip>
-          <a:srcRect/>
-          <a:stretch>
-            <a:fillRect/>
-          </a:stretch>
-        </p:blipFill>
-        <p:spPr bwMode="auto">
-          <a:xfrm>
-            <a:off x="4418856" y="4124400"/>
-            <a:ext cx="752324" cy="752324"/>
-          </a:xfrm>
-          <a:prstGeom prst="rect">
-            <a:avLst/>
-          </a:prstGeom>
-          <a:noFill/>
-          <a:extLst>
-            <a:ext uri="{909E8E84-426E-40DD-AFC4-6F175D3DCCD1}">
-              <a14:hiddenFill xmlns:a14="http://schemas.microsoft.com/office/drawing/2010/main">
-                <a:solidFill>
-                  <a:srgbClr val="FFFFFF"/>
-                </a:solidFill>
-              </a14:hiddenFill>
-            </a:ext>
-          </a:extLst>
-        </p:spPr>
-      </p:pic>
-      <p:pic>
-        <p:nvPicPr>
-          <p:cNvPr id="1032" name="Picture 8" descr="Squarespace circle icon svg png free download">
-            <a:extLst>
-              <a:ext uri="{FF2B5EF4-FFF2-40B4-BE49-F238E27FC236}">
-                <a16:creationId xmlns:a16="http://schemas.microsoft.com/office/drawing/2014/main" id="{4E1EAED1-2029-7921-FA74-4A78405B5AAC}"/>
-              </a:ext>
-            </a:extLst>
-          </p:cNvPr>
-          <p:cNvPicPr>
-            <a:picLocks noChangeAspect="1" noChangeArrowheads="1"/>
-          </p:cNvPicPr>
-          <p:nvPr/>
-        </p:nvPicPr>
-        <p:blipFill>
-          <a:blip r:embed="rId6">
-            <a:extLst>
-              <a:ext uri="{28A0092B-C50C-407E-A947-70E740481C1C}">
-                <a14:useLocalDpi xmlns:a14="http://schemas.microsoft.com/office/drawing/2010/main" val="0"/>
-              </a:ext>
-            </a:extLst>
-          </a:blip>
-          <a:srcRect/>
-          <a:stretch>
-            <a:fillRect/>
-          </a:stretch>
-        </p:blipFill>
-        <p:spPr bwMode="auto">
-          <a:xfrm>
-            <a:off x="5484916" y="4124400"/>
-            <a:ext cx="772780" cy="772780"/>
-          </a:xfrm>
-          <a:prstGeom prst="rect">
-            <a:avLst/>
-          </a:prstGeom>
-          <a:noFill/>
-          <a:extLst>
-            <a:ext uri="{909E8E84-426E-40DD-AFC4-6F175D3DCCD1}">
-              <a14:hiddenFill xmlns:a14="http://schemas.microsoft.com/office/drawing/2010/main">
-                <a:solidFill>
-                  <a:srgbClr val="FFFFFF"/>
-                </a:solidFill>
-              </a14:hiddenFill>
-            </a:ext>
-          </a:extLst>
-        </p:spPr>
-      </p:pic>
-      <p:pic>
-        <p:nvPicPr>
-          <p:cNvPr id="1034" name="Picture 10" descr="BigCommerce">
-            <a:extLst>
-              <a:ext uri="{FF2B5EF4-FFF2-40B4-BE49-F238E27FC236}">
-                <a16:creationId xmlns:a16="http://schemas.microsoft.com/office/drawing/2014/main" id="{682C9A72-0AB1-56AB-449C-AA02F1352283}"/>
-              </a:ext>
-            </a:extLst>
-          </p:cNvPr>
-          <p:cNvPicPr>
-            <a:picLocks noChangeAspect="1" noChangeArrowheads="1"/>
-          </p:cNvPicPr>
-          <p:nvPr/>
-        </p:nvPicPr>
-        <p:blipFill>
-          <a:blip r:embed="rId7">
-            <a:extLst>
-              <a:ext uri="{28A0092B-C50C-407E-A947-70E740481C1C}">
-                <a14:useLocalDpi xmlns:a14="http://schemas.microsoft.com/office/drawing/2010/main" val="0"/>
-              </a:ext>
-            </a:extLst>
-          </a:blip>
-          <a:srcRect/>
-          <a:stretch>
-            <a:fillRect/>
-          </a:stretch>
-        </p:blipFill>
-        <p:spPr bwMode="auto">
-          <a:xfrm>
-            <a:off x="6571432" y="4103944"/>
-            <a:ext cx="776229" cy="772780"/>
-          </a:xfrm>
-          <a:prstGeom prst="rect">
-            <a:avLst/>
-          </a:prstGeom>
-          <a:noFill/>
-          <a:extLst>
-            <a:ext uri="{909E8E84-426E-40DD-AFC4-6F175D3DCCD1}">
-              <a14:hiddenFill xmlns:a14="http://schemas.microsoft.com/office/drawing/2010/main">
-                <a:solidFill>
-                  <a:srgbClr val="FFFFFF"/>
-                </a:solidFill>
-              </a14:hiddenFill>
-            </a:ext>
-          </a:extLst>
-        </p:spPr>
-      </p:pic>
-      <p:pic>
-        <p:nvPicPr>
-          <p:cNvPr id="1036" name="Picture 12" descr="MD Carts – Leisure Carts">
-            <a:extLst>
-              <a:ext uri="{FF2B5EF4-FFF2-40B4-BE49-F238E27FC236}">
-                <a16:creationId xmlns:a16="http://schemas.microsoft.com/office/drawing/2014/main" id="{A94BD6B9-1881-DA9A-CF12-8B4C6FED903E}"/>
-              </a:ext>
-            </a:extLst>
-          </p:cNvPr>
-          <p:cNvPicPr>
-            <a:picLocks noChangeAspect="1" noChangeArrowheads="1"/>
-          </p:cNvPicPr>
-          <p:nvPr/>
-        </p:nvPicPr>
-        <p:blipFill>
-          <a:blip r:embed="rId8">
-            <a:extLst>
-              <a:ext uri="{28A0092B-C50C-407E-A947-70E740481C1C}">
-                <a14:useLocalDpi xmlns:a14="http://schemas.microsoft.com/office/drawing/2010/main" val="0"/>
-              </a:ext>
-            </a:extLst>
-          </a:blip>
-          <a:srcRect/>
-          <a:stretch>
-            <a:fillRect/>
-          </a:stretch>
-        </p:blipFill>
-        <p:spPr bwMode="auto">
-          <a:xfrm>
-            <a:off x="3367583" y="5141956"/>
-            <a:ext cx="737537" cy="737537"/>
-          </a:xfrm>
-          <a:prstGeom prst="rect">
-            <a:avLst/>
-          </a:prstGeom>
-          <a:noFill/>
-          <a:extLst>
-            <a:ext uri="{909E8E84-426E-40DD-AFC4-6F175D3DCCD1}">
-              <a14:hiddenFill xmlns:a14="http://schemas.microsoft.com/office/drawing/2010/main">
-                <a:solidFill>
-                  <a:srgbClr val="FFFFFF"/>
-                </a:solidFill>
-              </a14:hiddenFill>
-            </a:ext>
-          </a:extLst>
-        </p:spPr>
-      </p:pic>
-      <p:pic>
-        <p:nvPicPr>
-          <p:cNvPr id="1038" name="Picture 14" descr="Ebay Roundicons Circle flat icon">
-            <a:extLst>
-              <a:ext uri="{FF2B5EF4-FFF2-40B4-BE49-F238E27FC236}">
-                <a16:creationId xmlns:a16="http://schemas.microsoft.com/office/drawing/2014/main" id="{B899C355-8E55-CA0F-9356-CF11E7B05D54}"/>
-              </a:ext>
-            </a:extLst>
-          </p:cNvPr>
-          <p:cNvPicPr>
-            <a:picLocks noChangeAspect="1" noChangeArrowheads="1"/>
-          </p:cNvPicPr>
-          <p:nvPr/>
-        </p:nvPicPr>
-        <p:blipFill>
-          <a:blip r:embed="rId9">
-            <a:extLst>
-              <a:ext uri="{28A0092B-C50C-407E-A947-70E740481C1C}">
-                <a14:useLocalDpi xmlns:a14="http://schemas.microsoft.com/office/drawing/2010/main" val="0"/>
-              </a:ext>
-            </a:extLst>
-          </a:blip>
-          <a:srcRect/>
-          <a:stretch>
-            <a:fillRect/>
-          </a:stretch>
-        </p:blipFill>
-        <p:spPr bwMode="auto">
-          <a:xfrm>
-            <a:off x="4418856" y="5127169"/>
-            <a:ext cx="752324" cy="752324"/>
-          </a:xfrm>
-          <a:prstGeom prst="rect">
-            <a:avLst/>
-          </a:prstGeom>
-          <a:noFill/>
-          <a:extLst>
-            <a:ext uri="{909E8E84-426E-40DD-AFC4-6F175D3DCCD1}">
-              <a14:hiddenFill xmlns:a14="http://schemas.microsoft.com/office/drawing/2010/main">
-                <a:solidFill>
-                  <a:srgbClr val="FFFFFF"/>
-                </a:solidFill>
-              </a14:hiddenFill>
-            </a:ext>
-          </a:extLst>
-        </p:spPr>
-      </p:pic>
-      <p:pic>
-        <p:nvPicPr>
-          <p:cNvPr id="1040" name="Picture 16" descr="Amazon Logo and sign, new logo meaning and history, PNG, SVG">
-            <a:extLst>
-              <a:ext uri="{FF2B5EF4-FFF2-40B4-BE49-F238E27FC236}">
-                <a16:creationId xmlns:a16="http://schemas.microsoft.com/office/drawing/2014/main" id="{3DA69B40-6817-A665-468C-937E14D2AD57}"/>
-              </a:ext>
-            </a:extLst>
-          </p:cNvPr>
-          <p:cNvPicPr>
-            <a:picLocks noChangeAspect="1" noChangeArrowheads="1"/>
-          </p:cNvPicPr>
-          <p:nvPr/>
-        </p:nvPicPr>
-        <p:blipFill>
-          <a:blip r:embed="rId10">
-            <a:extLst>
-              <a:ext uri="{28A0092B-C50C-407E-A947-70E740481C1C}">
-                <a14:useLocalDpi xmlns:a14="http://schemas.microsoft.com/office/drawing/2010/main" val="0"/>
-              </a:ext>
-            </a:extLst>
-          </a:blip>
-          <a:srcRect/>
-          <a:stretch>
-            <a:fillRect/>
-          </a:stretch>
-        </p:blipFill>
-        <p:spPr bwMode="auto">
-          <a:xfrm>
-            <a:off x="5185694" y="5055657"/>
-            <a:ext cx="1373833" cy="772781"/>
-          </a:xfrm>
-          <a:prstGeom prst="rect">
-            <a:avLst/>
-          </a:prstGeom>
-          <a:noFill/>
-          <a:extLst>
-            <a:ext uri="{909E8E84-426E-40DD-AFC4-6F175D3DCCD1}">
-              <a14:hiddenFill xmlns:a14="http://schemas.microsoft.com/office/drawing/2010/main">
-                <a:solidFill>
-                  <a:srgbClr val="FFFFFF"/>
-                </a:solidFill>
-              </a14:hiddenFill>
-            </a:ext>
-          </a:extLst>
-        </p:spPr>
-      </p:pic>
-      <p:pic>
-        <p:nvPicPr>
-          <p:cNvPr id="1044" name="Picture 20" descr="What is the AliExpress marketing strategy? | BluCactus Agency">
-            <a:extLst>
-              <a:ext uri="{FF2B5EF4-FFF2-40B4-BE49-F238E27FC236}">
-                <a16:creationId xmlns:a16="http://schemas.microsoft.com/office/drawing/2014/main" id="{3D0680E4-157B-8CA1-4129-10C9DC687979}"/>
-              </a:ext>
-            </a:extLst>
-          </p:cNvPr>
-          <p:cNvPicPr>
-            <a:picLocks noChangeAspect="1" noChangeArrowheads="1"/>
-          </p:cNvPicPr>
-          <p:nvPr/>
-        </p:nvPicPr>
-        <p:blipFill>
-          <a:blip r:embed="rId11">
-            <a:extLst>
-              <a:ext uri="{28A0092B-C50C-407E-A947-70E740481C1C}">
-                <a14:useLocalDpi xmlns:a14="http://schemas.microsoft.com/office/drawing/2010/main" val="0"/>
-              </a:ext>
-            </a:extLst>
-          </a:blip>
-          <a:srcRect/>
-          <a:stretch>
-            <a:fillRect/>
-          </a:stretch>
-        </p:blipFill>
-        <p:spPr bwMode="auto">
-          <a:xfrm>
-            <a:off x="6571432" y="5052209"/>
-            <a:ext cx="776229" cy="776229"/>
-          </a:xfrm>
-          <a:prstGeom prst="rect">
-            <a:avLst/>
-          </a:prstGeom>
-          <a:noFill/>
-          <a:extLst>
-            <a:ext uri="{909E8E84-426E-40DD-AFC4-6F175D3DCCD1}">
-              <a14:hiddenFill xmlns:a14="http://schemas.microsoft.com/office/drawing/2010/main">
-                <a:solidFill>
-                  <a:srgbClr val="FFFFFF"/>
-                </a:solidFill>
-              </a14:hiddenFill>
-            </a:ext>
-          </a:extLst>
-        </p:spPr>
-      </p:pic>
-      <p:pic>
-        <p:nvPicPr>
-          <p:cNvPr id="1046" name="Picture 22" descr="Daraz Logo PNG Vector (PDF) Free Download">
-            <a:extLst>
-              <a:ext uri="{FF2B5EF4-FFF2-40B4-BE49-F238E27FC236}">
-                <a16:creationId xmlns:a16="http://schemas.microsoft.com/office/drawing/2014/main" id="{22A634D7-0D55-A88F-9A5A-9751A41664A5}"/>
-              </a:ext>
-            </a:extLst>
-          </p:cNvPr>
-          <p:cNvPicPr>
-            <a:picLocks noChangeAspect="1" noChangeArrowheads="1"/>
-          </p:cNvPicPr>
-          <p:nvPr/>
-        </p:nvPicPr>
-        <p:blipFill>
-          <a:blip r:embed="rId12">
-            <a:extLst>
-              <a:ext uri="{28A0092B-C50C-407E-A947-70E740481C1C}">
-                <a14:useLocalDpi xmlns:a14="http://schemas.microsoft.com/office/drawing/2010/main" val="0"/>
-              </a:ext>
-            </a:extLst>
-          </a:blip>
-          <a:srcRect/>
-          <a:stretch>
-            <a:fillRect/>
-          </a:stretch>
-        </p:blipFill>
-        <p:spPr bwMode="auto">
-          <a:xfrm>
-            <a:off x="7877598" y="5052209"/>
-            <a:ext cx="776229" cy="776229"/>
-          </a:xfrm>
-          <a:prstGeom prst="rect">
-            <a:avLst/>
-          </a:prstGeom>
-          <a:noFill/>
-          <a:extLst>
-            <a:ext uri="{909E8E84-426E-40DD-AFC4-6F175D3DCCD1}">
-              <a14:hiddenFill xmlns:a14="http://schemas.microsoft.com/office/drawing/2010/main">
-                <a:solidFill>
-                  <a:srgbClr val="FFFFFF"/>
-                </a:solidFill>
-              </a14:hiddenFill>
-            </a:ext>
-          </a:extLst>
-        </p:spPr>
-      </p:pic>
-      <p:sp>
-        <p:nvSpPr>
-          <p:cNvPr id="6" name="TextBox 5">
-            <a:extLst>
-              <a:ext uri="{FF2B5EF4-FFF2-40B4-BE49-F238E27FC236}">
-                <a16:creationId xmlns:a16="http://schemas.microsoft.com/office/drawing/2014/main" id="{88702C35-4677-1C5F-4C0A-8605B488A586}"/>
-              </a:ext>
-            </a:extLst>
-          </p:cNvPr>
-          <p:cNvSpPr txBox="1"/>
-          <p:nvPr/>
-        </p:nvSpPr>
-        <p:spPr>
-          <a:xfrm>
-            <a:off x="1115927" y="3349013"/>
-            <a:ext cx="8128000" cy="523221"/>
-          </a:xfrm>
-          <a:prstGeom prst="rect">
-            <a:avLst/>
-          </a:prstGeom>
-          <a:noFill/>
-        </p:spPr>
-        <p:txBody>
-          <a:bodyPr wrap="square" rtlCol="0">
-            <a:spAutoFit/>
-          </a:bodyPr>
-          <a:lstStyle/>
-          <a:p>
-            <a:r>
-              <a:rPr lang="en-US" sz="2800" b="1" dirty="0">
-                <a:latin typeface="Times New Roman" panose="02020603050405020304" pitchFamily="18" charset="0"/>
-                <a:cs typeface="Times New Roman" panose="02020603050405020304" pitchFamily="18" charset="0"/>
-              </a:rPr>
-              <a:t>Platform signs:</a:t>
+              <a:t>Week #1</a:t>
             </a:r>
           </a:p>
         </p:txBody>
@@ -13747,7 +10657,7 @@
     </p:spTree>
     <p:extLst>
       <p:ext uri="{BB962C8B-B14F-4D97-AF65-F5344CB8AC3E}">
-        <p14:creationId xmlns:p14="http://schemas.microsoft.com/office/powerpoint/2010/main" val="1212246581"/>
+        <p14:creationId xmlns:p14="http://schemas.microsoft.com/office/powerpoint/2010/main" val="2003900591"/>
       </p:ext>
     </p:extLst>
   </p:cSld>

--- a/eCommerce/Lectures/2nd Week Lecture.pptx
+++ b/eCommerce/Lectures/2nd Week Lecture.pptx
@@ -849,7 +849,7 @@
           <a:p>
             <a:fld id="{F92B177F-34A6-4B22-B4DE-0B5E1D1AE6C4}" type="datetimeFigureOut">
               <a:rPr lang="en-US" smtClean="0"/>
-              <a:t>3/5/2024</a:t>
+              <a:t>4/8/2024</a:t>
             </a:fld>
             <a:endParaRPr lang="en-US"/>
           </a:p>
@@ -1100,7 +1100,7 @@
           <a:p>
             <a:fld id="{F92B177F-34A6-4B22-B4DE-0B5E1D1AE6C4}" type="datetimeFigureOut">
               <a:rPr lang="en-US" smtClean="0"/>
-              <a:t>3/5/2024</a:t>
+              <a:t>4/8/2024</a:t>
             </a:fld>
             <a:endParaRPr lang="en-US"/>
           </a:p>
@@ -1414,7 +1414,7 @@
           <a:p>
             <a:fld id="{F92B177F-34A6-4B22-B4DE-0B5E1D1AE6C4}" type="datetimeFigureOut">
               <a:rPr lang="en-US" smtClean="0"/>
-              <a:t>3/5/2024</a:t>
+              <a:t>4/8/2024</a:t>
             </a:fld>
             <a:endParaRPr lang="en-US"/>
           </a:p>
@@ -1755,7 +1755,7 @@
           <a:p>
             <a:fld id="{F92B177F-34A6-4B22-B4DE-0B5E1D1AE6C4}" type="datetimeFigureOut">
               <a:rPr lang="en-US" smtClean="0"/>
-              <a:t>3/5/2024</a:t>
+              <a:t>4/8/2024</a:t>
             </a:fld>
             <a:endParaRPr lang="en-US"/>
           </a:p>
@@ -2069,7 +2069,7 @@
           <a:p>
             <a:fld id="{F92B177F-34A6-4B22-B4DE-0B5E1D1AE6C4}" type="datetimeFigureOut">
               <a:rPr lang="en-US" smtClean="0"/>
-              <a:t>3/5/2024</a:t>
+              <a:t>4/8/2024</a:t>
             </a:fld>
             <a:endParaRPr lang="en-US"/>
           </a:p>
@@ -2462,7 +2462,7 @@
           <a:p>
             <a:fld id="{F92B177F-34A6-4B22-B4DE-0B5E1D1AE6C4}" type="datetimeFigureOut">
               <a:rPr lang="en-US" smtClean="0"/>
-              <a:t>3/5/2024</a:t>
+              <a:t>4/8/2024</a:t>
             </a:fld>
             <a:endParaRPr lang="en-US"/>
           </a:p>
@@ -2632,7 +2632,7 @@
           <a:p>
             <a:fld id="{F92B177F-34A6-4B22-B4DE-0B5E1D1AE6C4}" type="datetimeFigureOut">
               <a:rPr lang="en-US" smtClean="0"/>
-              <a:t>3/5/2024</a:t>
+              <a:t>4/8/2024</a:t>
             </a:fld>
             <a:endParaRPr lang="en-US"/>
           </a:p>
@@ -2812,7 +2812,7 @@
           <a:p>
             <a:fld id="{F92B177F-34A6-4B22-B4DE-0B5E1D1AE6C4}" type="datetimeFigureOut">
               <a:rPr lang="en-US" smtClean="0"/>
-              <a:t>3/5/2024</a:t>
+              <a:t>4/8/2024</a:t>
             </a:fld>
             <a:endParaRPr lang="en-US"/>
           </a:p>
@@ -2988,7 +2988,7 @@
           <a:p>
             <a:fld id="{F92B177F-34A6-4B22-B4DE-0B5E1D1AE6C4}" type="datetimeFigureOut">
               <a:rPr lang="en-US" smtClean="0"/>
-              <a:t>3/5/2024</a:t>
+              <a:t>4/8/2024</a:t>
             </a:fld>
             <a:endParaRPr lang="en-US"/>
           </a:p>
@@ -3235,7 +3235,7 @@
           <a:p>
             <a:fld id="{F92B177F-34A6-4B22-B4DE-0B5E1D1AE6C4}" type="datetimeFigureOut">
               <a:rPr lang="en-US" smtClean="0"/>
-              <a:t>3/5/2024</a:t>
+              <a:t>4/8/2024</a:t>
             </a:fld>
             <a:endParaRPr lang="en-US"/>
           </a:p>
@@ -3467,7 +3467,7 @@
           <a:p>
             <a:fld id="{F92B177F-34A6-4B22-B4DE-0B5E1D1AE6C4}" type="datetimeFigureOut">
               <a:rPr lang="en-US" smtClean="0"/>
-              <a:t>3/5/2024</a:t>
+              <a:t>4/8/2024</a:t>
             </a:fld>
             <a:endParaRPr lang="en-US"/>
           </a:p>
@@ -3841,7 +3841,7 @@
           <a:p>
             <a:fld id="{F92B177F-34A6-4B22-B4DE-0B5E1D1AE6C4}" type="datetimeFigureOut">
               <a:rPr lang="en-US" smtClean="0"/>
-              <a:t>3/5/2024</a:t>
+              <a:t>4/8/2024</a:t>
             </a:fld>
             <a:endParaRPr lang="en-US"/>
           </a:p>
@@ -3964,7 +3964,7 @@
           <a:p>
             <a:fld id="{F92B177F-34A6-4B22-B4DE-0B5E1D1AE6C4}" type="datetimeFigureOut">
               <a:rPr lang="en-US" smtClean="0"/>
-              <a:t>3/5/2024</a:t>
+              <a:t>4/8/2024</a:t>
             </a:fld>
             <a:endParaRPr lang="en-US"/>
           </a:p>
@@ -4059,7 +4059,7 @@
           <a:p>
             <a:fld id="{F92B177F-34A6-4B22-B4DE-0B5E1D1AE6C4}" type="datetimeFigureOut">
               <a:rPr lang="en-US" smtClean="0"/>
-              <a:t>3/5/2024</a:t>
+              <a:t>4/8/2024</a:t>
             </a:fld>
             <a:endParaRPr lang="en-US"/>
           </a:p>
@@ -4314,7 +4314,7 @@
           <a:p>
             <a:fld id="{F92B177F-34A6-4B22-B4DE-0B5E1D1AE6C4}" type="datetimeFigureOut">
               <a:rPr lang="en-US" smtClean="0"/>
-              <a:t>3/5/2024</a:t>
+              <a:t>4/8/2024</a:t>
             </a:fld>
             <a:endParaRPr lang="en-US"/>
           </a:p>
@@ -4577,7 +4577,7 @@
           <a:p>
             <a:fld id="{F92B177F-34A6-4B22-B4DE-0B5E1D1AE6C4}" type="datetimeFigureOut">
               <a:rPr lang="en-US" smtClean="0"/>
-              <a:t>3/5/2024</a:t>
+              <a:t>4/8/2024</a:t>
             </a:fld>
             <a:endParaRPr lang="en-US"/>
           </a:p>
@@ -5320,7 +5320,7 @@
           <a:p>
             <a:fld id="{F92B177F-34A6-4B22-B4DE-0B5E1D1AE6C4}" type="datetimeFigureOut">
               <a:rPr lang="en-US" smtClean="0"/>
-              <a:t>3/5/2024</a:t>
+              <a:t>4/8/2024</a:t>
             </a:fld>
             <a:endParaRPr lang="en-US"/>
           </a:p>
@@ -6776,7 +6776,7 @@
               <a:rPr lang="en-US" sz="4000" b="1" dirty="0">
                 <a:latin typeface="Arial Black" panose="020B0A04020102020204" pitchFamily="34" charset="0"/>
               </a:rPr>
-              <a:t>Week #1</a:t>
+              <a:t>Week #2</a:t>
             </a:r>
           </a:p>
         </p:txBody>
@@ -6997,7 +6997,7 @@
               <a:rPr lang="en-US" sz="4000" b="1" dirty="0">
                 <a:latin typeface="Arial Black" panose="020B0A04020102020204" pitchFamily="34" charset="0"/>
               </a:rPr>
-              <a:t>Week #1</a:t>
+              <a:t>Week #2</a:t>
             </a:r>
           </a:p>
         </p:txBody>
@@ -7293,7 +7293,7 @@
               <a:rPr lang="en-US" sz="4000" b="1" dirty="0">
                 <a:latin typeface="Arial Black" panose="020B0A04020102020204" pitchFamily="34" charset="0"/>
               </a:rPr>
-              <a:t>Week #1</a:t>
+              <a:t>Week #2</a:t>
             </a:r>
           </a:p>
         </p:txBody>
@@ -7725,7 +7725,7 @@
               <a:rPr lang="en-US" sz="4000" b="1" dirty="0">
                 <a:latin typeface="Arial Black" panose="020B0A04020102020204" pitchFamily="34" charset="0"/>
               </a:rPr>
-              <a:t>Week #1</a:t>
+              <a:t>Week #2</a:t>
             </a:r>
           </a:p>
         </p:txBody>
@@ -7946,7 +7946,7 @@
               <a:rPr lang="en-US" sz="4000" b="1" dirty="0">
                 <a:latin typeface="Arial Black" panose="020B0A04020102020204" pitchFamily="34" charset="0"/>
               </a:rPr>
-              <a:t>Week #1</a:t>
+              <a:t>Week #2</a:t>
             </a:r>
           </a:p>
         </p:txBody>
@@ -8214,7 +8214,7 @@
               <a:rPr lang="en-US" sz="4000" b="1" dirty="0">
                 <a:latin typeface="Arial Black" panose="020B0A04020102020204" pitchFamily="34" charset="0"/>
               </a:rPr>
-              <a:t>Week #1</a:t>
+              <a:t>Week #2</a:t>
             </a:r>
           </a:p>
         </p:txBody>
@@ -10649,7 +10649,7 @@
               <a:rPr lang="en-US" sz="4000" b="1" dirty="0">
                 <a:latin typeface="Arial Black" panose="020B0A04020102020204" pitchFamily="34" charset="0"/>
               </a:rPr>
-              <a:t>Week #1</a:t>
+              <a:t>Week #2</a:t>
             </a:r>
           </a:p>
         </p:txBody>
